--- a/lectures/p-01-variance-covariance-slope.pptx
+++ b/lectures/p-01-variance-covariance-slope.pptx
@@ -5,41 +5,42 @@
     <p:sldMasterId id="2147483648" r:id="rId1"/>
   </p:sldMasterIdLst>
   <p:notesMasterIdLst>
-    <p:notesMasterId r:id="rId31"/>
+    <p:notesMasterId r:id="rId32"/>
   </p:notesMasterIdLst>
   <p:handoutMasterIdLst>
-    <p:handoutMasterId r:id="rId32"/>
+    <p:handoutMasterId r:id="rId33"/>
   </p:handoutMasterIdLst>
   <p:sldIdLst>
     <p:sldId id="256" r:id="rId2"/>
     <p:sldId id="265" r:id="rId3"/>
     <p:sldId id="327" r:id="rId4"/>
-    <p:sldId id="272" r:id="rId5"/>
-    <p:sldId id="276" r:id="rId6"/>
-    <p:sldId id="325" r:id="rId7"/>
-    <p:sldId id="326" r:id="rId8"/>
-    <p:sldId id="306" r:id="rId9"/>
-    <p:sldId id="290" r:id="rId10"/>
-    <p:sldId id="308" r:id="rId11"/>
-    <p:sldId id="307" r:id="rId12"/>
-    <p:sldId id="291" r:id="rId13"/>
-    <p:sldId id="309" r:id="rId14"/>
-    <p:sldId id="293" r:id="rId15"/>
-    <p:sldId id="310" r:id="rId16"/>
-    <p:sldId id="312" r:id="rId17"/>
-    <p:sldId id="311" r:id="rId18"/>
-    <p:sldId id="295" r:id="rId19"/>
-    <p:sldId id="296" r:id="rId20"/>
-    <p:sldId id="321" r:id="rId21"/>
-    <p:sldId id="314" r:id="rId22"/>
-    <p:sldId id="294" r:id="rId23"/>
-    <p:sldId id="315" r:id="rId24"/>
-    <p:sldId id="316" r:id="rId25"/>
-    <p:sldId id="317" r:id="rId26"/>
-    <p:sldId id="318" r:id="rId27"/>
-    <p:sldId id="319" r:id="rId28"/>
-    <p:sldId id="320" r:id="rId29"/>
-    <p:sldId id="322" r:id="rId30"/>
+    <p:sldId id="328" r:id="rId5"/>
+    <p:sldId id="272" r:id="rId6"/>
+    <p:sldId id="276" r:id="rId7"/>
+    <p:sldId id="325" r:id="rId8"/>
+    <p:sldId id="326" r:id="rId9"/>
+    <p:sldId id="306" r:id="rId10"/>
+    <p:sldId id="290" r:id="rId11"/>
+    <p:sldId id="308" r:id="rId12"/>
+    <p:sldId id="307" r:id="rId13"/>
+    <p:sldId id="291" r:id="rId14"/>
+    <p:sldId id="309" r:id="rId15"/>
+    <p:sldId id="293" r:id="rId16"/>
+    <p:sldId id="310" r:id="rId17"/>
+    <p:sldId id="312" r:id="rId18"/>
+    <p:sldId id="311" r:id="rId19"/>
+    <p:sldId id="295" r:id="rId20"/>
+    <p:sldId id="296" r:id="rId21"/>
+    <p:sldId id="321" r:id="rId22"/>
+    <p:sldId id="314" r:id="rId23"/>
+    <p:sldId id="294" r:id="rId24"/>
+    <p:sldId id="315" r:id="rId25"/>
+    <p:sldId id="316" r:id="rId26"/>
+    <p:sldId id="317" r:id="rId27"/>
+    <p:sldId id="318" r:id="rId28"/>
+    <p:sldId id="319" r:id="rId29"/>
+    <p:sldId id="320" r:id="rId30"/>
+    <p:sldId id="322" r:id="rId31"/>
   </p:sldIdLst>
   <p:sldSz cx="7772400" cy="10058400"/>
   <p:notesSz cx="9296400" cy="7010400"/>
@@ -239,7 +240,7 @@
           <a:p>
             <a:fld id="{A33972A0-D2DC-4C5E-947C-999AC4BCA557}" type="datetimeFigureOut">
               <a:rPr lang="en-US" smtClean="0"/>
-              <a:t>8/25/2019</a:t>
+              <a:t>5/23/2020</a:t>
             </a:fld>
             <a:endParaRPr lang="en-US"/>
           </a:p>
@@ -404,7 +405,7 @@
           <a:p>
             <a:fld id="{FF03C39A-337C-43B7-983D-83172343289F}" type="datetimeFigureOut">
               <a:rPr lang="en-US" smtClean="0"/>
-              <a:t>8/25/2019</a:t>
+              <a:t>5/23/2020</a:t>
             </a:fld>
             <a:endParaRPr lang="en-US"/>
           </a:p>
@@ -736,7 +737,7 @@
           <a:p>
             <a:fld id="{4FCEDEAD-CCBF-4162-8267-E117557F738D}" type="slidenum">
               <a:rPr lang="en-US" smtClean="0"/>
-              <a:t>12</a:t>
+              <a:t>13</a:t>
             </a:fld>
             <a:endParaRPr lang="en-US"/>
           </a:p>
@@ -820,7 +821,7 @@
           <a:p>
             <a:fld id="{4FCEDEAD-CCBF-4162-8267-E117557F738D}" type="slidenum">
               <a:rPr lang="en-US" smtClean="0"/>
-              <a:t>13</a:t>
+              <a:t>14</a:t>
             </a:fld>
             <a:endParaRPr lang="en-US"/>
           </a:p>
@@ -904,7 +905,7 @@
           <a:p>
             <a:fld id="{4FCEDEAD-CCBF-4162-8267-E117557F738D}" type="slidenum">
               <a:rPr lang="en-US" smtClean="0"/>
-              <a:t>15</a:t>
+              <a:t>16</a:t>
             </a:fld>
             <a:endParaRPr lang="en-US"/>
           </a:p>
@@ -988,7 +989,7 @@
           <a:p>
             <a:fld id="{4FCEDEAD-CCBF-4162-8267-E117557F738D}" type="slidenum">
               <a:rPr lang="en-US" smtClean="0"/>
-              <a:t>16</a:t>
+              <a:t>17</a:t>
             </a:fld>
             <a:endParaRPr lang="en-US"/>
           </a:p>
@@ -1072,7 +1073,7 @@
           <a:p>
             <a:fld id="{4FCEDEAD-CCBF-4162-8267-E117557F738D}" type="slidenum">
               <a:rPr lang="en-US" smtClean="0"/>
-              <a:t>17</a:t>
+              <a:t>18</a:t>
             </a:fld>
             <a:endParaRPr lang="en-US"/>
           </a:p>
@@ -1156,7 +1157,7 @@
           <a:p>
             <a:fld id="{4FCEDEAD-CCBF-4162-8267-E117557F738D}" type="slidenum">
               <a:rPr lang="en-US" smtClean="0"/>
-              <a:t>23</a:t>
+              <a:t>24</a:t>
             </a:fld>
             <a:endParaRPr lang="en-US"/>
           </a:p>
@@ -1354,7 +1355,7 @@
           <a:p>
             <a:fld id="{C5E46708-69EC-4106-94C9-908FE78FFA38}" type="datetime1">
               <a:rPr lang="en-US" smtClean="0"/>
-              <a:t>8/25/2019</a:t>
+              <a:t>5/23/2020</a:t>
             </a:fld>
             <a:endParaRPr lang="en-US"/>
           </a:p>
@@ -1522,7 +1523,7 @@
           <a:p>
             <a:fld id="{43511575-E69D-4FD3-BE4F-F7719EBF2E0E}" type="datetime1">
               <a:rPr lang="en-US" smtClean="0"/>
-              <a:t>8/25/2019</a:t>
+              <a:t>5/23/2020</a:t>
             </a:fld>
             <a:endParaRPr lang="en-US"/>
           </a:p>
@@ -1700,7 +1701,7 @@
           <a:p>
             <a:fld id="{F36E642F-3F91-49F3-B70D-F4DE60B9BB78}" type="datetime1">
               <a:rPr lang="en-US" smtClean="0"/>
-              <a:t>8/25/2019</a:t>
+              <a:t>5/23/2020</a:t>
             </a:fld>
             <a:endParaRPr lang="en-US"/>
           </a:p>
@@ -1868,7 +1869,7 @@
           <a:p>
             <a:fld id="{FDE13475-5097-4216-85AE-52FA64D4845E}" type="datetime1">
               <a:rPr lang="en-US" smtClean="0"/>
-              <a:t>8/25/2019</a:t>
+              <a:t>5/23/2020</a:t>
             </a:fld>
             <a:endParaRPr lang="en-US"/>
           </a:p>
@@ -2113,7 +2114,7 @@
           <a:p>
             <a:fld id="{1657ABC4-BE1D-4BE6-9134-3848FBE9E583}" type="datetime1">
               <a:rPr lang="en-US" smtClean="0"/>
-              <a:t>8/25/2019</a:t>
+              <a:t>5/23/2020</a:t>
             </a:fld>
             <a:endParaRPr lang="en-US"/>
           </a:p>
@@ -2398,7 +2399,7 @@
           <a:p>
             <a:fld id="{2460A5EB-77DC-41A2-B590-2F287DBF2B03}" type="datetime1">
               <a:rPr lang="en-US" smtClean="0"/>
-              <a:t>8/25/2019</a:t>
+              <a:t>5/23/2020</a:t>
             </a:fld>
             <a:endParaRPr lang="en-US"/>
           </a:p>
@@ -2817,7 +2818,7 @@
           <a:p>
             <a:fld id="{7CFD9F46-FE3C-46B9-8824-6F01577E82FD}" type="datetime1">
               <a:rPr lang="en-US" smtClean="0"/>
-              <a:t>8/25/2019</a:t>
+              <a:t>5/23/2020</a:t>
             </a:fld>
             <a:endParaRPr lang="en-US"/>
           </a:p>
@@ -2934,7 +2935,7 @@
           <a:p>
             <a:fld id="{8ED9C99B-EE46-4097-92E4-15C7B5AD9E28}" type="datetime1">
               <a:rPr lang="en-US" smtClean="0"/>
-              <a:t>8/25/2019</a:t>
+              <a:t>5/23/2020</a:t>
             </a:fld>
             <a:endParaRPr lang="en-US"/>
           </a:p>
@@ -3029,7 +3030,7 @@
           <a:p>
             <a:fld id="{04D8BBDA-EDAD-49C6-B122-D49505EA8EFC}" type="datetime1">
               <a:rPr lang="en-US" smtClean="0"/>
-              <a:t>8/25/2019</a:t>
+              <a:t>5/23/2020</a:t>
             </a:fld>
             <a:endParaRPr lang="en-US"/>
           </a:p>
@@ -3316,7 +3317,7 @@
           <a:p>
             <a:fld id="{8311FD08-16B9-455B-9FAB-70835A9274FC}" type="datetime1">
               <a:rPr lang="en-US" smtClean="0"/>
-              <a:t>8/25/2019</a:t>
+              <a:t>5/23/2020</a:t>
             </a:fld>
             <a:endParaRPr lang="en-US"/>
           </a:p>
@@ -3568,7 +3569,7 @@
           <a:p>
             <a:fld id="{07AC1399-C7B9-4980-97CB-9D20634BD639}" type="datetime1">
               <a:rPr lang="en-US" smtClean="0"/>
-              <a:t>8/25/2019</a:t>
+              <a:t>5/23/2020</a:t>
             </a:fld>
             <a:endParaRPr lang="en-US"/>
           </a:p>
@@ -3779,7 +3780,7 @@
           <a:p>
             <a:fld id="{62E3E837-5582-4731-9AD3-9E866ECBE4A3}" type="datetime1">
               <a:rPr lang="en-US" smtClean="0"/>
-              <a:t>8/25/2019</a:t>
+              <a:t>5/23/2020</a:t>
             </a:fld>
             <a:endParaRPr lang="en-US"/>
           </a:p>
@@ -4419,6 +4420,836 @@
 </file>
 
 <file path=ppt/slides/slide10.xml><?xml version="1.0" encoding="utf-8"?>
+<p:sld xmlns:a="http://schemas.openxmlformats.org/drawingml/2006/main" xmlns:r="http://schemas.openxmlformats.org/officeDocument/2006/relationships" xmlns:p="http://schemas.openxmlformats.org/presentationml/2006/main">
+  <p:cSld>
+    <p:spTree>
+      <p:nvGrpSpPr>
+        <p:cNvPr id="1" name=""/>
+        <p:cNvGrpSpPr/>
+        <p:nvPr/>
+      </p:nvGrpSpPr>
+      <p:grpSpPr>
+        <a:xfrm>
+          <a:off x="0" y="0"/>
+          <a:ext cx="0" cy="0"/>
+          <a:chOff x="0" y="0"/>
+          <a:chExt cx="0" cy="0"/>
+        </a:xfrm>
+      </p:grpSpPr>
+      <p:sp>
+        <p:nvSpPr>
+          <p:cNvPr id="2" name="Title 1"/>
+          <p:cNvSpPr>
+            <a:spLocks noGrp="1"/>
+          </p:cNvSpPr>
+          <p:nvPr>
+            <p:ph type="title"/>
+          </p:nvPr>
+        </p:nvSpPr>
+        <p:spPr/>
+        <p:txBody>
+          <a:bodyPr/>
+          <a:lstStyle/>
+          <a:p>
+            <a:r>
+              <a:rPr lang="en-US" dirty="0">
+                <a:solidFill>
+                  <a:schemeClr val="tx1">
+                    <a:lumMod val="50000"/>
+                    <a:lumOff val="50000"/>
+                  </a:schemeClr>
+                </a:solidFill>
+                <a:latin typeface="Stencil" panose="040409050D0802020404" pitchFamily="82" charset="0"/>
+              </a:rPr>
+              <a:t>What is </a:t>
+            </a:r>
+            <a:r>
+              <a:rPr lang="en-US" dirty="0">
+                <a:solidFill>
+                  <a:schemeClr val="accent6">
+                    <a:lumMod val="75000"/>
+                  </a:schemeClr>
+                </a:solidFill>
+                <a:latin typeface="Stencil" panose="040409050D0802020404" pitchFamily="82" charset="0"/>
+              </a:rPr>
+              <a:t>Covariance</a:t>
+            </a:r>
+            <a:r>
+              <a:rPr lang="en-US" dirty="0">
+                <a:solidFill>
+                  <a:schemeClr val="tx1">
+                    <a:lumMod val="50000"/>
+                    <a:lumOff val="50000"/>
+                  </a:schemeClr>
+                </a:solidFill>
+                <a:latin typeface="Stencil" panose="040409050D0802020404" pitchFamily="82" charset="0"/>
+              </a:rPr>
+              <a:t>?</a:t>
+            </a:r>
+          </a:p>
+        </p:txBody>
+      </p:sp>
+      <p:graphicFrame>
+        <p:nvGraphicFramePr>
+          <p:cNvPr id="20" name="Object 3"/>
+          <p:cNvGraphicFramePr>
+            <a:graphicFrameLocks noChangeAspect="1"/>
+          </p:cNvGraphicFramePr>
+          <p:nvPr>
+            <p:extLst>
+              <p:ext uri="{D42A27DB-BD31-4B8C-83A1-F6EECF244321}">
+                <p14:modId xmlns:p14="http://schemas.microsoft.com/office/powerpoint/2010/main" val="2241809812"/>
+              </p:ext>
+            </p:extLst>
+          </p:nvPr>
+        </p:nvGraphicFramePr>
+        <p:xfrm>
+          <a:off x="2009339" y="2782973"/>
+          <a:ext cx="3527423" cy="835491"/>
+        </p:xfrm>
+        <a:graphic>
+          <a:graphicData uri="http://schemas.openxmlformats.org/presentationml/2006/ole">
+            <mc:AlternateContent xmlns:mc="http://schemas.openxmlformats.org/markup-compatibility/2006">
+              <mc:Choice xmlns:v="urn:schemas-microsoft-com:vml" Requires="v">
+                <p:oleObj spid="_x0000_s23583" name="Equation" r:id="rId3" imgW="1816100" imgH="431800" progId="Equation.3">
+                  <p:embed/>
+                </p:oleObj>
+              </mc:Choice>
+              <mc:Fallback>
+                <p:oleObj name="Equation" r:id="rId3" imgW="1816100" imgH="431800" progId="Equation.3">
+                  <p:embed/>
+                  <p:pic>
+                    <p:nvPicPr>
+                      <p:cNvPr id="20" name="Object 3"/>
+                      <p:cNvPicPr>
+                        <a:picLocks noChangeAspect="1" noChangeArrowheads="1"/>
+                      </p:cNvPicPr>
+                      <p:nvPr/>
+                    </p:nvPicPr>
+                    <p:blipFill>
+                      <a:blip r:embed="rId4">
+                        <a:extLst>
+                          <a:ext uri="{28A0092B-C50C-407E-A947-70E740481C1C}">
+                            <a14:useLocalDpi xmlns:a14="http://schemas.microsoft.com/office/drawing/2010/main" val="0"/>
+                          </a:ext>
+                        </a:extLst>
+                      </a:blip>
+                      <a:srcRect/>
+                      <a:stretch>
+                        <a:fillRect/>
+                      </a:stretch>
+                    </p:blipFill>
+                    <p:spPr bwMode="auto">
+                      <a:xfrm>
+                        <a:off x="2009339" y="2782973"/>
+                        <a:ext cx="3527423" cy="835491"/>
+                      </a:xfrm>
+                      <a:prstGeom prst="rect">
+                        <a:avLst/>
+                      </a:prstGeom>
+                      <a:noFill/>
+                    </p:spPr>
+                  </p:pic>
+                </p:oleObj>
+              </mc:Fallback>
+            </mc:AlternateContent>
+          </a:graphicData>
+        </a:graphic>
+      </p:graphicFrame>
+      <p:sp>
+        <p:nvSpPr>
+          <p:cNvPr id="19" name="Slide Number Placeholder 1"/>
+          <p:cNvSpPr>
+            <a:spLocks noGrp="1"/>
+          </p:cNvSpPr>
+          <p:nvPr>
+            <p:ph type="sldNum" sz="quarter" idx="12"/>
+          </p:nvPr>
+        </p:nvSpPr>
+        <p:spPr>
+          <a:xfrm>
+            <a:off x="6641123" y="76200"/>
+            <a:ext cx="685800" cy="535517"/>
+          </a:xfrm>
+        </p:spPr>
+        <p:txBody>
+          <a:bodyPr/>
+          <a:lstStyle/>
+          <a:p>
+            <a:fld id="{8A2A4A19-B384-42F8-8C0D-94C30AAB39F2}" type="slidenum">
+              <a:rPr lang="en-US" smtClean="0"/>
+              <a:pPr/>
+              <a:t>10</a:t>
+            </a:fld>
+            <a:endParaRPr lang="en-US" dirty="0"/>
+          </a:p>
+        </p:txBody>
+      </p:sp>
+      <p:sp>
+        <p:nvSpPr>
+          <p:cNvPr id="22" name="TextBox 21"/>
+          <p:cNvSpPr txBox="1"/>
+          <p:nvPr/>
+        </p:nvSpPr>
+        <p:spPr>
+          <a:xfrm>
+            <a:off x="3585721" y="152400"/>
+            <a:ext cx="2967479" cy="461665"/>
+          </a:xfrm>
+          <a:prstGeom prst="rect">
+            <a:avLst/>
+          </a:prstGeom>
+          <a:noFill/>
+        </p:spPr>
+        <p:txBody>
+          <a:bodyPr wrap="none" rtlCol="0">
+            <a:spAutoFit/>
+          </a:bodyPr>
+          <a:lstStyle/>
+          <a:p>
+            <a:r>
+              <a:rPr lang="en-US" sz="2400" cap="small" dirty="0">
+                <a:solidFill>
+                  <a:schemeClr val="bg1">
+                    <a:lumMod val="65000"/>
+                  </a:schemeClr>
+                </a:solidFill>
+                <a:latin typeface="Arial" panose="020B0604020202020204" pitchFamily="34" charset="0"/>
+                <a:cs typeface="Arial" panose="020B0604020202020204" pitchFamily="34" charset="0"/>
+              </a:rPr>
+              <a:t>Regression Review</a:t>
+            </a:r>
+          </a:p>
+        </p:txBody>
+      </p:sp>
+      <p:sp>
+        <p:nvSpPr>
+          <p:cNvPr id="23" name="Rectangle 22"/>
+          <p:cNvSpPr/>
+          <p:nvPr/>
+        </p:nvSpPr>
+        <p:spPr>
+          <a:xfrm>
+            <a:off x="1409700" y="6828472"/>
+            <a:ext cx="4953000" cy="1323439"/>
+          </a:xfrm>
+          <a:prstGeom prst="rect">
+            <a:avLst/>
+          </a:prstGeom>
+        </p:spPr>
+        <p:txBody>
+          <a:bodyPr wrap="square">
+            <a:spAutoFit/>
+          </a:bodyPr>
+          <a:lstStyle/>
+          <a:p>
+            <a:pPr algn="just"/>
+            <a:r>
+              <a:rPr lang="en-US" sz="1600" dirty="0">
+                <a:solidFill>
+                  <a:schemeClr val="tx1">
+                    <a:lumMod val="50000"/>
+                    <a:lumOff val="50000"/>
+                  </a:schemeClr>
+                </a:solidFill>
+                <a:latin typeface="Arial" panose="020B0604020202020204" pitchFamily="34" charset="0"/>
+                <a:cs typeface="Arial" panose="020B0604020202020204" pitchFamily="34" charset="0"/>
+              </a:rPr>
+              <a:t>First we convert all of our measures into distances from the mean. This allows us to determine whether an individual case is above-average (positive number) or below-average (negative number) on a measure.</a:t>
+            </a:r>
+          </a:p>
+        </p:txBody>
+      </p:sp>
+      <p:sp>
+        <p:nvSpPr>
+          <p:cNvPr id="24" name="TextBox 23"/>
+          <p:cNvSpPr txBox="1"/>
+          <p:nvPr/>
+        </p:nvSpPr>
+        <p:spPr>
+          <a:xfrm>
+            <a:off x="2410444" y="4341080"/>
+            <a:ext cx="2590774" cy="327782"/>
+          </a:xfrm>
+          <a:prstGeom prst="rect">
+            <a:avLst/>
+          </a:prstGeom>
+          <a:noFill/>
+        </p:spPr>
+        <p:txBody>
+          <a:bodyPr wrap="none" rtlCol="0">
+            <a:spAutoFit/>
+          </a:bodyPr>
+          <a:lstStyle/>
+          <a:p>
+            <a:r>
+              <a:rPr lang="en-US" sz="1530" dirty="0">
+                <a:solidFill>
+                  <a:schemeClr val="tx1">
+                    <a:lumMod val="50000"/>
+                    <a:lumOff val="50000"/>
+                  </a:schemeClr>
+                </a:solidFill>
+              </a:rPr>
+              <a:t>Classroom size and test scores</a:t>
+            </a:r>
+          </a:p>
+        </p:txBody>
+      </p:sp>
+      <p:graphicFrame>
+        <p:nvGraphicFramePr>
+          <p:cNvPr id="25" name="Table 24"/>
+          <p:cNvGraphicFramePr>
+            <a:graphicFrameLocks noGrp="1"/>
+          </p:cNvGraphicFramePr>
+          <p:nvPr>
+            <p:extLst>
+              <p:ext uri="{D42A27DB-BD31-4B8C-83A1-F6EECF244321}">
+                <p14:modId xmlns:p14="http://schemas.microsoft.com/office/powerpoint/2010/main" val="4158459709"/>
+              </p:ext>
+            </p:extLst>
+          </p:nvPr>
+        </p:nvGraphicFramePr>
+        <p:xfrm>
+          <a:off x="1732795" y="4782378"/>
+          <a:ext cx="4080512" cy="1279906"/>
+        </p:xfrm>
+        <a:graphic>
+          <a:graphicData uri="http://schemas.openxmlformats.org/drawingml/2006/table">
+            <a:tbl>
+              <a:tblPr firstRow="1" bandRow="1">
+                <a:tableStyleId>{93296810-A885-4BE3-A3E7-6D5BEEA58F35}</a:tableStyleId>
+              </a:tblPr>
+              <a:tblGrid>
+                <a:gridCol w="445147">
+                  <a:extLst>
+                    <a:ext uri="{9D8B030D-6E8A-4147-A177-3AD203B41FA5}">
+                      <a16:colId xmlns:a16="http://schemas.microsoft.com/office/drawing/2014/main" val="20000"/>
+                    </a:ext>
+                  </a:extLst>
+                </a:gridCol>
+                <a:gridCol w="445147">
+                  <a:extLst>
+                    <a:ext uri="{9D8B030D-6E8A-4147-A177-3AD203B41FA5}">
+                      <a16:colId xmlns:a16="http://schemas.microsoft.com/office/drawing/2014/main" val="20001"/>
+                    </a:ext>
+                  </a:extLst>
+                </a:gridCol>
+                <a:gridCol w="858496">
+                  <a:extLst>
+                    <a:ext uri="{9D8B030D-6E8A-4147-A177-3AD203B41FA5}">
+                      <a16:colId xmlns:a16="http://schemas.microsoft.com/office/drawing/2014/main" val="20002"/>
+                    </a:ext>
+                  </a:extLst>
+                </a:gridCol>
+                <a:gridCol w="842010">
+                  <a:extLst>
+                    <a:ext uri="{9D8B030D-6E8A-4147-A177-3AD203B41FA5}">
+                      <a16:colId xmlns:a16="http://schemas.microsoft.com/office/drawing/2014/main" val="20003"/>
+                    </a:ext>
+                  </a:extLst>
+                </a:gridCol>
+                <a:gridCol w="1489712">
+                  <a:extLst>
+                    <a:ext uri="{9D8B030D-6E8A-4147-A177-3AD203B41FA5}">
+                      <a16:colId xmlns:a16="http://schemas.microsoft.com/office/drawing/2014/main" val="20004"/>
+                    </a:ext>
+                  </a:extLst>
+                </a:gridCol>
+              </a:tblGrid>
+              <a:tr h="315214">
+                <a:tc>
+                  <a:txBody>
+                    <a:bodyPr/>
+                    <a:lstStyle/>
+                    <a:p>
+                      <a:pPr algn="ctr"/>
+                      <a:r>
+                        <a:rPr lang="en-US" sz="1500" dirty="0"/>
+                        <a:t>X</a:t>
+                      </a:r>
+                    </a:p>
+                  </a:txBody>
+                  <a:tcPr marL="77724" marR="77724" marT="38862" marB="38862"/>
+                </a:tc>
+                <a:tc>
+                  <a:txBody>
+                    <a:bodyPr/>
+                    <a:lstStyle/>
+                    <a:p>
+                      <a:pPr algn="ctr"/>
+                      <a:r>
+                        <a:rPr lang="en-US" sz="1500" dirty="0"/>
+                        <a:t>Y</a:t>
+                      </a:r>
+                    </a:p>
+                  </a:txBody>
+                  <a:tcPr marL="77724" marR="77724" marT="38862" marB="38862"/>
+                </a:tc>
+                <a:tc>
+                  <a:txBody>
+                    <a:bodyPr/>
+                    <a:lstStyle/>
+                    <a:p>
+                      <a:pPr algn="ctr"/>
+                      <a:r>
+                        <a:rPr lang="en-US" sz="1500" dirty="0"/>
+                        <a:t>X-</a:t>
+                      </a:r>
+                      <a:r>
+                        <a:rPr lang="en-US" sz="1500" dirty="0" err="1"/>
+                        <a:t>Xbar</a:t>
+                      </a:r>
+                      <a:endParaRPr lang="en-US" sz="1500" dirty="0"/>
+                    </a:p>
+                  </a:txBody>
+                  <a:tcPr marL="77724" marR="77724" marT="38862" marB="38862"/>
+                </a:tc>
+                <a:tc>
+                  <a:txBody>
+                    <a:bodyPr/>
+                    <a:lstStyle/>
+                    <a:p>
+                      <a:pPr algn="ctr"/>
+                      <a:r>
+                        <a:rPr lang="en-US" sz="1500" dirty="0"/>
+                        <a:t>Y-</a:t>
+                      </a:r>
+                      <a:r>
+                        <a:rPr lang="en-US" sz="1500" dirty="0" err="1"/>
+                        <a:t>Ybar</a:t>
+                      </a:r>
+                      <a:endParaRPr lang="en-US" sz="1500" dirty="0"/>
+                    </a:p>
+                  </a:txBody>
+                  <a:tcPr marL="77724" marR="77724" marT="38862" marB="38862"/>
+                </a:tc>
+                <a:tc>
+                  <a:txBody>
+                    <a:bodyPr/>
+                    <a:lstStyle/>
+                    <a:p>
+                      <a:pPr algn="ctr"/>
+                      <a:r>
+                        <a:rPr lang="en-US" sz="1500" dirty="0"/>
+                        <a:t>(X-</a:t>
+                      </a:r>
+                      <a:r>
+                        <a:rPr lang="en-US" sz="1500" dirty="0" err="1"/>
+                        <a:t>Xbar</a:t>
+                      </a:r>
+                      <a:r>
+                        <a:rPr lang="en-US" sz="1500" dirty="0"/>
+                        <a:t>)(Y-</a:t>
+                      </a:r>
+                      <a:r>
+                        <a:rPr lang="en-US" sz="1500" dirty="0" err="1"/>
+                        <a:t>Ybar</a:t>
+                      </a:r>
+                      <a:r>
+                        <a:rPr lang="en-US" sz="1500" dirty="0"/>
+                        <a:t>)</a:t>
+                      </a:r>
+                    </a:p>
+                  </a:txBody>
+                  <a:tcPr marL="77724" marR="77724" marT="38862" marB="38862"/>
+                </a:tc>
+                <a:extLst>
+                  <a:ext uri="{0D108BD9-81ED-4DB2-BD59-A6C34878D82A}">
+                    <a16:rowId xmlns:a16="http://schemas.microsoft.com/office/drawing/2014/main" val="10000"/>
+                  </a:ext>
+                </a:extLst>
+              </a:tr>
+              <a:tr h="315214">
+                <a:tc>
+                  <a:txBody>
+                    <a:bodyPr/>
+                    <a:lstStyle/>
+                    <a:p>
+                      <a:pPr algn="ctr"/>
+                      <a:r>
+                        <a:rPr lang="en-US" sz="1500" dirty="0">
+                          <a:solidFill>
+                            <a:schemeClr val="tx1">
+                              <a:lumMod val="50000"/>
+                              <a:lumOff val="50000"/>
+                            </a:schemeClr>
+                          </a:solidFill>
+                        </a:rPr>
+                        <a:t>3</a:t>
+                      </a:r>
+                    </a:p>
+                  </a:txBody>
+                  <a:tcPr marL="77724" marR="77724" marT="38862" marB="38862"/>
+                </a:tc>
+                <a:tc>
+                  <a:txBody>
+                    <a:bodyPr/>
+                    <a:lstStyle/>
+                    <a:p>
+                      <a:pPr algn="ctr"/>
+                      <a:r>
+                        <a:rPr lang="en-US" sz="1500" dirty="0">
+                          <a:solidFill>
+                            <a:schemeClr val="tx1">
+                              <a:lumMod val="50000"/>
+                              <a:lumOff val="50000"/>
+                            </a:schemeClr>
+                          </a:solidFill>
+                        </a:rPr>
+                        <a:t>5</a:t>
+                      </a:r>
+                    </a:p>
+                  </a:txBody>
+                  <a:tcPr marL="77724" marR="77724" marT="38862" marB="38862"/>
+                </a:tc>
+                <a:tc>
+                  <a:txBody>
+                    <a:bodyPr/>
+                    <a:lstStyle/>
+                    <a:p>
+                      <a:pPr algn="ctr"/>
+                      <a:r>
+                        <a:rPr lang="en-US" sz="1500" dirty="0">
+                          <a:solidFill>
+                            <a:schemeClr val="tx1">
+                              <a:lumMod val="50000"/>
+                              <a:lumOff val="50000"/>
+                            </a:schemeClr>
+                          </a:solidFill>
+                        </a:rPr>
+                        <a:t>3 - 6  (-)</a:t>
+                      </a:r>
+                    </a:p>
+                  </a:txBody>
+                  <a:tcPr marL="77724" marR="77724" marT="38862" marB="38862"/>
+                </a:tc>
+                <a:tc>
+                  <a:txBody>
+                    <a:bodyPr/>
+                    <a:lstStyle/>
+                    <a:p>
+                      <a:pPr algn="ctr"/>
+                      <a:r>
+                        <a:rPr lang="en-US" sz="1500" dirty="0">
+                          <a:solidFill>
+                            <a:schemeClr val="tx1">
+                              <a:lumMod val="50000"/>
+                              <a:lumOff val="50000"/>
+                            </a:schemeClr>
+                          </a:solidFill>
+                        </a:rPr>
+                        <a:t>5 - 3  (+)</a:t>
+                      </a:r>
+                    </a:p>
+                  </a:txBody>
+                  <a:tcPr marL="77724" marR="77724" marT="38862" marB="38862"/>
+                </a:tc>
+                <a:tc>
+                  <a:txBody>
+                    <a:bodyPr/>
+                    <a:lstStyle/>
+                    <a:p>
+                      <a:pPr algn="ctr"/>
+                      <a:r>
+                        <a:rPr lang="en-US" sz="1600" dirty="0"/>
+                        <a:t>(-)(+)  =  (-)</a:t>
+                      </a:r>
+                    </a:p>
+                  </a:txBody>
+                  <a:tcPr marL="77724" marR="77724" marT="38862" marB="38862"/>
+                </a:tc>
+                <a:extLst>
+                  <a:ext uri="{0D108BD9-81ED-4DB2-BD59-A6C34878D82A}">
+                    <a16:rowId xmlns:a16="http://schemas.microsoft.com/office/drawing/2014/main" val="10001"/>
+                  </a:ext>
+                </a:extLst>
+              </a:tr>
+              <a:tr h="315214">
+                <a:tc>
+                  <a:txBody>
+                    <a:bodyPr/>
+                    <a:lstStyle/>
+                    <a:p>
+                      <a:pPr algn="ctr"/>
+                      <a:r>
+                        <a:rPr lang="en-US" sz="1500" dirty="0">
+                          <a:solidFill>
+                            <a:schemeClr val="tx1">
+                              <a:lumMod val="50000"/>
+                              <a:lumOff val="50000"/>
+                            </a:schemeClr>
+                          </a:solidFill>
+                        </a:rPr>
+                        <a:t>5</a:t>
+                      </a:r>
+                    </a:p>
+                  </a:txBody>
+                  <a:tcPr marL="77724" marR="77724" marT="38862" marB="38862"/>
+                </a:tc>
+                <a:tc>
+                  <a:txBody>
+                    <a:bodyPr/>
+                    <a:lstStyle/>
+                    <a:p>
+                      <a:pPr algn="ctr"/>
+                      <a:r>
+                        <a:rPr lang="en-US" sz="1500" dirty="0">
+                          <a:solidFill>
+                            <a:schemeClr val="tx1">
+                              <a:lumMod val="50000"/>
+                              <a:lumOff val="50000"/>
+                            </a:schemeClr>
+                          </a:solidFill>
+                        </a:rPr>
+                        <a:t>2</a:t>
+                      </a:r>
+                    </a:p>
+                  </a:txBody>
+                  <a:tcPr marL="77724" marR="77724" marT="38862" marB="38862"/>
+                </a:tc>
+                <a:tc>
+                  <a:txBody>
+                    <a:bodyPr/>
+                    <a:lstStyle/>
+                    <a:p>
+                      <a:pPr algn="ctr"/>
+                      <a:r>
+                        <a:rPr lang="en-US" sz="1500" dirty="0">
+                          <a:solidFill>
+                            <a:schemeClr val="tx1">
+                              <a:lumMod val="50000"/>
+                              <a:lumOff val="50000"/>
+                            </a:schemeClr>
+                          </a:solidFill>
+                        </a:rPr>
+                        <a:t>5 - 6  (-)</a:t>
+                      </a:r>
+                    </a:p>
+                  </a:txBody>
+                  <a:tcPr marL="77724" marR="77724" marT="38862" marB="38862"/>
+                </a:tc>
+                <a:tc>
+                  <a:txBody>
+                    <a:bodyPr/>
+                    <a:lstStyle/>
+                    <a:p>
+                      <a:pPr algn="ctr"/>
+                      <a:r>
+                        <a:rPr lang="en-US" sz="1500" dirty="0">
+                          <a:solidFill>
+                            <a:schemeClr val="tx1">
+                              <a:lumMod val="50000"/>
+                              <a:lumOff val="50000"/>
+                            </a:schemeClr>
+                          </a:solidFill>
+                        </a:rPr>
+                        <a:t>2 </a:t>
+                      </a:r>
+                      <a:r>
+                        <a:rPr lang="en-US" sz="1500" baseline="0" dirty="0">
+                          <a:solidFill>
+                            <a:schemeClr val="tx1">
+                              <a:lumMod val="50000"/>
+                              <a:lumOff val="50000"/>
+                            </a:schemeClr>
+                          </a:solidFill>
+                        </a:rPr>
+                        <a:t>- 3  (-)</a:t>
+                      </a:r>
+                      <a:endParaRPr lang="en-US" sz="1500" dirty="0">
+                        <a:solidFill>
+                          <a:schemeClr val="tx1">
+                            <a:lumMod val="50000"/>
+                            <a:lumOff val="50000"/>
+                          </a:schemeClr>
+                        </a:solidFill>
+                      </a:endParaRPr>
+                    </a:p>
+                  </a:txBody>
+                  <a:tcPr marL="77724" marR="77724" marT="38862" marB="38862"/>
+                </a:tc>
+                <a:tc>
+                  <a:txBody>
+                    <a:bodyPr/>
+                    <a:lstStyle/>
+                    <a:p>
+                      <a:pPr algn="ctr"/>
+                      <a:r>
+                        <a:rPr lang="en-US" sz="1600" dirty="0"/>
+                        <a:t>(-)(-)  =  (+)</a:t>
+                      </a:r>
+                    </a:p>
+                  </a:txBody>
+                  <a:tcPr marL="77724" marR="77724" marT="38862" marB="38862"/>
+                </a:tc>
+                <a:extLst>
+                  <a:ext uri="{0D108BD9-81ED-4DB2-BD59-A6C34878D82A}">
+                    <a16:rowId xmlns:a16="http://schemas.microsoft.com/office/drawing/2014/main" val="10002"/>
+                  </a:ext>
+                </a:extLst>
+              </a:tr>
+              <a:tr h="315214">
+                <a:tc>
+                  <a:txBody>
+                    <a:bodyPr/>
+                    <a:lstStyle/>
+                    <a:p>
+                      <a:pPr algn="ctr"/>
+                      <a:r>
+                        <a:rPr lang="en-US" sz="1500" dirty="0">
+                          <a:solidFill>
+                            <a:schemeClr val="tx1">
+                              <a:lumMod val="50000"/>
+                              <a:lumOff val="50000"/>
+                            </a:schemeClr>
+                          </a:solidFill>
+                        </a:rPr>
+                        <a:t>10</a:t>
+                      </a:r>
+                    </a:p>
+                  </a:txBody>
+                  <a:tcPr marL="77724" marR="77724" marT="38862" marB="38862"/>
+                </a:tc>
+                <a:tc>
+                  <a:txBody>
+                    <a:bodyPr/>
+                    <a:lstStyle/>
+                    <a:p>
+                      <a:pPr algn="ctr"/>
+                      <a:r>
+                        <a:rPr lang="en-US" sz="1500" dirty="0">
+                          <a:solidFill>
+                            <a:schemeClr val="tx1">
+                              <a:lumMod val="50000"/>
+                              <a:lumOff val="50000"/>
+                            </a:schemeClr>
+                          </a:solidFill>
+                        </a:rPr>
+                        <a:t>2</a:t>
+                      </a:r>
+                    </a:p>
+                  </a:txBody>
+                  <a:tcPr marL="77724" marR="77724" marT="38862" marB="38862"/>
+                </a:tc>
+                <a:tc>
+                  <a:txBody>
+                    <a:bodyPr/>
+                    <a:lstStyle/>
+                    <a:p>
+                      <a:pPr algn="ctr"/>
+                      <a:r>
+                        <a:rPr lang="en-US" sz="1500" dirty="0">
+                          <a:solidFill>
+                            <a:schemeClr val="tx1">
+                              <a:lumMod val="50000"/>
+                              <a:lumOff val="50000"/>
+                            </a:schemeClr>
+                          </a:solidFill>
+                        </a:rPr>
+                        <a:t>10 - 6</a:t>
+                      </a:r>
+                      <a:r>
+                        <a:rPr lang="en-US" sz="1500" baseline="0" dirty="0">
+                          <a:solidFill>
+                            <a:schemeClr val="tx1">
+                              <a:lumMod val="50000"/>
+                              <a:lumOff val="50000"/>
+                            </a:schemeClr>
+                          </a:solidFill>
+                        </a:rPr>
+                        <a:t> (+)</a:t>
+                      </a:r>
+                      <a:endParaRPr lang="en-US" sz="1500" dirty="0">
+                        <a:solidFill>
+                          <a:schemeClr val="tx1">
+                            <a:lumMod val="50000"/>
+                            <a:lumOff val="50000"/>
+                          </a:schemeClr>
+                        </a:solidFill>
+                      </a:endParaRPr>
+                    </a:p>
+                  </a:txBody>
+                  <a:tcPr marL="77724" marR="77724" marT="38862" marB="38862"/>
+                </a:tc>
+                <a:tc>
+                  <a:txBody>
+                    <a:bodyPr/>
+                    <a:lstStyle/>
+                    <a:p>
+                      <a:pPr algn="ctr"/>
+                      <a:r>
+                        <a:rPr lang="en-US" sz="1500" dirty="0">
+                          <a:solidFill>
+                            <a:schemeClr val="tx1">
+                              <a:lumMod val="50000"/>
+                              <a:lumOff val="50000"/>
+                            </a:schemeClr>
+                          </a:solidFill>
+                        </a:rPr>
+                        <a:t>2 - 3</a:t>
+                      </a:r>
+                      <a:r>
+                        <a:rPr lang="en-US" sz="1500" baseline="0" dirty="0">
+                          <a:solidFill>
+                            <a:schemeClr val="tx1">
+                              <a:lumMod val="50000"/>
+                              <a:lumOff val="50000"/>
+                            </a:schemeClr>
+                          </a:solidFill>
+                        </a:rPr>
+                        <a:t>  (-)</a:t>
+                      </a:r>
+                      <a:endParaRPr lang="en-US" sz="1500" dirty="0">
+                        <a:solidFill>
+                          <a:schemeClr val="tx1">
+                            <a:lumMod val="50000"/>
+                            <a:lumOff val="50000"/>
+                          </a:schemeClr>
+                        </a:solidFill>
+                      </a:endParaRPr>
+                    </a:p>
+                  </a:txBody>
+                  <a:tcPr marL="77724" marR="77724" marT="38862" marB="38862"/>
+                </a:tc>
+                <a:tc>
+                  <a:txBody>
+                    <a:bodyPr/>
+                    <a:lstStyle/>
+                    <a:p>
+                      <a:pPr algn="ctr"/>
+                      <a:r>
+                        <a:rPr lang="en-US" sz="1600" dirty="0"/>
+                        <a:t>(+)(-)  =  (-)</a:t>
+                      </a:r>
+                    </a:p>
+                  </a:txBody>
+                  <a:tcPr marL="77724" marR="77724" marT="38862" marB="38862"/>
+                </a:tc>
+                <a:extLst>
+                  <a:ext uri="{0D108BD9-81ED-4DB2-BD59-A6C34878D82A}">
+                    <a16:rowId xmlns:a16="http://schemas.microsoft.com/office/drawing/2014/main" val="10003"/>
+                  </a:ext>
+                </a:extLst>
+              </a:tr>
+            </a:tbl>
+          </a:graphicData>
+        </a:graphic>
+      </p:graphicFrame>
+    </p:spTree>
+    <p:extLst>
+      <p:ext uri="{BB962C8B-B14F-4D97-AF65-F5344CB8AC3E}">
+        <p14:creationId xmlns:p14="http://schemas.microsoft.com/office/powerpoint/2010/main" val="688836871"/>
+      </p:ext>
+    </p:extLst>
+  </p:cSld>
+  <p:clrMapOvr>
+    <a:masterClrMapping/>
+  </p:clrMapOvr>
+</p:sld>
+</file>
+
+<file path=ppt/slides/slide11.xml><?xml version="1.0" encoding="utf-8"?>
 <p:sld xmlns:a="http://schemas.openxmlformats.org/drawingml/2006/main" xmlns:r="http://schemas.openxmlformats.org/officeDocument/2006/relationships" xmlns:p="http://schemas.openxmlformats.org/presentationml/2006/main">
   <p:cSld>
     <p:spTree>
@@ -5080,7 +5911,7 @@
           <a:graphicData uri="http://schemas.openxmlformats.org/presentationml/2006/ole">
             <mc:AlternateContent xmlns:mc="http://schemas.openxmlformats.org/markup-compatibility/2006">
               <mc:Choice xmlns:v="urn:schemas-microsoft-com:vml" Requires="v">
-                <p:oleObj spid="_x0000_s34832" name="Equation" r:id="rId3" imgW="1816100" imgH="431800" progId="Equation.3">
+                <p:oleObj spid="_x0000_s34833" name="Equation" r:id="rId3" imgW="1816100" imgH="431800" progId="Equation.3">
                   <p:embed/>
                 </p:oleObj>
               </mc:Choice>
@@ -5117,7 +5948,6 @@
                         <a:avLst/>
                       </a:prstGeom>
                       <a:noFill/>
-                      <a:extLst/>
                     </p:spPr>
                   </p:pic>
                 </p:oleObj>
@@ -5149,7 +5979,7 @@
             <a:fld id="{8A2A4A19-B384-42F8-8C0D-94C30AAB39F2}" type="slidenum">
               <a:rPr lang="en-US" smtClean="0"/>
               <a:pPr/>
-              <a:t>10</a:t>
+              <a:t>11</a:t>
             </a:fld>
             <a:endParaRPr lang="en-US" dirty="0"/>
           </a:p>
@@ -5326,7 +6156,7 @@
 </p:sld>
 </file>
 
-<file path=ppt/slides/slide11.xml><?xml version="1.0" encoding="utf-8"?>
+<file path=ppt/slides/slide12.xml><?xml version="1.0" encoding="utf-8"?>
 <p:sld xmlns:a="http://schemas.openxmlformats.org/drawingml/2006/main" xmlns:r="http://schemas.openxmlformats.org/officeDocument/2006/relationships" xmlns:p="http://schemas.openxmlformats.org/presentationml/2006/main">
   <p:cSld>
     <p:spTree>
@@ -5488,7 +6318,7 @@
           <a:graphicData uri="http://schemas.openxmlformats.org/presentationml/2006/ole">
             <mc:AlternateContent xmlns:mc="http://schemas.openxmlformats.org/markup-compatibility/2006">
               <mc:Choice xmlns:v="urn:schemas-microsoft-com:vml" Requires="v">
-                <p:oleObj spid="_x0000_s35870" name="Equation" r:id="rId3" imgW="368140" imgH="215806" progId="Equation.3">
+                <p:oleObj spid="_x0000_s35872" name="Equation" r:id="rId3" imgW="368140" imgH="215806" progId="Equation.3">
                   <p:embed/>
                 </p:oleObj>
               </mc:Choice>
@@ -6382,7 +7212,7 @@
           <a:graphicData uri="http://schemas.openxmlformats.org/presentationml/2006/ole">
             <mc:AlternateContent xmlns:mc="http://schemas.openxmlformats.org/markup-compatibility/2006">
               <mc:Choice xmlns:v="urn:schemas-microsoft-com:vml" Requires="v">
-                <p:oleObj spid="_x0000_s35871" name="Equation" r:id="rId5" imgW="1816100" imgH="431800" progId="Equation.3">
+                <p:oleObj spid="_x0000_s35873" name="Equation" r:id="rId5" imgW="1816100" imgH="431800" progId="Equation.3">
                   <p:embed/>
                 </p:oleObj>
               </mc:Choice>
@@ -6419,7 +7249,6 @@
                         <a:avLst/>
                       </a:prstGeom>
                       <a:noFill/>
-                      <a:extLst/>
                     </p:spPr>
                   </p:pic>
                 </p:oleObj>
@@ -6451,7 +7280,7 @@
             <a:fld id="{8A2A4A19-B384-42F8-8C0D-94C30AAB39F2}" type="slidenum">
               <a:rPr lang="en-US" smtClean="0"/>
               <a:pPr/>
-              <a:t>11</a:t>
+              <a:t>12</a:t>
             </a:fld>
             <a:endParaRPr lang="en-US" dirty="0"/>
           </a:p>
@@ -6507,7 +7336,7 @@
 </p:sld>
 </file>
 
-<file path=ppt/slides/slide12.xml><?xml version="1.0" encoding="utf-8"?>
+<file path=ppt/slides/slide13.xml><?xml version="1.0" encoding="utf-8"?>
 <p:sld xmlns:a="http://schemas.openxmlformats.org/drawingml/2006/main" xmlns:r="http://schemas.openxmlformats.org/officeDocument/2006/relationships" xmlns:p="http://schemas.openxmlformats.org/presentationml/2006/main">
   <p:cSld>
     <p:spTree>
@@ -6654,7 +7483,7 @@
           <a:graphicData uri="http://schemas.openxmlformats.org/presentationml/2006/ole">
             <mc:AlternateContent xmlns:mc="http://schemas.openxmlformats.org/markup-compatibility/2006">
               <mc:Choice xmlns:v="urn:schemas-microsoft-com:vml" Requires="v">
-                <p:oleObj spid="_x0000_s24598" name="Equation" r:id="rId4" imgW="368140" imgH="215806" progId="Equation.3">
+                <p:oleObj spid="_x0000_s24599" name="Equation" r:id="rId4" imgW="368140" imgH="215806" progId="Equation.3">
                   <p:embed/>
                 </p:oleObj>
               </mc:Choice>
@@ -7519,7 +8348,7 @@
             <a:fld id="{8A2A4A19-B384-42F8-8C0D-94C30AAB39F2}" type="slidenum">
               <a:rPr lang="en-US" smtClean="0"/>
               <a:pPr/>
-              <a:t>12</a:t>
+              <a:t>13</a:t>
             </a:fld>
             <a:endParaRPr lang="en-US" dirty="0"/>
           </a:p>
@@ -7575,7 +8404,7 @@
 </p:sld>
 </file>
 
-<file path=ppt/slides/slide13.xml><?xml version="1.0" encoding="utf-8"?>
+<file path=ppt/slides/slide14.xml><?xml version="1.0" encoding="utf-8"?>
 <p:sld xmlns:a="http://schemas.openxmlformats.org/drawingml/2006/main" xmlns:r="http://schemas.openxmlformats.org/officeDocument/2006/relationships" xmlns:p="http://schemas.openxmlformats.org/presentationml/2006/main">
   <p:cSld>
     <p:spTree>
@@ -7706,9 +8535,7 @@
           <p:cNvGraphicFramePr>
             <a:graphicFrameLocks noChangeAspect="1"/>
           </p:cNvGraphicFramePr>
-          <p:nvPr>
-            <p:extLst/>
-          </p:nvPr>
+          <p:nvPr/>
         </p:nvGraphicFramePr>
         <p:xfrm>
           <a:off x="4166498" y="5255527"/>
@@ -7718,7 +8545,7 @@
           <a:graphicData uri="http://schemas.openxmlformats.org/presentationml/2006/ole">
             <mc:AlternateContent xmlns:mc="http://schemas.openxmlformats.org/markup-compatibility/2006">
               <mc:Choice xmlns:v="urn:schemas-microsoft-com:vml" Requires="v">
-                <p:oleObj spid="_x0000_s36879" name="Equation" r:id="rId4" imgW="368140" imgH="215806" progId="Equation.3">
+                <p:oleObj spid="_x0000_s36880" name="Equation" r:id="rId4" imgW="368140" imgH="215806" progId="Equation.3">
                   <p:embed/>
                 </p:oleObj>
               </mc:Choice>
@@ -8583,7 +9410,7 @@
             <a:fld id="{8A2A4A19-B384-42F8-8C0D-94C30AAB39F2}" type="slidenum">
               <a:rPr lang="en-US" smtClean="0"/>
               <a:pPr/>
-              <a:t>13</a:t>
+              <a:t>14</a:t>
             </a:fld>
             <a:endParaRPr lang="en-US" dirty="0"/>
           </a:p>
@@ -8639,7 +9466,7 @@
 </p:sld>
 </file>
 
-<file path=ppt/slides/slide14.xml><?xml version="1.0" encoding="utf-8"?>
+<file path=ppt/slides/slide15.xml><?xml version="1.0" encoding="utf-8"?>
 <p:sld xmlns:a="http://schemas.openxmlformats.org/drawingml/2006/main" xmlns:r="http://schemas.openxmlformats.org/officeDocument/2006/relationships" xmlns:p="http://schemas.openxmlformats.org/presentationml/2006/main">
   <p:cSld>
     <p:spTree>
@@ -8778,7 +9605,7 @@
           <a:graphicData uri="http://schemas.openxmlformats.org/presentationml/2006/ole">
             <mc:AlternateContent xmlns:mc="http://schemas.openxmlformats.org/markup-compatibility/2006">
               <mc:Choice xmlns:v="urn:schemas-microsoft-com:vml" Requires="v">
-                <p:oleObj spid="_x0000_s26646" name="Equation" r:id="rId3" imgW="368140" imgH="215806" progId="Equation.3">
+                <p:oleObj spid="_x0000_s26647" name="Equation" r:id="rId3" imgW="368140" imgH="215806" progId="Equation.3">
                   <p:embed/>
                 </p:oleObj>
               </mc:Choice>
@@ -9540,7 +10367,7 @@
             <a:fld id="{8A2A4A19-B384-42F8-8C0D-94C30AAB39F2}" type="slidenum">
               <a:rPr lang="en-US" smtClean="0"/>
               <a:pPr/>
-              <a:t>14</a:t>
+              <a:t>15</a:t>
             </a:fld>
             <a:endParaRPr lang="en-US" dirty="0"/>
           </a:p>
@@ -9596,7 +10423,7 @@
 </p:sld>
 </file>
 
-<file path=ppt/slides/slide15.xml><?xml version="1.0" encoding="utf-8"?>
+<file path=ppt/slides/slide16.xml><?xml version="1.0" encoding="utf-8"?>
 <p:sld xmlns:a="http://schemas.openxmlformats.org/drawingml/2006/main" xmlns:r="http://schemas.openxmlformats.org/officeDocument/2006/relationships" xmlns:p="http://schemas.openxmlformats.org/presentationml/2006/main">
   <p:cSld>
     <p:spTree>
@@ -9727,9 +10554,7 @@
           <p:cNvGraphicFramePr>
             <a:graphicFrameLocks noChangeAspect="1"/>
           </p:cNvGraphicFramePr>
-          <p:nvPr>
-            <p:extLst/>
-          </p:nvPr>
+          <p:nvPr/>
         </p:nvGraphicFramePr>
         <p:xfrm>
           <a:off x="4166498" y="5255527"/>
@@ -9739,7 +10564,7 @@
           <a:graphicData uri="http://schemas.openxmlformats.org/presentationml/2006/ole">
             <mc:AlternateContent xmlns:mc="http://schemas.openxmlformats.org/markup-compatibility/2006">
               <mc:Choice xmlns:v="urn:schemas-microsoft-com:vml" Requires="v">
-                <p:oleObj spid="_x0000_s37920" name="Equation" r:id="rId4" imgW="368140" imgH="215806" progId="Equation.3">
+                <p:oleObj spid="_x0000_s37922" name="Equation" r:id="rId4" imgW="368140" imgH="215806" progId="Equation.3">
                   <p:embed/>
                 </p:oleObj>
               </mc:Choice>
@@ -10482,7 +11307,7 @@
             <a:fld id="{8A2A4A19-B384-42F8-8C0D-94C30AAB39F2}" type="slidenum">
               <a:rPr lang="en-US" smtClean="0"/>
               <a:pPr/>
-              <a:t>15</a:t>
+              <a:t>16</a:t>
             </a:fld>
             <a:endParaRPr lang="en-US" dirty="0"/>
           </a:p>
@@ -10547,7 +11372,7 @@
           <a:graphicData uri="http://schemas.openxmlformats.org/presentationml/2006/ole">
             <mc:AlternateContent xmlns:mc="http://schemas.openxmlformats.org/markup-compatibility/2006">
               <mc:Choice xmlns:v="urn:schemas-microsoft-com:vml" Requires="v">
-                <p:oleObj spid="_x0000_s37921" name="Equation" r:id="rId6" imgW="1816100" imgH="431800" progId="Equation.3">
+                <p:oleObj spid="_x0000_s37923" name="Equation" r:id="rId6" imgW="1816100" imgH="431800" progId="Equation.3">
                   <p:embed/>
                 </p:oleObj>
               </mc:Choice>
@@ -10584,7 +11409,6 @@
                         <a:avLst/>
                       </a:prstGeom>
                       <a:noFill/>
-                      <a:extLst/>
                     </p:spPr>
                   </p:pic>
                 </p:oleObj>
@@ -10645,7 +11469,7 @@
 </p:sld>
 </file>
 
-<file path=ppt/slides/slide16.xml><?xml version="1.0" encoding="utf-8"?>
+<file path=ppt/slides/slide17.xml><?xml version="1.0" encoding="utf-8"?>
 <p:sld xmlns:a="http://schemas.openxmlformats.org/drawingml/2006/main" xmlns:r="http://schemas.openxmlformats.org/officeDocument/2006/relationships" xmlns:p="http://schemas.openxmlformats.org/presentationml/2006/main">
   <p:cSld>
     <p:spTree>
@@ -10776,9 +11600,7 @@
           <p:cNvGraphicFramePr>
             <a:graphicFrameLocks noChangeAspect="1"/>
           </p:cNvGraphicFramePr>
-          <p:nvPr>
-            <p:extLst/>
-          </p:nvPr>
+          <p:nvPr/>
         </p:nvGraphicFramePr>
         <p:xfrm>
           <a:off x="4166498" y="5255527"/>
@@ -10788,7 +11610,7 @@
           <a:graphicData uri="http://schemas.openxmlformats.org/presentationml/2006/ole">
             <mc:AlternateContent xmlns:mc="http://schemas.openxmlformats.org/markup-compatibility/2006">
               <mc:Choice xmlns:v="urn:schemas-microsoft-com:vml" Requires="v">
-                <p:oleObj spid="_x0000_s38940" name="Equation" r:id="rId4" imgW="368140" imgH="215806" progId="Equation.3">
+                <p:oleObj spid="_x0000_s38942" name="Equation" r:id="rId4" imgW="368140" imgH="215806" progId="Equation.3">
                   <p:embed/>
                 </p:oleObj>
               </mc:Choice>
@@ -11531,7 +12353,7 @@
             <a:fld id="{8A2A4A19-B384-42F8-8C0D-94C30AAB39F2}" type="slidenum">
               <a:rPr lang="en-US" smtClean="0"/>
               <a:pPr/>
-              <a:t>16</a:t>
+              <a:t>17</a:t>
             </a:fld>
             <a:endParaRPr lang="en-US" dirty="0"/>
           </a:p>
@@ -11590,7 +12412,7 @@
           <a:graphicData uri="http://schemas.openxmlformats.org/presentationml/2006/ole">
             <mc:AlternateContent xmlns:mc="http://schemas.openxmlformats.org/markup-compatibility/2006">
               <mc:Choice xmlns:v="urn:schemas-microsoft-com:vml" Requires="v">
-                <p:oleObj spid="_x0000_s38941" name="Equation" r:id="rId6" imgW="1816100" imgH="431800" progId="Equation.3">
+                <p:oleObj spid="_x0000_s38943" name="Equation" r:id="rId6" imgW="1816100" imgH="431800" progId="Equation.3">
                   <p:embed/>
                 </p:oleObj>
               </mc:Choice>
@@ -11627,7 +12449,6 @@
                         <a:avLst/>
                       </a:prstGeom>
                       <a:noFill/>
-                      <a:extLst/>
                     </p:spPr>
                   </p:pic>
                 </p:oleObj>
@@ -12423,7 +13244,7 @@
 </p:sld>
 </file>
 
-<file path=ppt/slides/slide17.xml><?xml version="1.0" encoding="utf-8"?>
+<file path=ppt/slides/slide18.xml><?xml version="1.0" encoding="utf-8"?>
 <p:sld xmlns:a="http://schemas.openxmlformats.org/drawingml/2006/main" xmlns:r="http://schemas.openxmlformats.org/officeDocument/2006/relationships" xmlns:p="http://schemas.openxmlformats.org/presentationml/2006/main">
   <p:cSld>
     <p:spTree>
@@ -13237,7 +14058,7 @@
             <a:fld id="{8A2A4A19-B384-42F8-8C0D-94C30AAB39F2}" type="slidenum">
               <a:rPr lang="en-US" smtClean="0"/>
               <a:pPr/>
-              <a:t>17</a:t>
+              <a:t>18</a:t>
             </a:fld>
             <a:endParaRPr lang="en-US" dirty="0"/>
           </a:p>
@@ -13296,7 +14117,7 @@
           <a:graphicData uri="http://schemas.openxmlformats.org/presentationml/2006/ole">
             <mc:AlternateContent xmlns:mc="http://schemas.openxmlformats.org/markup-compatibility/2006">
               <mc:Choice xmlns:v="urn:schemas-microsoft-com:vml" Requires="v">
-                <p:oleObj spid="_x0000_s39952" name="Equation" r:id="rId4" imgW="1816100" imgH="431800" progId="Equation.3">
+                <p:oleObj spid="_x0000_s39953" name="Equation" r:id="rId4" imgW="1816100" imgH="431800" progId="Equation.3">
                   <p:embed/>
                 </p:oleObj>
               </mc:Choice>
@@ -13333,7 +14154,6 @@
                         <a:avLst/>
                       </a:prstGeom>
                       <a:noFill/>
-                      <a:extLst/>
                     </p:spPr>
                   </p:pic>
                 </p:oleObj>
@@ -13451,7 +14271,7 @@
 </p:sld>
 </file>
 
-<file path=ppt/slides/slide18.xml><?xml version="1.0" encoding="utf-8"?>
+<file path=ppt/slides/slide19.xml><?xml version="1.0" encoding="utf-8"?>
 <p:sld xmlns:a="http://schemas.openxmlformats.org/drawingml/2006/main" xmlns:r="http://schemas.openxmlformats.org/officeDocument/2006/relationships" xmlns:p="http://schemas.openxmlformats.org/presentationml/2006/main">
   <p:cSld>
     <p:spTree>
@@ -13551,7 +14371,7 @@
             <a:fld id="{8A2A4A19-B384-42F8-8C0D-94C30AAB39F2}" type="slidenum">
               <a:rPr lang="en-US" smtClean="0"/>
               <a:pPr/>
-              <a:t>18</a:t>
+              <a:t>19</a:t>
             </a:fld>
             <a:endParaRPr lang="en-US" dirty="0"/>
           </a:p>
@@ -13607,7 +14427,1443 @@
 </p:sld>
 </file>
 
-<file path=ppt/slides/slide19.xml><?xml version="1.0" encoding="utf-8"?>
+<file path=ppt/slides/slide2.xml><?xml version="1.0" encoding="utf-8"?>
+<p:sld xmlns:a="http://schemas.openxmlformats.org/drawingml/2006/main" xmlns:r="http://schemas.openxmlformats.org/officeDocument/2006/relationships" xmlns:p="http://schemas.openxmlformats.org/presentationml/2006/main">
+  <p:cSld>
+    <p:spTree>
+      <p:nvGrpSpPr>
+        <p:cNvPr id="1" name=""/>
+        <p:cNvGrpSpPr/>
+        <p:nvPr/>
+      </p:nvGrpSpPr>
+      <p:grpSpPr>
+        <a:xfrm>
+          <a:off x="0" y="0"/>
+          <a:ext cx="0" cy="0"/>
+          <a:chOff x="0" y="0"/>
+          <a:chExt cx="0" cy="0"/>
+        </a:xfrm>
+      </p:grpSpPr>
+      <p:sp>
+        <p:nvSpPr>
+          <p:cNvPr id="2" name="Slide Number Placeholder 1"/>
+          <p:cNvSpPr>
+            <a:spLocks noGrp="1"/>
+          </p:cNvSpPr>
+          <p:nvPr>
+            <p:ph type="sldNum" sz="quarter" idx="12"/>
+          </p:nvPr>
+        </p:nvSpPr>
+        <p:spPr/>
+        <p:txBody>
+          <a:bodyPr/>
+          <a:lstStyle/>
+          <a:p>
+            <a:fld id="{8A2A4A19-B384-42F8-8C0D-94C30AAB39F2}" type="slidenum">
+              <a:rPr lang="en-US" smtClean="0"/>
+              <a:pPr/>
+              <a:t>2</a:t>
+            </a:fld>
+            <a:endParaRPr lang="en-US"/>
+          </a:p>
+        </p:txBody>
+      </p:sp>
+      <p:sp>
+        <p:nvSpPr>
+          <p:cNvPr id="3" name="Title 1"/>
+          <p:cNvSpPr txBox="1">
+            <a:spLocks/>
+          </p:cNvSpPr>
+          <p:nvPr/>
+        </p:nvSpPr>
+        <p:spPr>
+          <a:xfrm>
+            <a:off x="-304799" y="1371600"/>
+            <a:ext cx="8229600" cy="1143000"/>
+          </a:xfrm>
+          <a:prstGeom prst="rect">
+            <a:avLst/>
+          </a:prstGeom>
+        </p:spPr>
+        <p:txBody>
+          <a:bodyPr/>
+          <a:lstStyle>
+            <a:lvl1pPr algn="ctr" defTabSz="914400" rtl="0" eaLnBrk="1" latinLnBrk="0" hangingPunct="1">
+              <a:spcBef>
+                <a:spcPct val="0"/>
+              </a:spcBef>
+              <a:buNone/>
+              <a:defRPr sz="4400" kern="1200">
+                <a:solidFill>
+                  <a:schemeClr val="tx1"/>
+                </a:solidFill>
+                <a:latin typeface="+mj-lt"/>
+                <a:ea typeface="+mj-ea"/>
+                <a:cs typeface="+mj-cs"/>
+              </a:defRPr>
+            </a:lvl1pPr>
+          </a:lstStyle>
+          <a:p>
+            <a:r>
+              <a:rPr lang="en-US" sz="2400" dirty="0">
+                <a:solidFill>
+                  <a:schemeClr val="accent6">
+                    <a:lumMod val="75000"/>
+                  </a:schemeClr>
+                </a:solidFill>
+                <a:latin typeface="Stencil" panose="040409050D0802020404" pitchFamily="82" charset="0"/>
+                <a:cs typeface="Arial" panose="020B0604020202020204" pitchFamily="34" charset="0"/>
+              </a:rPr>
+              <a:t>The Road Map</a:t>
+            </a:r>
+          </a:p>
+        </p:txBody>
+      </p:sp>
+      <p:graphicFrame>
+        <p:nvGraphicFramePr>
+          <p:cNvPr id="32" name="Object 2"/>
+          <p:cNvGraphicFramePr>
+            <a:graphicFrameLocks noChangeAspect="1"/>
+          </p:cNvGraphicFramePr>
+          <p:nvPr>
+            <p:extLst>
+              <p:ext uri="{D42A27DB-BD31-4B8C-83A1-F6EECF244321}">
+                <p14:modId xmlns:p14="http://schemas.microsoft.com/office/powerpoint/2010/main" val="2128136793"/>
+              </p:ext>
+            </p:extLst>
+          </p:nvPr>
+        </p:nvGraphicFramePr>
+        <p:xfrm>
+          <a:off x="2473872" y="2986207"/>
+          <a:ext cx="1257300" cy="515937"/>
+        </p:xfrm>
+        <a:graphic>
+          <a:graphicData uri="http://schemas.openxmlformats.org/presentationml/2006/ole">
+            <mc:AlternateContent xmlns:mc="http://schemas.openxmlformats.org/markup-compatibility/2006">
+              <mc:Choice xmlns:v="urn:schemas-microsoft-com:vml" Requires="v">
+                <p:oleObj spid="_x0000_s8419" name="Equation" r:id="rId3" imgW="1079280" imgH="444240" progId="Equation.3">
+                  <p:embed/>
+                </p:oleObj>
+              </mc:Choice>
+              <mc:Fallback>
+                <p:oleObj name="Equation" r:id="rId3" imgW="1079280" imgH="444240" progId="Equation.3">
+                  <p:embed/>
+                  <p:pic>
+                    <p:nvPicPr>
+                      <p:cNvPr id="0" name=""/>
+                      <p:cNvPicPr>
+                        <a:picLocks noChangeAspect="1" noChangeArrowheads="1"/>
+                      </p:cNvPicPr>
+                      <p:nvPr/>
+                    </p:nvPicPr>
+                    <p:blipFill>
+                      <a:blip r:embed="rId4">
+                        <a:extLst>
+                          <a:ext uri="{28A0092B-C50C-407E-A947-70E740481C1C}">
+                            <a14:useLocalDpi xmlns:a14="http://schemas.microsoft.com/office/drawing/2010/main" val="0"/>
+                          </a:ext>
+                        </a:extLst>
+                      </a:blip>
+                      <a:srcRect/>
+                      <a:stretch>
+                        <a:fillRect/>
+                      </a:stretch>
+                    </p:blipFill>
+                    <p:spPr bwMode="auto">
+                      <a:xfrm>
+                        <a:off x="2473872" y="2986207"/>
+                        <a:ext cx="1257300" cy="515937"/>
+                      </a:xfrm>
+                      <a:prstGeom prst="rect">
+                        <a:avLst/>
+                      </a:prstGeom>
+                      <a:noFill/>
+                      <a:extLst>
+                        <a:ext uri="{909E8E84-426E-40DD-AFC4-6F175D3DCCD1}">
+                          <a14:hiddenFill xmlns:a14="http://schemas.microsoft.com/office/drawing/2010/main">
+                            <a:solidFill>
+                              <a:srgbClr val="FFFFFF"/>
+                            </a:solidFill>
+                          </a14:hiddenFill>
+                        </a:ext>
+                      </a:extLst>
+                    </p:spPr>
+                  </p:pic>
+                </p:oleObj>
+              </mc:Fallback>
+            </mc:AlternateContent>
+          </a:graphicData>
+        </a:graphic>
+      </p:graphicFrame>
+      <p:sp>
+        <p:nvSpPr>
+          <p:cNvPr id="33" name="TextBox 32"/>
+          <p:cNvSpPr txBox="1"/>
+          <p:nvPr/>
+        </p:nvSpPr>
+        <p:spPr>
+          <a:xfrm>
+            <a:off x="2537325" y="2286000"/>
+            <a:ext cx="1435008" cy="369332"/>
+          </a:xfrm>
+          <a:prstGeom prst="rect">
+            <a:avLst/>
+          </a:prstGeom>
+          <a:noFill/>
+        </p:spPr>
+        <p:txBody>
+          <a:bodyPr wrap="none" rtlCol="0">
+            <a:spAutoFit/>
+          </a:bodyPr>
+          <a:lstStyle/>
+          <a:p>
+            <a:r>
+              <a:rPr lang="en-US" u="sng" dirty="0">
+                <a:solidFill>
+                  <a:schemeClr val="accent6">
+                    <a:lumMod val="75000"/>
+                  </a:schemeClr>
+                </a:solidFill>
+              </a:rPr>
+              <a:t>Of the Mean</a:t>
+            </a:r>
+            <a:r>
+              <a:rPr lang="en-US" dirty="0">
+                <a:solidFill>
+                  <a:schemeClr val="accent6">
+                    <a:lumMod val="75000"/>
+                  </a:schemeClr>
+                </a:solidFill>
+              </a:rPr>
+              <a:t>:</a:t>
+            </a:r>
+          </a:p>
+        </p:txBody>
+      </p:sp>
+      <p:sp>
+        <p:nvSpPr>
+          <p:cNvPr id="34" name="TextBox 33"/>
+          <p:cNvSpPr txBox="1"/>
+          <p:nvPr/>
+        </p:nvSpPr>
+        <p:spPr>
+          <a:xfrm>
+            <a:off x="5221642" y="2286000"/>
+            <a:ext cx="1407758" cy="369332"/>
+          </a:xfrm>
+          <a:prstGeom prst="rect">
+            <a:avLst/>
+          </a:prstGeom>
+          <a:noFill/>
+        </p:spPr>
+        <p:txBody>
+          <a:bodyPr wrap="none" rtlCol="0">
+            <a:spAutoFit/>
+          </a:bodyPr>
+          <a:lstStyle/>
+          <a:p>
+            <a:r>
+              <a:rPr lang="en-US" u="sng" dirty="0">
+                <a:solidFill>
+                  <a:schemeClr val="accent6">
+                    <a:lumMod val="75000"/>
+                  </a:schemeClr>
+                </a:solidFill>
+              </a:rPr>
+              <a:t>Of the Slope</a:t>
+            </a:r>
+            <a:r>
+              <a:rPr lang="en-US" dirty="0">
+                <a:solidFill>
+                  <a:schemeClr val="accent6">
+                    <a:lumMod val="75000"/>
+                  </a:schemeClr>
+                </a:solidFill>
+              </a:rPr>
+              <a:t>:</a:t>
+            </a:r>
+          </a:p>
+        </p:txBody>
+      </p:sp>
+      <p:graphicFrame>
+        <p:nvGraphicFramePr>
+          <p:cNvPr id="35" name="Object 3"/>
+          <p:cNvGraphicFramePr>
+            <a:graphicFrameLocks noChangeAspect="1"/>
+          </p:cNvGraphicFramePr>
+          <p:nvPr>
+            <p:extLst>
+              <p:ext uri="{D42A27DB-BD31-4B8C-83A1-F6EECF244321}">
+                <p14:modId xmlns:p14="http://schemas.microsoft.com/office/powerpoint/2010/main" val="2671738155"/>
+              </p:ext>
+            </p:extLst>
+          </p:nvPr>
+        </p:nvGraphicFramePr>
+        <p:xfrm>
+          <a:off x="2880480" y="4519811"/>
+          <a:ext cx="752475" cy="338137"/>
+        </p:xfrm>
+        <a:graphic>
+          <a:graphicData uri="http://schemas.openxmlformats.org/presentationml/2006/ole">
+            <mc:AlternateContent xmlns:mc="http://schemas.openxmlformats.org/markup-compatibility/2006">
+              <mc:Choice xmlns:v="urn:schemas-microsoft-com:vml" Requires="v">
+                <p:oleObj spid="_x0000_s8420" name="Equation" r:id="rId5" imgW="647700" imgH="292100" progId="Equation.3">
+                  <p:embed/>
+                </p:oleObj>
+              </mc:Choice>
+              <mc:Fallback>
+                <p:oleObj name="Equation" r:id="rId5" imgW="647700" imgH="292100" progId="Equation.3">
+                  <p:embed/>
+                  <p:pic>
+                    <p:nvPicPr>
+                      <p:cNvPr id="0" name=""/>
+                      <p:cNvPicPr>
+                        <a:picLocks noChangeAspect="1" noChangeArrowheads="1"/>
+                      </p:cNvPicPr>
+                      <p:nvPr/>
+                    </p:nvPicPr>
+                    <p:blipFill>
+                      <a:blip r:embed="rId6">
+                        <a:extLst>
+                          <a:ext uri="{28A0092B-C50C-407E-A947-70E740481C1C}">
+                            <a14:useLocalDpi xmlns:a14="http://schemas.microsoft.com/office/drawing/2010/main" val="0"/>
+                          </a:ext>
+                        </a:extLst>
+                      </a:blip>
+                      <a:srcRect/>
+                      <a:stretch>
+                        <a:fillRect/>
+                      </a:stretch>
+                    </p:blipFill>
+                    <p:spPr bwMode="auto">
+                      <a:xfrm>
+                        <a:off x="2880480" y="4519811"/>
+                        <a:ext cx="752475" cy="338137"/>
+                      </a:xfrm>
+                      <a:prstGeom prst="rect">
+                        <a:avLst/>
+                      </a:prstGeom>
+                      <a:noFill/>
+                      <a:extLst>
+                        <a:ext uri="{909E8E84-426E-40DD-AFC4-6F175D3DCCD1}">
+                          <a14:hiddenFill xmlns:a14="http://schemas.microsoft.com/office/drawing/2010/main">
+                            <a:solidFill>
+                              <a:srgbClr val="FFFFFF"/>
+                            </a:solidFill>
+                          </a14:hiddenFill>
+                        </a:ext>
+                      </a:extLst>
+                    </p:spPr>
+                  </p:pic>
+                </p:oleObj>
+              </mc:Fallback>
+            </mc:AlternateContent>
+          </a:graphicData>
+        </a:graphic>
+      </p:graphicFrame>
+      <p:graphicFrame>
+        <p:nvGraphicFramePr>
+          <p:cNvPr id="36" name="Object 4"/>
+          <p:cNvGraphicFramePr>
+            <a:graphicFrameLocks noChangeAspect="1"/>
+          </p:cNvGraphicFramePr>
+          <p:nvPr>
+            <p:extLst>
+              <p:ext uri="{D42A27DB-BD31-4B8C-83A1-F6EECF244321}">
+                <p14:modId xmlns:p14="http://schemas.microsoft.com/office/powerpoint/2010/main" val="3073681070"/>
+              </p:ext>
+            </p:extLst>
+          </p:nvPr>
+        </p:nvGraphicFramePr>
+        <p:xfrm>
+          <a:off x="2855080" y="5530692"/>
+          <a:ext cx="768350" cy="485775"/>
+        </p:xfrm>
+        <a:graphic>
+          <a:graphicData uri="http://schemas.openxmlformats.org/presentationml/2006/ole">
+            <mc:AlternateContent xmlns:mc="http://schemas.openxmlformats.org/markup-compatibility/2006">
+              <mc:Choice xmlns:v="urn:schemas-microsoft-com:vml" Requires="v">
+                <p:oleObj spid="_x0000_s8421" name="Equation" r:id="rId7" imgW="660400" imgH="419100" progId="Equation.3">
+                  <p:embed/>
+                </p:oleObj>
+              </mc:Choice>
+              <mc:Fallback>
+                <p:oleObj name="Equation" r:id="rId7" imgW="660400" imgH="419100" progId="Equation.3">
+                  <p:embed/>
+                  <p:pic>
+                    <p:nvPicPr>
+                      <p:cNvPr id="0" name=""/>
+                      <p:cNvPicPr>
+                        <a:picLocks noChangeAspect="1" noChangeArrowheads="1"/>
+                      </p:cNvPicPr>
+                      <p:nvPr/>
+                    </p:nvPicPr>
+                    <p:blipFill>
+                      <a:blip r:embed="rId8">
+                        <a:extLst>
+                          <a:ext uri="{28A0092B-C50C-407E-A947-70E740481C1C}">
+                            <a14:useLocalDpi xmlns:a14="http://schemas.microsoft.com/office/drawing/2010/main" val="0"/>
+                          </a:ext>
+                        </a:extLst>
+                      </a:blip>
+                      <a:srcRect/>
+                      <a:stretch>
+                        <a:fillRect/>
+                      </a:stretch>
+                    </p:blipFill>
+                    <p:spPr bwMode="auto">
+                      <a:xfrm>
+                        <a:off x="2855080" y="5530692"/>
+                        <a:ext cx="768350" cy="485775"/>
+                      </a:xfrm>
+                      <a:prstGeom prst="rect">
+                        <a:avLst/>
+                      </a:prstGeom>
+                      <a:noFill/>
+                      <a:extLst>
+                        <a:ext uri="{909E8E84-426E-40DD-AFC4-6F175D3DCCD1}">
+                          <a14:hiddenFill xmlns:a14="http://schemas.microsoft.com/office/drawing/2010/main">
+                            <a:solidFill>
+                              <a:srgbClr val="FFFFFF"/>
+                            </a:solidFill>
+                          </a14:hiddenFill>
+                        </a:ext>
+                      </a:extLst>
+                    </p:spPr>
+                  </p:pic>
+                </p:oleObj>
+              </mc:Fallback>
+            </mc:AlternateContent>
+          </a:graphicData>
+        </a:graphic>
+      </p:graphicFrame>
+      <p:graphicFrame>
+        <p:nvGraphicFramePr>
+          <p:cNvPr id="37" name="Object 5"/>
+          <p:cNvGraphicFramePr>
+            <a:graphicFrameLocks noChangeAspect="1"/>
+          </p:cNvGraphicFramePr>
+          <p:nvPr>
+            <p:extLst>
+              <p:ext uri="{D42A27DB-BD31-4B8C-83A1-F6EECF244321}">
+                <p14:modId xmlns:p14="http://schemas.microsoft.com/office/powerpoint/2010/main" val="3749274349"/>
+              </p:ext>
+            </p:extLst>
+          </p:nvPr>
+        </p:nvGraphicFramePr>
+        <p:xfrm>
+          <a:off x="4880218" y="6898305"/>
+          <a:ext cx="1447800" cy="366936"/>
+        </p:xfrm>
+        <a:graphic>
+          <a:graphicData uri="http://schemas.openxmlformats.org/presentationml/2006/ole">
+            <mc:AlternateContent xmlns:mc="http://schemas.openxmlformats.org/markup-compatibility/2006">
+              <mc:Choice xmlns:v="urn:schemas-microsoft-com:vml" Requires="v">
+                <p:oleObj spid="_x0000_s8422" name="Equation" r:id="rId9" imgW="952087" imgH="241195" progId="Equation.3">
+                  <p:embed/>
+                </p:oleObj>
+              </mc:Choice>
+              <mc:Fallback>
+                <p:oleObj name="Equation" r:id="rId9" imgW="952087" imgH="241195" progId="Equation.3">
+                  <p:embed/>
+                  <p:pic>
+                    <p:nvPicPr>
+                      <p:cNvPr id="0" name=""/>
+                      <p:cNvPicPr>
+                        <a:picLocks noChangeAspect="1" noChangeArrowheads="1"/>
+                      </p:cNvPicPr>
+                      <p:nvPr/>
+                    </p:nvPicPr>
+                    <p:blipFill>
+                      <a:blip r:embed="rId10">
+                        <a:extLst>
+                          <a:ext uri="{28A0092B-C50C-407E-A947-70E740481C1C}">
+                            <a14:useLocalDpi xmlns:a14="http://schemas.microsoft.com/office/drawing/2010/main" val="0"/>
+                          </a:ext>
+                        </a:extLst>
+                      </a:blip>
+                      <a:srcRect/>
+                      <a:stretch>
+                        <a:fillRect/>
+                      </a:stretch>
+                    </p:blipFill>
+                    <p:spPr bwMode="auto">
+                      <a:xfrm>
+                        <a:off x="4880218" y="6898305"/>
+                        <a:ext cx="1447800" cy="366936"/>
+                      </a:xfrm>
+                      <a:prstGeom prst="rect">
+                        <a:avLst/>
+                      </a:prstGeom>
+                      <a:noFill/>
+                      <a:extLst>
+                        <a:ext uri="{909E8E84-426E-40DD-AFC4-6F175D3DCCD1}">
+                          <a14:hiddenFill xmlns:a14="http://schemas.microsoft.com/office/drawing/2010/main">
+                            <a:solidFill>
+                              <a:srgbClr val="FFFFFF"/>
+                            </a:solidFill>
+                          </a14:hiddenFill>
+                        </a:ext>
+                      </a:extLst>
+                    </p:spPr>
+                  </p:pic>
+                </p:oleObj>
+              </mc:Fallback>
+            </mc:AlternateContent>
+          </a:graphicData>
+        </a:graphic>
+      </p:graphicFrame>
+      <p:graphicFrame>
+        <p:nvGraphicFramePr>
+          <p:cNvPr id="38" name="Object 6"/>
+          <p:cNvGraphicFramePr>
+            <a:graphicFrameLocks noChangeAspect="1"/>
+          </p:cNvGraphicFramePr>
+          <p:nvPr>
+            <p:extLst>
+              <p:ext uri="{D42A27DB-BD31-4B8C-83A1-F6EECF244321}">
+                <p14:modId xmlns:p14="http://schemas.microsoft.com/office/powerpoint/2010/main" val="185327702"/>
+              </p:ext>
+            </p:extLst>
+          </p:nvPr>
+        </p:nvGraphicFramePr>
+        <p:xfrm>
+          <a:off x="964926" y="8322558"/>
+          <a:ext cx="103187" cy="196850"/>
+        </p:xfrm>
+        <a:graphic>
+          <a:graphicData uri="http://schemas.openxmlformats.org/presentationml/2006/ole">
+            <mc:AlternateContent xmlns:mc="http://schemas.openxmlformats.org/markup-compatibility/2006">
+              <mc:Choice xmlns:v="urn:schemas-microsoft-com:vml" Requires="v">
+                <p:oleObj spid="_x0000_s8423" name="Equation" r:id="rId11" imgW="114151" imgH="215619" progId="Equation.3">
+                  <p:embed/>
+                </p:oleObj>
+              </mc:Choice>
+              <mc:Fallback>
+                <p:oleObj name="Equation" r:id="rId11" imgW="114151" imgH="215619" progId="Equation.3">
+                  <p:embed/>
+                  <p:pic>
+                    <p:nvPicPr>
+                      <p:cNvPr id="0" name=""/>
+                      <p:cNvPicPr>
+                        <a:picLocks noChangeAspect="1" noChangeArrowheads="1"/>
+                      </p:cNvPicPr>
+                      <p:nvPr/>
+                    </p:nvPicPr>
+                    <p:blipFill>
+                      <a:blip r:embed="rId12">
+                        <a:extLst>
+                          <a:ext uri="{28A0092B-C50C-407E-A947-70E740481C1C}">
+                            <a14:useLocalDpi xmlns:a14="http://schemas.microsoft.com/office/drawing/2010/main" val="0"/>
+                          </a:ext>
+                        </a:extLst>
+                      </a:blip>
+                      <a:srcRect/>
+                      <a:stretch>
+                        <a:fillRect/>
+                      </a:stretch>
+                    </p:blipFill>
+                    <p:spPr bwMode="auto">
+                      <a:xfrm>
+                        <a:off x="964926" y="8322558"/>
+                        <a:ext cx="103187" cy="196850"/>
+                      </a:xfrm>
+                      <a:prstGeom prst="rect">
+                        <a:avLst/>
+                      </a:prstGeom>
+                      <a:noFill/>
+                      <a:extLst>
+                        <a:ext uri="{909E8E84-426E-40DD-AFC4-6F175D3DCCD1}">
+                          <a14:hiddenFill xmlns:a14="http://schemas.microsoft.com/office/drawing/2010/main">
+                            <a:solidFill>
+                              <a:srgbClr val="FFFFFF"/>
+                            </a:solidFill>
+                          </a14:hiddenFill>
+                        </a:ext>
+                      </a:extLst>
+                    </p:spPr>
+                  </p:pic>
+                </p:oleObj>
+              </mc:Fallback>
+            </mc:AlternateContent>
+          </a:graphicData>
+        </a:graphic>
+      </p:graphicFrame>
+      <p:graphicFrame>
+        <p:nvGraphicFramePr>
+          <p:cNvPr id="39" name="Object 7"/>
+          <p:cNvGraphicFramePr>
+            <a:graphicFrameLocks noChangeAspect="1"/>
+          </p:cNvGraphicFramePr>
+          <p:nvPr>
+            <p:extLst>
+              <p:ext uri="{D42A27DB-BD31-4B8C-83A1-F6EECF244321}">
+                <p14:modId xmlns:p14="http://schemas.microsoft.com/office/powerpoint/2010/main" val="862714827"/>
+              </p:ext>
+            </p:extLst>
+          </p:nvPr>
+        </p:nvGraphicFramePr>
+        <p:xfrm>
+          <a:off x="2767788" y="6949217"/>
+          <a:ext cx="1017587" cy="265112"/>
+        </p:xfrm>
+        <a:graphic>
+          <a:graphicData uri="http://schemas.openxmlformats.org/presentationml/2006/ole">
+            <mc:AlternateContent xmlns:mc="http://schemas.openxmlformats.org/markup-compatibility/2006">
+              <mc:Choice xmlns:v="urn:schemas-microsoft-com:vml" Requires="v">
+                <p:oleObj spid="_x0000_s8424" name="Equation" r:id="rId13" imgW="876300" imgH="228600" progId="Equation.3">
+                  <p:embed/>
+                </p:oleObj>
+              </mc:Choice>
+              <mc:Fallback>
+                <p:oleObj name="Equation" r:id="rId13" imgW="876300" imgH="228600" progId="Equation.3">
+                  <p:embed/>
+                  <p:pic>
+                    <p:nvPicPr>
+                      <p:cNvPr id="0" name=""/>
+                      <p:cNvPicPr>
+                        <a:picLocks noChangeAspect="1" noChangeArrowheads="1"/>
+                      </p:cNvPicPr>
+                      <p:nvPr/>
+                    </p:nvPicPr>
+                    <p:blipFill>
+                      <a:blip r:embed="rId14">
+                        <a:extLst>
+                          <a:ext uri="{28A0092B-C50C-407E-A947-70E740481C1C}">
+                            <a14:useLocalDpi xmlns:a14="http://schemas.microsoft.com/office/drawing/2010/main" val="0"/>
+                          </a:ext>
+                        </a:extLst>
+                      </a:blip>
+                      <a:srcRect/>
+                      <a:stretch>
+                        <a:fillRect/>
+                      </a:stretch>
+                    </p:blipFill>
+                    <p:spPr bwMode="auto">
+                      <a:xfrm>
+                        <a:off x="2767788" y="6949217"/>
+                        <a:ext cx="1017587" cy="265112"/>
+                      </a:xfrm>
+                      <a:prstGeom prst="rect">
+                        <a:avLst/>
+                      </a:prstGeom>
+                      <a:noFill/>
+                      <a:extLst>
+                        <a:ext uri="{909E8E84-426E-40DD-AFC4-6F175D3DCCD1}">
+                          <a14:hiddenFill xmlns:a14="http://schemas.microsoft.com/office/drawing/2010/main">
+                            <a:solidFill>
+                              <a:srgbClr val="FFFFFF"/>
+                            </a:solidFill>
+                          </a14:hiddenFill>
+                        </a:ext>
+                      </a:extLst>
+                    </p:spPr>
+                  </p:pic>
+                </p:oleObj>
+              </mc:Fallback>
+            </mc:AlternateContent>
+          </a:graphicData>
+        </a:graphic>
+      </p:graphicFrame>
+      <p:graphicFrame>
+        <p:nvGraphicFramePr>
+          <p:cNvPr id="40" name="Object 8"/>
+          <p:cNvGraphicFramePr>
+            <a:graphicFrameLocks noChangeAspect="1"/>
+          </p:cNvGraphicFramePr>
+          <p:nvPr>
+            <p:extLst>
+              <p:ext uri="{D42A27DB-BD31-4B8C-83A1-F6EECF244321}">
+                <p14:modId xmlns:p14="http://schemas.microsoft.com/office/powerpoint/2010/main" val="2568326221"/>
+              </p:ext>
+            </p:extLst>
+          </p:nvPr>
+        </p:nvGraphicFramePr>
+        <p:xfrm>
+          <a:off x="4900063" y="2999170"/>
+          <a:ext cx="1408111" cy="516033"/>
+        </p:xfrm>
+        <a:graphic>
+          <a:graphicData uri="http://schemas.openxmlformats.org/presentationml/2006/ole">
+            <mc:AlternateContent xmlns:mc="http://schemas.openxmlformats.org/markup-compatibility/2006">
+              <mc:Choice xmlns:v="urn:schemas-microsoft-com:vml" Requires="v">
+                <p:oleObj spid="_x0000_s8425" name="Equation" r:id="rId15" imgW="1180588" imgH="431613" progId="Equation.3">
+                  <p:embed/>
+                </p:oleObj>
+              </mc:Choice>
+              <mc:Fallback>
+                <p:oleObj name="Equation" r:id="rId15" imgW="1180588" imgH="431613" progId="Equation.3">
+                  <p:embed/>
+                  <p:pic>
+                    <p:nvPicPr>
+                      <p:cNvPr id="0" name=""/>
+                      <p:cNvPicPr>
+                        <a:picLocks noChangeAspect="1" noChangeArrowheads="1"/>
+                      </p:cNvPicPr>
+                      <p:nvPr/>
+                    </p:nvPicPr>
+                    <p:blipFill>
+                      <a:blip r:embed="rId16">
+                        <a:extLst>
+                          <a:ext uri="{28A0092B-C50C-407E-A947-70E740481C1C}">
+                            <a14:useLocalDpi xmlns:a14="http://schemas.microsoft.com/office/drawing/2010/main" val="0"/>
+                          </a:ext>
+                        </a:extLst>
+                      </a:blip>
+                      <a:srcRect/>
+                      <a:stretch>
+                        <a:fillRect/>
+                      </a:stretch>
+                    </p:blipFill>
+                    <p:spPr bwMode="auto">
+                      <a:xfrm>
+                        <a:off x="4900063" y="2999170"/>
+                        <a:ext cx="1408111" cy="516033"/>
+                      </a:xfrm>
+                      <a:prstGeom prst="rect">
+                        <a:avLst/>
+                      </a:prstGeom>
+                      <a:noFill/>
+                      <a:extLst>
+                        <a:ext uri="{909E8E84-426E-40DD-AFC4-6F175D3DCCD1}">
+                          <a14:hiddenFill xmlns:a14="http://schemas.microsoft.com/office/drawing/2010/main">
+                            <a:solidFill>
+                              <a:srgbClr val="FFFFFF"/>
+                            </a:solidFill>
+                          </a14:hiddenFill>
+                        </a:ext>
+                      </a:extLst>
+                    </p:spPr>
+                  </p:pic>
+                </p:oleObj>
+              </mc:Fallback>
+            </mc:AlternateContent>
+          </a:graphicData>
+        </a:graphic>
+      </p:graphicFrame>
+      <p:graphicFrame>
+        <p:nvGraphicFramePr>
+          <p:cNvPr id="41" name="Object 10"/>
+          <p:cNvGraphicFramePr>
+            <a:graphicFrameLocks noChangeAspect="1"/>
+          </p:cNvGraphicFramePr>
+          <p:nvPr>
+            <p:extLst>
+              <p:ext uri="{D42A27DB-BD31-4B8C-83A1-F6EECF244321}">
+                <p14:modId xmlns:p14="http://schemas.microsoft.com/office/powerpoint/2010/main" val="2282640132"/>
+              </p:ext>
+            </p:extLst>
+          </p:nvPr>
+        </p:nvGraphicFramePr>
+        <p:xfrm>
+          <a:off x="5227881" y="4519810"/>
+          <a:ext cx="752475" cy="338138"/>
+        </p:xfrm>
+        <a:graphic>
+          <a:graphicData uri="http://schemas.openxmlformats.org/presentationml/2006/ole">
+            <mc:AlternateContent xmlns:mc="http://schemas.openxmlformats.org/markup-compatibility/2006">
+              <mc:Choice xmlns:v="urn:schemas-microsoft-com:vml" Requires="v">
+                <p:oleObj spid="_x0000_s8426" name="Equation" r:id="rId17" imgW="647700" imgH="292100" progId="Equation.3">
+                  <p:embed/>
+                </p:oleObj>
+              </mc:Choice>
+              <mc:Fallback>
+                <p:oleObj name="Equation" r:id="rId17" imgW="647700" imgH="292100" progId="Equation.3">
+                  <p:embed/>
+                  <p:pic>
+                    <p:nvPicPr>
+                      <p:cNvPr id="0" name=""/>
+                      <p:cNvPicPr>
+                        <a:picLocks noChangeAspect="1" noChangeArrowheads="1"/>
+                      </p:cNvPicPr>
+                      <p:nvPr/>
+                    </p:nvPicPr>
+                    <p:blipFill>
+                      <a:blip r:embed="rId18">
+                        <a:extLst>
+                          <a:ext uri="{28A0092B-C50C-407E-A947-70E740481C1C}">
+                            <a14:useLocalDpi xmlns:a14="http://schemas.microsoft.com/office/drawing/2010/main" val="0"/>
+                          </a:ext>
+                        </a:extLst>
+                      </a:blip>
+                      <a:srcRect/>
+                      <a:stretch>
+                        <a:fillRect/>
+                      </a:stretch>
+                    </p:blipFill>
+                    <p:spPr bwMode="auto">
+                      <a:xfrm>
+                        <a:off x="5227881" y="4519810"/>
+                        <a:ext cx="752475" cy="338138"/>
+                      </a:xfrm>
+                      <a:prstGeom prst="rect">
+                        <a:avLst/>
+                      </a:prstGeom>
+                      <a:noFill/>
+                      <a:extLst>
+                        <a:ext uri="{909E8E84-426E-40DD-AFC4-6F175D3DCCD1}">
+                          <a14:hiddenFill xmlns:a14="http://schemas.microsoft.com/office/drawing/2010/main">
+                            <a:solidFill>
+                              <a:srgbClr val="FFFFFF"/>
+                            </a:solidFill>
+                          </a14:hiddenFill>
+                        </a:ext>
+                      </a:extLst>
+                    </p:spPr>
+                  </p:pic>
+                </p:oleObj>
+              </mc:Fallback>
+            </mc:AlternateContent>
+          </a:graphicData>
+        </a:graphic>
+      </p:graphicFrame>
+      <p:graphicFrame>
+        <p:nvGraphicFramePr>
+          <p:cNvPr id="42" name="Object 11"/>
+          <p:cNvGraphicFramePr>
+            <a:graphicFrameLocks noChangeAspect="1"/>
+          </p:cNvGraphicFramePr>
+          <p:nvPr>
+            <p:extLst>
+              <p:ext uri="{D42A27DB-BD31-4B8C-83A1-F6EECF244321}">
+                <p14:modId xmlns:p14="http://schemas.microsoft.com/office/powerpoint/2010/main" val="2962108488"/>
+              </p:ext>
+            </p:extLst>
+          </p:nvPr>
+        </p:nvGraphicFramePr>
+        <p:xfrm>
+          <a:off x="4719881" y="5415598"/>
+          <a:ext cx="1768475" cy="715962"/>
+        </p:xfrm>
+        <a:graphic>
+          <a:graphicData uri="http://schemas.openxmlformats.org/presentationml/2006/ole">
+            <mc:AlternateContent xmlns:mc="http://schemas.openxmlformats.org/markup-compatibility/2006">
+              <mc:Choice xmlns:v="urn:schemas-microsoft-com:vml" Requires="v">
+                <p:oleObj spid="_x0000_s8427" name="Equation" r:id="rId19" imgW="1282680" imgH="520560" progId="Equation.3">
+                  <p:embed/>
+                </p:oleObj>
+              </mc:Choice>
+              <mc:Fallback>
+                <p:oleObj name="Equation" r:id="rId19" imgW="1282680" imgH="520560" progId="Equation.3">
+                  <p:embed/>
+                  <p:pic>
+                    <p:nvPicPr>
+                      <p:cNvPr id="0" name=""/>
+                      <p:cNvPicPr>
+                        <a:picLocks noChangeAspect="1" noChangeArrowheads="1"/>
+                      </p:cNvPicPr>
+                      <p:nvPr/>
+                    </p:nvPicPr>
+                    <p:blipFill>
+                      <a:blip r:embed="rId20">
+                        <a:extLst>
+                          <a:ext uri="{28A0092B-C50C-407E-A947-70E740481C1C}">
+                            <a14:useLocalDpi xmlns:a14="http://schemas.microsoft.com/office/drawing/2010/main" val="0"/>
+                          </a:ext>
+                        </a:extLst>
+                      </a:blip>
+                      <a:srcRect/>
+                      <a:stretch>
+                        <a:fillRect/>
+                      </a:stretch>
+                    </p:blipFill>
+                    <p:spPr bwMode="auto">
+                      <a:xfrm>
+                        <a:off x="4719881" y="5415598"/>
+                        <a:ext cx="1768475" cy="715962"/>
+                      </a:xfrm>
+                      <a:prstGeom prst="rect">
+                        <a:avLst/>
+                      </a:prstGeom>
+                      <a:noFill/>
+                      <a:extLst>
+                        <a:ext uri="{909E8E84-426E-40DD-AFC4-6F175D3DCCD1}">
+                          <a14:hiddenFill xmlns:a14="http://schemas.microsoft.com/office/drawing/2010/main">
+                            <a:solidFill>
+                              <a:srgbClr val="FFFFFF"/>
+                            </a:solidFill>
+                          </a14:hiddenFill>
+                        </a:ext>
+                      </a:extLst>
+                    </p:spPr>
+                  </p:pic>
+                </p:oleObj>
+              </mc:Fallback>
+            </mc:AlternateContent>
+          </a:graphicData>
+        </a:graphic>
+      </p:graphicFrame>
+      <p:sp>
+        <p:nvSpPr>
+          <p:cNvPr id="43" name="TextBox 42"/>
+          <p:cNvSpPr txBox="1"/>
+          <p:nvPr/>
+        </p:nvSpPr>
+        <p:spPr>
+          <a:xfrm>
+            <a:off x="2880480" y="3597625"/>
+            <a:ext cx="620106" cy="307777"/>
+          </a:xfrm>
+          <a:prstGeom prst="rect">
+            <a:avLst/>
+          </a:prstGeom>
+          <a:noFill/>
+        </p:spPr>
+        <p:txBody>
+          <a:bodyPr wrap="none" rtlCol="0">
+            <a:spAutoFit/>
+          </a:bodyPr>
+          <a:lstStyle/>
+          <a:p>
+            <a:r>
+              <a:rPr lang="en-US" sz="1400" dirty="0">
+                <a:solidFill>
+                  <a:schemeClr val="accent6">
+                    <a:lumMod val="75000"/>
+                  </a:schemeClr>
+                </a:solidFill>
+              </a:rPr>
+              <a:t>(for x)</a:t>
+            </a:r>
+          </a:p>
+        </p:txBody>
+      </p:sp>
+      <p:sp>
+        <p:nvSpPr>
+          <p:cNvPr id="44" name="TextBox 43"/>
+          <p:cNvSpPr txBox="1"/>
+          <p:nvPr/>
+        </p:nvSpPr>
+        <p:spPr>
+          <a:xfrm>
+            <a:off x="4928011" y="3597625"/>
+            <a:ext cx="1584921" cy="307777"/>
+          </a:xfrm>
+          <a:prstGeom prst="rect">
+            <a:avLst/>
+          </a:prstGeom>
+          <a:noFill/>
+        </p:spPr>
+        <p:txBody>
+          <a:bodyPr wrap="none" rtlCol="0">
+            <a:spAutoFit/>
+          </a:bodyPr>
+          <a:lstStyle/>
+          <a:p>
+            <a:r>
+              <a:rPr lang="en-US" sz="1400" dirty="0">
+                <a:solidFill>
+                  <a:schemeClr val="accent6">
+                    <a:lumMod val="75000"/>
+                  </a:schemeClr>
+                </a:solidFill>
+              </a:rPr>
+              <a:t>(using the residual)</a:t>
+            </a:r>
+          </a:p>
+        </p:txBody>
+      </p:sp>
+      <p:sp>
+        <p:nvSpPr>
+          <p:cNvPr id="45" name="TextBox 44"/>
+          <p:cNvSpPr txBox="1"/>
+          <p:nvPr/>
+        </p:nvSpPr>
+        <p:spPr>
+          <a:xfrm>
+            <a:off x="5069460" y="7315200"/>
+            <a:ext cx="1159292" cy="307777"/>
+          </a:xfrm>
+          <a:prstGeom prst="rect">
+            <a:avLst/>
+          </a:prstGeom>
+          <a:noFill/>
+        </p:spPr>
+        <p:txBody>
+          <a:bodyPr wrap="none" rtlCol="0">
+            <a:spAutoFit/>
+          </a:bodyPr>
+          <a:lstStyle/>
+          <a:p>
+            <a:r>
+              <a:rPr lang="en-US" sz="1400" dirty="0">
+                <a:solidFill>
+                  <a:schemeClr val="accent6">
+                    <a:lumMod val="75000"/>
+                  </a:schemeClr>
+                </a:solidFill>
+              </a:rPr>
+              <a:t>(of the slope)</a:t>
+            </a:r>
+          </a:p>
+        </p:txBody>
+      </p:sp>
+      <p:sp>
+        <p:nvSpPr>
+          <p:cNvPr id="46" name="TextBox 45"/>
+          <p:cNvSpPr txBox="1"/>
+          <p:nvPr/>
+        </p:nvSpPr>
+        <p:spPr>
+          <a:xfrm>
+            <a:off x="2694773" y="7312223"/>
+            <a:ext cx="1181734" cy="307777"/>
+          </a:xfrm>
+          <a:prstGeom prst="rect">
+            <a:avLst/>
+          </a:prstGeom>
+          <a:noFill/>
+        </p:spPr>
+        <p:txBody>
+          <a:bodyPr wrap="none" rtlCol="0">
+            <a:spAutoFit/>
+          </a:bodyPr>
+          <a:lstStyle/>
+          <a:p>
+            <a:r>
+              <a:rPr lang="en-US" sz="1400" dirty="0">
+                <a:solidFill>
+                  <a:schemeClr val="accent6">
+                    <a:lumMod val="75000"/>
+                  </a:schemeClr>
+                </a:solidFill>
+              </a:rPr>
+              <a:t>(of the mean)</a:t>
+            </a:r>
+          </a:p>
+        </p:txBody>
+      </p:sp>
+      <p:sp>
+        <p:nvSpPr>
+          <p:cNvPr id="47" name="TextBox 46"/>
+          <p:cNvSpPr txBox="1"/>
+          <p:nvPr/>
+        </p:nvSpPr>
+        <p:spPr>
+          <a:xfrm>
+            <a:off x="381000" y="2994114"/>
+            <a:ext cx="1055097" cy="369332"/>
+          </a:xfrm>
+          <a:prstGeom prst="rect">
+            <a:avLst/>
+          </a:prstGeom>
+          <a:noFill/>
+        </p:spPr>
+        <p:txBody>
+          <a:bodyPr wrap="none" rtlCol="0">
+            <a:spAutoFit/>
+          </a:bodyPr>
+          <a:lstStyle/>
+          <a:p>
+            <a:pPr algn="ctr"/>
+            <a:r>
+              <a:rPr lang="en-US" dirty="0">
+                <a:solidFill>
+                  <a:schemeClr val="accent6">
+                    <a:lumMod val="75000"/>
+                  </a:schemeClr>
+                </a:solidFill>
+              </a:rPr>
+              <a:t>Variance:</a:t>
+            </a:r>
+          </a:p>
+        </p:txBody>
+      </p:sp>
+      <p:sp>
+        <p:nvSpPr>
+          <p:cNvPr id="48" name="TextBox 47"/>
+          <p:cNvSpPr txBox="1"/>
+          <p:nvPr/>
+        </p:nvSpPr>
+        <p:spPr>
+          <a:xfrm>
+            <a:off x="381000" y="4365714"/>
+            <a:ext cx="1143198" cy="646331"/>
+          </a:xfrm>
+          <a:prstGeom prst="rect">
+            <a:avLst/>
+          </a:prstGeom>
+          <a:noFill/>
+        </p:spPr>
+        <p:txBody>
+          <a:bodyPr wrap="none" rtlCol="0">
+            <a:spAutoFit/>
+          </a:bodyPr>
+          <a:lstStyle/>
+          <a:p>
+            <a:pPr algn="ctr"/>
+            <a:r>
+              <a:rPr lang="en-US" dirty="0">
+                <a:solidFill>
+                  <a:schemeClr val="accent6">
+                    <a:lumMod val="75000"/>
+                  </a:schemeClr>
+                </a:solidFill>
+              </a:rPr>
+              <a:t>Standard </a:t>
+            </a:r>
+            <a:br>
+              <a:rPr lang="en-US" dirty="0">
+                <a:solidFill>
+                  <a:schemeClr val="accent6">
+                    <a:lumMod val="75000"/>
+                  </a:schemeClr>
+                </a:solidFill>
+              </a:rPr>
+            </a:br>
+            <a:r>
+              <a:rPr lang="en-US" dirty="0">
+                <a:solidFill>
+                  <a:schemeClr val="accent6">
+                    <a:lumMod val="75000"/>
+                  </a:schemeClr>
+                </a:solidFill>
+              </a:rPr>
+              <a:t>Deviation:</a:t>
+            </a:r>
+          </a:p>
+        </p:txBody>
+      </p:sp>
+      <p:sp>
+        <p:nvSpPr>
+          <p:cNvPr id="49" name="TextBox 48"/>
+          <p:cNvSpPr txBox="1"/>
+          <p:nvPr/>
+        </p:nvSpPr>
+        <p:spPr>
+          <a:xfrm>
+            <a:off x="381000" y="5450414"/>
+            <a:ext cx="1028295" cy="646331"/>
+          </a:xfrm>
+          <a:prstGeom prst="rect">
+            <a:avLst/>
+          </a:prstGeom>
+          <a:noFill/>
+        </p:spPr>
+        <p:txBody>
+          <a:bodyPr wrap="none" rtlCol="0">
+            <a:spAutoFit/>
+          </a:bodyPr>
+          <a:lstStyle/>
+          <a:p>
+            <a:pPr algn="ctr"/>
+            <a:r>
+              <a:rPr lang="en-US" dirty="0">
+                <a:solidFill>
+                  <a:schemeClr val="accent6">
+                    <a:lumMod val="75000"/>
+                  </a:schemeClr>
+                </a:solidFill>
+              </a:rPr>
+              <a:t>Standard</a:t>
+            </a:r>
+            <a:br>
+              <a:rPr lang="en-US" dirty="0">
+                <a:solidFill>
+                  <a:schemeClr val="accent6">
+                    <a:lumMod val="75000"/>
+                  </a:schemeClr>
+                </a:solidFill>
+              </a:rPr>
+            </a:br>
+            <a:r>
+              <a:rPr lang="en-US" dirty="0">
+                <a:solidFill>
+                  <a:schemeClr val="accent6">
+                    <a:lumMod val="75000"/>
+                  </a:schemeClr>
+                </a:solidFill>
+              </a:rPr>
+              <a:t>Error:</a:t>
+            </a:r>
+          </a:p>
+        </p:txBody>
+      </p:sp>
+      <p:sp>
+        <p:nvSpPr>
+          <p:cNvPr id="50" name="TextBox 49"/>
+          <p:cNvSpPr txBox="1"/>
+          <p:nvPr/>
+        </p:nvSpPr>
+        <p:spPr>
+          <a:xfrm>
+            <a:off x="381000" y="6758608"/>
+            <a:ext cx="1246110" cy="646331"/>
+          </a:xfrm>
+          <a:prstGeom prst="rect">
+            <a:avLst/>
+          </a:prstGeom>
+          <a:noFill/>
+        </p:spPr>
+        <p:txBody>
+          <a:bodyPr wrap="none" rtlCol="0">
+            <a:spAutoFit/>
+          </a:bodyPr>
+          <a:lstStyle/>
+          <a:p>
+            <a:pPr algn="ctr"/>
+            <a:r>
+              <a:rPr lang="en-US" dirty="0">
+                <a:solidFill>
+                  <a:schemeClr val="accent6">
+                    <a:lumMod val="75000"/>
+                  </a:schemeClr>
+                </a:solidFill>
+              </a:rPr>
+              <a:t>Confidence</a:t>
+            </a:r>
+            <a:br>
+              <a:rPr lang="en-US" dirty="0">
+                <a:solidFill>
+                  <a:schemeClr val="accent6">
+                    <a:lumMod val="75000"/>
+                  </a:schemeClr>
+                </a:solidFill>
+              </a:rPr>
+            </a:br>
+            <a:r>
+              <a:rPr lang="en-US" dirty="0">
+                <a:solidFill>
+                  <a:schemeClr val="accent6">
+                    <a:lumMod val="75000"/>
+                  </a:schemeClr>
+                </a:solidFill>
+              </a:rPr>
+              <a:t>Interval</a:t>
+            </a:r>
+          </a:p>
+        </p:txBody>
+      </p:sp>
+      <p:cxnSp>
+        <p:nvCxnSpPr>
+          <p:cNvPr id="16" name="Straight Arrow Connector 15"/>
+          <p:cNvCxnSpPr/>
+          <p:nvPr/>
+        </p:nvCxnSpPr>
+        <p:spPr>
+          <a:xfrm>
+            <a:off x="895147" y="3741353"/>
+            <a:ext cx="0" cy="304800"/>
+          </a:xfrm>
+          <a:prstGeom prst="straightConnector1">
+            <a:avLst/>
+          </a:prstGeom>
+          <a:ln w="12700">
+            <a:solidFill>
+              <a:schemeClr val="accent6">
+                <a:lumMod val="75000"/>
+              </a:schemeClr>
+            </a:solidFill>
+            <a:tailEnd type="arrow"/>
+          </a:ln>
+        </p:spPr>
+        <p:style>
+          <a:lnRef idx="1">
+            <a:schemeClr val="accent1"/>
+          </a:lnRef>
+          <a:fillRef idx="0">
+            <a:schemeClr val="accent1"/>
+          </a:fillRef>
+          <a:effectRef idx="0">
+            <a:schemeClr val="accent1"/>
+          </a:effectRef>
+          <a:fontRef idx="minor">
+            <a:schemeClr val="tx1"/>
+          </a:fontRef>
+        </p:style>
+      </p:cxnSp>
+      <p:cxnSp>
+        <p:nvCxnSpPr>
+          <p:cNvPr id="51" name="Straight Arrow Connector 50"/>
+          <p:cNvCxnSpPr/>
+          <p:nvPr/>
+        </p:nvCxnSpPr>
+        <p:spPr>
+          <a:xfrm>
+            <a:off x="886054" y="5012045"/>
+            <a:ext cx="0" cy="304800"/>
+          </a:xfrm>
+          <a:prstGeom prst="straightConnector1">
+            <a:avLst/>
+          </a:prstGeom>
+          <a:ln w="12700">
+            <a:solidFill>
+              <a:schemeClr val="accent6">
+                <a:lumMod val="75000"/>
+              </a:schemeClr>
+            </a:solidFill>
+            <a:tailEnd type="arrow"/>
+          </a:ln>
+        </p:spPr>
+        <p:style>
+          <a:lnRef idx="1">
+            <a:schemeClr val="accent1"/>
+          </a:lnRef>
+          <a:fillRef idx="0">
+            <a:schemeClr val="accent1"/>
+          </a:fillRef>
+          <a:effectRef idx="0">
+            <a:schemeClr val="accent1"/>
+          </a:effectRef>
+          <a:fontRef idx="minor">
+            <a:schemeClr val="tx1"/>
+          </a:fontRef>
+        </p:style>
+      </p:cxnSp>
+      <p:cxnSp>
+        <p:nvCxnSpPr>
+          <p:cNvPr id="52" name="Straight Arrow Connector 51"/>
+          <p:cNvCxnSpPr/>
+          <p:nvPr/>
+        </p:nvCxnSpPr>
+        <p:spPr>
+          <a:xfrm>
+            <a:off x="919775" y="6078845"/>
+            <a:ext cx="0" cy="304800"/>
+          </a:xfrm>
+          <a:prstGeom prst="straightConnector1">
+            <a:avLst/>
+          </a:prstGeom>
+          <a:ln w="12700">
+            <a:solidFill>
+              <a:schemeClr val="accent6">
+                <a:lumMod val="75000"/>
+              </a:schemeClr>
+            </a:solidFill>
+            <a:tailEnd type="arrow"/>
+          </a:ln>
+        </p:spPr>
+        <p:style>
+          <a:lnRef idx="1">
+            <a:schemeClr val="accent1"/>
+          </a:lnRef>
+          <a:fillRef idx="0">
+            <a:schemeClr val="accent1"/>
+          </a:fillRef>
+          <a:effectRef idx="0">
+            <a:schemeClr val="accent1"/>
+          </a:effectRef>
+          <a:fontRef idx="minor">
+            <a:schemeClr val="tx1"/>
+          </a:fontRef>
+        </p:style>
+      </p:cxnSp>
+      <p:sp>
+        <p:nvSpPr>
+          <p:cNvPr id="54" name="TextBox 53"/>
+          <p:cNvSpPr txBox="1"/>
+          <p:nvPr/>
+        </p:nvSpPr>
+        <p:spPr>
+          <a:xfrm>
+            <a:off x="381000" y="8077200"/>
+            <a:ext cx="6529170" cy="1569660"/>
+          </a:xfrm>
+          <a:prstGeom prst="rect">
+            <a:avLst/>
+          </a:prstGeom>
+          <a:noFill/>
+        </p:spPr>
+        <p:txBody>
+          <a:bodyPr wrap="square" rtlCol="0">
+            <a:spAutoFit/>
+          </a:bodyPr>
+          <a:lstStyle/>
+          <a:p>
+            <a:pPr algn="just"/>
+            <a:r>
+              <a:rPr lang="en-US" sz="1200" dirty="0">
+                <a:solidFill>
+                  <a:schemeClr val="bg1">
+                    <a:lumMod val="50000"/>
+                  </a:schemeClr>
+                </a:solidFill>
+                <a:latin typeface="Times New Roman" panose="02020603050405020304" pitchFamily="18" charset="0"/>
+                <a:cs typeface="Times New Roman" panose="02020603050405020304" pitchFamily="18" charset="0"/>
+              </a:rPr>
+              <a:t>All of the statistical concepts that you have learned in the previous course using variance, standard errors, and confidence intervals of a estimates of the mean from a single variable apply to regression, but they have to be adapted.</a:t>
+            </a:r>
+          </a:p>
+          <a:p>
+            <a:pPr algn="just"/>
+            <a:endParaRPr lang="en-US" sz="1200" dirty="0">
+              <a:solidFill>
+                <a:schemeClr val="bg1">
+                  <a:lumMod val="50000"/>
+                </a:schemeClr>
+              </a:solidFill>
+              <a:latin typeface="Times New Roman" panose="02020603050405020304" pitchFamily="18" charset="0"/>
+              <a:cs typeface="Times New Roman" panose="02020603050405020304" pitchFamily="18" charset="0"/>
+            </a:endParaRPr>
+          </a:p>
+          <a:p>
+            <a:pPr algn="just"/>
+            <a:r>
+              <a:rPr lang="en-US" sz="1200" dirty="0">
+                <a:solidFill>
+                  <a:schemeClr val="bg1">
+                    <a:lumMod val="50000"/>
+                  </a:schemeClr>
+                </a:solidFill>
+                <a:latin typeface="Times New Roman" panose="02020603050405020304" pitchFamily="18" charset="0"/>
+                <a:cs typeface="Times New Roman" panose="02020603050405020304" pitchFamily="18" charset="0"/>
+              </a:rPr>
+              <a:t>Make note that statistical concepts always need to be followed by the phrase “of the” because they are general concepts and the specific calculations are determined by the variables you are working with. The standard error around an estimated mean is different than the standard error around an estimated slope.</a:t>
+            </a:r>
+          </a:p>
+        </p:txBody>
+      </p:sp>
+      <p:sp>
+        <p:nvSpPr>
+          <p:cNvPr id="55" name="TextBox 54"/>
+          <p:cNvSpPr txBox="1"/>
+          <p:nvPr/>
+        </p:nvSpPr>
+        <p:spPr>
+          <a:xfrm>
+            <a:off x="3585721" y="152400"/>
+            <a:ext cx="2967479" cy="461665"/>
+          </a:xfrm>
+          <a:prstGeom prst="rect">
+            <a:avLst/>
+          </a:prstGeom>
+          <a:noFill/>
+        </p:spPr>
+        <p:txBody>
+          <a:bodyPr wrap="none" rtlCol="0">
+            <a:spAutoFit/>
+          </a:bodyPr>
+          <a:lstStyle/>
+          <a:p>
+            <a:r>
+              <a:rPr lang="en-US" sz="2400" cap="small" dirty="0">
+                <a:solidFill>
+                  <a:schemeClr val="bg1">
+                    <a:lumMod val="65000"/>
+                  </a:schemeClr>
+                </a:solidFill>
+                <a:latin typeface="Arial" panose="020B0604020202020204" pitchFamily="34" charset="0"/>
+                <a:cs typeface="Arial" panose="020B0604020202020204" pitchFamily="34" charset="0"/>
+              </a:rPr>
+              <a:t>Regression Review</a:t>
+            </a:r>
+          </a:p>
+        </p:txBody>
+      </p:sp>
+    </p:spTree>
+    <p:extLst>
+      <p:ext uri="{BB962C8B-B14F-4D97-AF65-F5344CB8AC3E}">
+        <p14:creationId xmlns:p14="http://schemas.microsoft.com/office/powerpoint/2010/main" val="584378094"/>
+      </p:ext>
+    </p:extLst>
+  </p:cSld>
+  <p:clrMapOvr>
+    <a:masterClrMapping/>
+  </p:clrMapOvr>
+</p:sld>
+</file>
+
+<file path=ppt/slides/slide20.xml><?xml version="1.0" encoding="utf-8"?>
 <p:sld xmlns:a="http://schemas.openxmlformats.org/drawingml/2006/main" xmlns:r="http://schemas.openxmlformats.org/officeDocument/2006/relationships" xmlns:p="http://schemas.openxmlformats.org/presentationml/2006/main">
   <p:cSld>
     <p:spTree>
@@ -14459,7 +16715,7 @@
           <a:graphicData uri="http://schemas.openxmlformats.org/presentationml/2006/ole">
             <mc:AlternateContent xmlns:mc="http://schemas.openxmlformats.org/markup-compatibility/2006">
               <mc:Choice xmlns:v="urn:schemas-microsoft-com:vml" Requires="v">
-                <p:oleObj spid="_x0000_s28723" name="Equation" r:id="rId3" imgW="368140" imgH="215806" progId="Equation.3">
+                <p:oleObj spid="_x0000_s28725" name="Equation" r:id="rId3" imgW="368140" imgH="215806" progId="Equation.3">
                   <p:embed/>
                 </p:oleObj>
               </mc:Choice>
@@ -14535,7 +16791,7 @@
           <a:graphicData uri="http://schemas.openxmlformats.org/presentationml/2006/ole">
             <mc:AlternateContent xmlns:mc="http://schemas.openxmlformats.org/markup-compatibility/2006">
               <mc:Choice xmlns:v="urn:schemas-microsoft-com:vml" Requires="v">
-                <p:oleObj spid="_x0000_s28724" name="Equation" r:id="rId5" imgW="2895480" imgH="482400" progId="Equation.3">
+                <p:oleObj spid="_x0000_s28726" name="Equation" r:id="rId5" imgW="2895480" imgH="482400" progId="Equation.3">
                   <p:embed/>
                 </p:oleObj>
               </mc:Choice>
@@ -14797,1443 +17053,7 @@
 </p:sld>
 </file>
 
-<file path=ppt/slides/slide2.xml><?xml version="1.0" encoding="utf-8"?>
-<p:sld xmlns:a="http://schemas.openxmlformats.org/drawingml/2006/main" xmlns:r="http://schemas.openxmlformats.org/officeDocument/2006/relationships" xmlns:p="http://schemas.openxmlformats.org/presentationml/2006/main">
-  <p:cSld>
-    <p:spTree>
-      <p:nvGrpSpPr>
-        <p:cNvPr id="1" name=""/>
-        <p:cNvGrpSpPr/>
-        <p:nvPr/>
-      </p:nvGrpSpPr>
-      <p:grpSpPr>
-        <a:xfrm>
-          <a:off x="0" y="0"/>
-          <a:ext cx="0" cy="0"/>
-          <a:chOff x="0" y="0"/>
-          <a:chExt cx="0" cy="0"/>
-        </a:xfrm>
-      </p:grpSpPr>
-      <p:sp>
-        <p:nvSpPr>
-          <p:cNvPr id="2" name="Slide Number Placeholder 1"/>
-          <p:cNvSpPr>
-            <a:spLocks noGrp="1"/>
-          </p:cNvSpPr>
-          <p:nvPr>
-            <p:ph type="sldNum" sz="quarter" idx="12"/>
-          </p:nvPr>
-        </p:nvSpPr>
-        <p:spPr/>
-        <p:txBody>
-          <a:bodyPr/>
-          <a:lstStyle/>
-          <a:p>
-            <a:fld id="{8A2A4A19-B384-42F8-8C0D-94C30AAB39F2}" type="slidenum">
-              <a:rPr lang="en-US" smtClean="0"/>
-              <a:pPr/>
-              <a:t>2</a:t>
-            </a:fld>
-            <a:endParaRPr lang="en-US"/>
-          </a:p>
-        </p:txBody>
-      </p:sp>
-      <p:sp>
-        <p:nvSpPr>
-          <p:cNvPr id="3" name="Title 1"/>
-          <p:cNvSpPr txBox="1">
-            <a:spLocks/>
-          </p:cNvSpPr>
-          <p:nvPr/>
-        </p:nvSpPr>
-        <p:spPr>
-          <a:xfrm>
-            <a:off x="-304799" y="1371600"/>
-            <a:ext cx="8229600" cy="1143000"/>
-          </a:xfrm>
-          <a:prstGeom prst="rect">
-            <a:avLst/>
-          </a:prstGeom>
-        </p:spPr>
-        <p:txBody>
-          <a:bodyPr/>
-          <a:lstStyle>
-            <a:lvl1pPr algn="ctr" defTabSz="914400" rtl="0" eaLnBrk="1" latinLnBrk="0" hangingPunct="1">
-              <a:spcBef>
-                <a:spcPct val="0"/>
-              </a:spcBef>
-              <a:buNone/>
-              <a:defRPr sz="4400" kern="1200">
-                <a:solidFill>
-                  <a:schemeClr val="tx1"/>
-                </a:solidFill>
-                <a:latin typeface="+mj-lt"/>
-                <a:ea typeface="+mj-ea"/>
-                <a:cs typeface="+mj-cs"/>
-              </a:defRPr>
-            </a:lvl1pPr>
-          </a:lstStyle>
-          <a:p>
-            <a:r>
-              <a:rPr lang="en-US" sz="2400" dirty="0">
-                <a:solidFill>
-                  <a:schemeClr val="accent6">
-                    <a:lumMod val="75000"/>
-                  </a:schemeClr>
-                </a:solidFill>
-                <a:latin typeface="Stencil" panose="040409050D0802020404" pitchFamily="82" charset="0"/>
-                <a:cs typeface="Arial" panose="020B0604020202020204" pitchFamily="34" charset="0"/>
-              </a:rPr>
-              <a:t>The Road Map</a:t>
-            </a:r>
-          </a:p>
-        </p:txBody>
-      </p:sp>
-      <p:graphicFrame>
-        <p:nvGraphicFramePr>
-          <p:cNvPr id="32" name="Object 2"/>
-          <p:cNvGraphicFramePr>
-            <a:graphicFrameLocks noChangeAspect="1"/>
-          </p:cNvGraphicFramePr>
-          <p:nvPr>
-            <p:extLst>
-              <p:ext uri="{D42A27DB-BD31-4B8C-83A1-F6EECF244321}">
-                <p14:modId xmlns:p14="http://schemas.microsoft.com/office/powerpoint/2010/main" val="2128136793"/>
-              </p:ext>
-            </p:extLst>
-          </p:nvPr>
-        </p:nvGraphicFramePr>
-        <p:xfrm>
-          <a:off x="2473872" y="2986207"/>
-          <a:ext cx="1257300" cy="515937"/>
-        </p:xfrm>
-        <a:graphic>
-          <a:graphicData uri="http://schemas.openxmlformats.org/presentationml/2006/ole">
-            <mc:AlternateContent xmlns:mc="http://schemas.openxmlformats.org/markup-compatibility/2006">
-              <mc:Choice xmlns:v="urn:schemas-microsoft-com:vml" Requires="v">
-                <p:oleObj spid="_x0000_s8410" name="Equation" r:id="rId3" imgW="1079280" imgH="444240" progId="Equation.3">
-                  <p:embed/>
-                </p:oleObj>
-              </mc:Choice>
-              <mc:Fallback>
-                <p:oleObj name="Equation" r:id="rId3" imgW="1079280" imgH="444240" progId="Equation.3">
-                  <p:embed/>
-                  <p:pic>
-                    <p:nvPicPr>
-                      <p:cNvPr id="0" name=""/>
-                      <p:cNvPicPr>
-                        <a:picLocks noChangeAspect="1" noChangeArrowheads="1"/>
-                      </p:cNvPicPr>
-                      <p:nvPr/>
-                    </p:nvPicPr>
-                    <p:blipFill>
-                      <a:blip r:embed="rId4">
-                        <a:extLst>
-                          <a:ext uri="{28A0092B-C50C-407E-A947-70E740481C1C}">
-                            <a14:useLocalDpi xmlns:a14="http://schemas.microsoft.com/office/drawing/2010/main" val="0"/>
-                          </a:ext>
-                        </a:extLst>
-                      </a:blip>
-                      <a:srcRect/>
-                      <a:stretch>
-                        <a:fillRect/>
-                      </a:stretch>
-                    </p:blipFill>
-                    <p:spPr bwMode="auto">
-                      <a:xfrm>
-                        <a:off x="2473872" y="2986207"/>
-                        <a:ext cx="1257300" cy="515937"/>
-                      </a:xfrm>
-                      <a:prstGeom prst="rect">
-                        <a:avLst/>
-                      </a:prstGeom>
-                      <a:noFill/>
-                      <a:extLst>
-                        <a:ext uri="{909E8E84-426E-40DD-AFC4-6F175D3DCCD1}">
-                          <a14:hiddenFill xmlns:a14="http://schemas.microsoft.com/office/drawing/2010/main">
-                            <a:solidFill>
-                              <a:srgbClr val="FFFFFF"/>
-                            </a:solidFill>
-                          </a14:hiddenFill>
-                        </a:ext>
-                      </a:extLst>
-                    </p:spPr>
-                  </p:pic>
-                </p:oleObj>
-              </mc:Fallback>
-            </mc:AlternateContent>
-          </a:graphicData>
-        </a:graphic>
-      </p:graphicFrame>
-      <p:sp>
-        <p:nvSpPr>
-          <p:cNvPr id="33" name="TextBox 32"/>
-          <p:cNvSpPr txBox="1"/>
-          <p:nvPr/>
-        </p:nvSpPr>
-        <p:spPr>
-          <a:xfrm>
-            <a:off x="2537325" y="2286000"/>
-            <a:ext cx="1435008" cy="369332"/>
-          </a:xfrm>
-          <a:prstGeom prst="rect">
-            <a:avLst/>
-          </a:prstGeom>
-          <a:noFill/>
-        </p:spPr>
-        <p:txBody>
-          <a:bodyPr wrap="none" rtlCol="0">
-            <a:spAutoFit/>
-          </a:bodyPr>
-          <a:lstStyle/>
-          <a:p>
-            <a:r>
-              <a:rPr lang="en-US" u="sng" dirty="0">
-                <a:solidFill>
-                  <a:schemeClr val="accent6">
-                    <a:lumMod val="75000"/>
-                  </a:schemeClr>
-                </a:solidFill>
-              </a:rPr>
-              <a:t>Of the Mean</a:t>
-            </a:r>
-            <a:r>
-              <a:rPr lang="en-US" dirty="0">
-                <a:solidFill>
-                  <a:schemeClr val="accent6">
-                    <a:lumMod val="75000"/>
-                  </a:schemeClr>
-                </a:solidFill>
-              </a:rPr>
-              <a:t>:</a:t>
-            </a:r>
-          </a:p>
-        </p:txBody>
-      </p:sp>
-      <p:sp>
-        <p:nvSpPr>
-          <p:cNvPr id="34" name="TextBox 33"/>
-          <p:cNvSpPr txBox="1"/>
-          <p:nvPr/>
-        </p:nvSpPr>
-        <p:spPr>
-          <a:xfrm>
-            <a:off x="5221642" y="2286000"/>
-            <a:ext cx="1407758" cy="369332"/>
-          </a:xfrm>
-          <a:prstGeom prst="rect">
-            <a:avLst/>
-          </a:prstGeom>
-          <a:noFill/>
-        </p:spPr>
-        <p:txBody>
-          <a:bodyPr wrap="none" rtlCol="0">
-            <a:spAutoFit/>
-          </a:bodyPr>
-          <a:lstStyle/>
-          <a:p>
-            <a:r>
-              <a:rPr lang="en-US" u="sng" dirty="0">
-                <a:solidFill>
-                  <a:schemeClr val="accent6">
-                    <a:lumMod val="75000"/>
-                  </a:schemeClr>
-                </a:solidFill>
-              </a:rPr>
-              <a:t>Of the Slope</a:t>
-            </a:r>
-            <a:r>
-              <a:rPr lang="en-US" dirty="0">
-                <a:solidFill>
-                  <a:schemeClr val="accent6">
-                    <a:lumMod val="75000"/>
-                  </a:schemeClr>
-                </a:solidFill>
-              </a:rPr>
-              <a:t>:</a:t>
-            </a:r>
-          </a:p>
-        </p:txBody>
-      </p:sp>
-      <p:graphicFrame>
-        <p:nvGraphicFramePr>
-          <p:cNvPr id="35" name="Object 3"/>
-          <p:cNvGraphicFramePr>
-            <a:graphicFrameLocks noChangeAspect="1"/>
-          </p:cNvGraphicFramePr>
-          <p:nvPr>
-            <p:extLst>
-              <p:ext uri="{D42A27DB-BD31-4B8C-83A1-F6EECF244321}">
-                <p14:modId xmlns:p14="http://schemas.microsoft.com/office/powerpoint/2010/main" val="2671738155"/>
-              </p:ext>
-            </p:extLst>
-          </p:nvPr>
-        </p:nvGraphicFramePr>
-        <p:xfrm>
-          <a:off x="2880480" y="4519811"/>
-          <a:ext cx="752475" cy="338137"/>
-        </p:xfrm>
-        <a:graphic>
-          <a:graphicData uri="http://schemas.openxmlformats.org/presentationml/2006/ole">
-            <mc:AlternateContent xmlns:mc="http://schemas.openxmlformats.org/markup-compatibility/2006">
-              <mc:Choice xmlns:v="urn:schemas-microsoft-com:vml" Requires="v">
-                <p:oleObj spid="_x0000_s8411" name="Equation" r:id="rId5" imgW="647700" imgH="292100" progId="Equation.3">
-                  <p:embed/>
-                </p:oleObj>
-              </mc:Choice>
-              <mc:Fallback>
-                <p:oleObj name="Equation" r:id="rId5" imgW="647700" imgH="292100" progId="Equation.3">
-                  <p:embed/>
-                  <p:pic>
-                    <p:nvPicPr>
-                      <p:cNvPr id="0" name=""/>
-                      <p:cNvPicPr>
-                        <a:picLocks noChangeAspect="1" noChangeArrowheads="1"/>
-                      </p:cNvPicPr>
-                      <p:nvPr/>
-                    </p:nvPicPr>
-                    <p:blipFill>
-                      <a:blip r:embed="rId6">
-                        <a:extLst>
-                          <a:ext uri="{28A0092B-C50C-407E-A947-70E740481C1C}">
-                            <a14:useLocalDpi xmlns:a14="http://schemas.microsoft.com/office/drawing/2010/main" val="0"/>
-                          </a:ext>
-                        </a:extLst>
-                      </a:blip>
-                      <a:srcRect/>
-                      <a:stretch>
-                        <a:fillRect/>
-                      </a:stretch>
-                    </p:blipFill>
-                    <p:spPr bwMode="auto">
-                      <a:xfrm>
-                        <a:off x="2880480" y="4519811"/>
-                        <a:ext cx="752475" cy="338137"/>
-                      </a:xfrm>
-                      <a:prstGeom prst="rect">
-                        <a:avLst/>
-                      </a:prstGeom>
-                      <a:noFill/>
-                      <a:extLst>
-                        <a:ext uri="{909E8E84-426E-40DD-AFC4-6F175D3DCCD1}">
-                          <a14:hiddenFill xmlns:a14="http://schemas.microsoft.com/office/drawing/2010/main">
-                            <a:solidFill>
-                              <a:srgbClr val="FFFFFF"/>
-                            </a:solidFill>
-                          </a14:hiddenFill>
-                        </a:ext>
-                      </a:extLst>
-                    </p:spPr>
-                  </p:pic>
-                </p:oleObj>
-              </mc:Fallback>
-            </mc:AlternateContent>
-          </a:graphicData>
-        </a:graphic>
-      </p:graphicFrame>
-      <p:graphicFrame>
-        <p:nvGraphicFramePr>
-          <p:cNvPr id="36" name="Object 4"/>
-          <p:cNvGraphicFramePr>
-            <a:graphicFrameLocks noChangeAspect="1"/>
-          </p:cNvGraphicFramePr>
-          <p:nvPr>
-            <p:extLst>
-              <p:ext uri="{D42A27DB-BD31-4B8C-83A1-F6EECF244321}">
-                <p14:modId xmlns:p14="http://schemas.microsoft.com/office/powerpoint/2010/main" val="3073681070"/>
-              </p:ext>
-            </p:extLst>
-          </p:nvPr>
-        </p:nvGraphicFramePr>
-        <p:xfrm>
-          <a:off x="2855080" y="5530692"/>
-          <a:ext cx="768350" cy="485775"/>
-        </p:xfrm>
-        <a:graphic>
-          <a:graphicData uri="http://schemas.openxmlformats.org/presentationml/2006/ole">
-            <mc:AlternateContent xmlns:mc="http://schemas.openxmlformats.org/markup-compatibility/2006">
-              <mc:Choice xmlns:v="urn:schemas-microsoft-com:vml" Requires="v">
-                <p:oleObj spid="_x0000_s8412" name="Equation" r:id="rId7" imgW="660400" imgH="419100" progId="Equation.3">
-                  <p:embed/>
-                </p:oleObj>
-              </mc:Choice>
-              <mc:Fallback>
-                <p:oleObj name="Equation" r:id="rId7" imgW="660400" imgH="419100" progId="Equation.3">
-                  <p:embed/>
-                  <p:pic>
-                    <p:nvPicPr>
-                      <p:cNvPr id="0" name=""/>
-                      <p:cNvPicPr>
-                        <a:picLocks noChangeAspect="1" noChangeArrowheads="1"/>
-                      </p:cNvPicPr>
-                      <p:nvPr/>
-                    </p:nvPicPr>
-                    <p:blipFill>
-                      <a:blip r:embed="rId8">
-                        <a:extLst>
-                          <a:ext uri="{28A0092B-C50C-407E-A947-70E740481C1C}">
-                            <a14:useLocalDpi xmlns:a14="http://schemas.microsoft.com/office/drawing/2010/main" val="0"/>
-                          </a:ext>
-                        </a:extLst>
-                      </a:blip>
-                      <a:srcRect/>
-                      <a:stretch>
-                        <a:fillRect/>
-                      </a:stretch>
-                    </p:blipFill>
-                    <p:spPr bwMode="auto">
-                      <a:xfrm>
-                        <a:off x="2855080" y="5530692"/>
-                        <a:ext cx="768350" cy="485775"/>
-                      </a:xfrm>
-                      <a:prstGeom prst="rect">
-                        <a:avLst/>
-                      </a:prstGeom>
-                      <a:noFill/>
-                      <a:extLst>
-                        <a:ext uri="{909E8E84-426E-40DD-AFC4-6F175D3DCCD1}">
-                          <a14:hiddenFill xmlns:a14="http://schemas.microsoft.com/office/drawing/2010/main">
-                            <a:solidFill>
-                              <a:srgbClr val="FFFFFF"/>
-                            </a:solidFill>
-                          </a14:hiddenFill>
-                        </a:ext>
-                      </a:extLst>
-                    </p:spPr>
-                  </p:pic>
-                </p:oleObj>
-              </mc:Fallback>
-            </mc:AlternateContent>
-          </a:graphicData>
-        </a:graphic>
-      </p:graphicFrame>
-      <p:graphicFrame>
-        <p:nvGraphicFramePr>
-          <p:cNvPr id="37" name="Object 5"/>
-          <p:cNvGraphicFramePr>
-            <a:graphicFrameLocks noChangeAspect="1"/>
-          </p:cNvGraphicFramePr>
-          <p:nvPr>
-            <p:extLst>
-              <p:ext uri="{D42A27DB-BD31-4B8C-83A1-F6EECF244321}">
-                <p14:modId xmlns:p14="http://schemas.microsoft.com/office/powerpoint/2010/main" val="3749274349"/>
-              </p:ext>
-            </p:extLst>
-          </p:nvPr>
-        </p:nvGraphicFramePr>
-        <p:xfrm>
-          <a:off x="4880218" y="6898305"/>
-          <a:ext cx="1447800" cy="366936"/>
-        </p:xfrm>
-        <a:graphic>
-          <a:graphicData uri="http://schemas.openxmlformats.org/presentationml/2006/ole">
-            <mc:AlternateContent xmlns:mc="http://schemas.openxmlformats.org/markup-compatibility/2006">
-              <mc:Choice xmlns:v="urn:schemas-microsoft-com:vml" Requires="v">
-                <p:oleObj spid="_x0000_s8413" name="Equation" r:id="rId9" imgW="952087" imgH="241195" progId="Equation.3">
-                  <p:embed/>
-                </p:oleObj>
-              </mc:Choice>
-              <mc:Fallback>
-                <p:oleObj name="Equation" r:id="rId9" imgW="952087" imgH="241195" progId="Equation.3">
-                  <p:embed/>
-                  <p:pic>
-                    <p:nvPicPr>
-                      <p:cNvPr id="0" name=""/>
-                      <p:cNvPicPr>
-                        <a:picLocks noChangeAspect="1" noChangeArrowheads="1"/>
-                      </p:cNvPicPr>
-                      <p:nvPr/>
-                    </p:nvPicPr>
-                    <p:blipFill>
-                      <a:blip r:embed="rId10">
-                        <a:extLst>
-                          <a:ext uri="{28A0092B-C50C-407E-A947-70E740481C1C}">
-                            <a14:useLocalDpi xmlns:a14="http://schemas.microsoft.com/office/drawing/2010/main" val="0"/>
-                          </a:ext>
-                        </a:extLst>
-                      </a:blip>
-                      <a:srcRect/>
-                      <a:stretch>
-                        <a:fillRect/>
-                      </a:stretch>
-                    </p:blipFill>
-                    <p:spPr bwMode="auto">
-                      <a:xfrm>
-                        <a:off x="4880218" y="6898305"/>
-                        <a:ext cx="1447800" cy="366936"/>
-                      </a:xfrm>
-                      <a:prstGeom prst="rect">
-                        <a:avLst/>
-                      </a:prstGeom>
-                      <a:noFill/>
-                      <a:extLst>
-                        <a:ext uri="{909E8E84-426E-40DD-AFC4-6F175D3DCCD1}">
-                          <a14:hiddenFill xmlns:a14="http://schemas.microsoft.com/office/drawing/2010/main">
-                            <a:solidFill>
-                              <a:srgbClr val="FFFFFF"/>
-                            </a:solidFill>
-                          </a14:hiddenFill>
-                        </a:ext>
-                      </a:extLst>
-                    </p:spPr>
-                  </p:pic>
-                </p:oleObj>
-              </mc:Fallback>
-            </mc:AlternateContent>
-          </a:graphicData>
-        </a:graphic>
-      </p:graphicFrame>
-      <p:graphicFrame>
-        <p:nvGraphicFramePr>
-          <p:cNvPr id="38" name="Object 6"/>
-          <p:cNvGraphicFramePr>
-            <a:graphicFrameLocks noChangeAspect="1"/>
-          </p:cNvGraphicFramePr>
-          <p:nvPr>
-            <p:extLst>
-              <p:ext uri="{D42A27DB-BD31-4B8C-83A1-F6EECF244321}">
-                <p14:modId xmlns:p14="http://schemas.microsoft.com/office/powerpoint/2010/main" val="185327702"/>
-              </p:ext>
-            </p:extLst>
-          </p:nvPr>
-        </p:nvGraphicFramePr>
-        <p:xfrm>
-          <a:off x="964926" y="8322558"/>
-          <a:ext cx="103187" cy="196850"/>
-        </p:xfrm>
-        <a:graphic>
-          <a:graphicData uri="http://schemas.openxmlformats.org/presentationml/2006/ole">
-            <mc:AlternateContent xmlns:mc="http://schemas.openxmlformats.org/markup-compatibility/2006">
-              <mc:Choice xmlns:v="urn:schemas-microsoft-com:vml" Requires="v">
-                <p:oleObj spid="_x0000_s8414" name="Equation" r:id="rId11" imgW="114151" imgH="215619" progId="Equation.3">
-                  <p:embed/>
-                </p:oleObj>
-              </mc:Choice>
-              <mc:Fallback>
-                <p:oleObj name="Equation" r:id="rId11" imgW="114151" imgH="215619" progId="Equation.3">
-                  <p:embed/>
-                  <p:pic>
-                    <p:nvPicPr>
-                      <p:cNvPr id="0" name=""/>
-                      <p:cNvPicPr>
-                        <a:picLocks noChangeAspect="1" noChangeArrowheads="1"/>
-                      </p:cNvPicPr>
-                      <p:nvPr/>
-                    </p:nvPicPr>
-                    <p:blipFill>
-                      <a:blip r:embed="rId12">
-                        <a:extLst>
-                          <a:ext uri="{28A0092B-C50C-407E-A947-70E740481C1C}">
-                            <a14:useLocalDpi xmlns:a14="http://schemas.microsoft.com/office/drawing/2010/main" val="0"/>
-                          </a:ext>
-                        </a:extLst>
-                      </a:blip>
-                      <a:srcRect/>
-                      <a:stretch>
-                        <a:fillRect/>
-                      </a:stretch>
-                    </p:blipFill>
-                    <p:spPr bwMode="auto">
-                      <a:xfrm>
-                        <a:off x="964926" y="8322558"/>
-                        <a:ext cx="103187" cy="196850"/>
-                      </a:xfrm>
-                      <a:prstGeom prst="rect">
-                        <a:avLst/>
-                      </a:prstGeom>
-                      <a:noFill/>
-                      <a:extLst>
-                        <a:ext uri="{909E8E84-426E-40DD-AFC4-6F175D3DCCD1}">
-                          <a14:hiddenFill xmlns:a14="http://schemas.microsoft.com/office/drawing/2010/main">
-                            <a:solidFill>
-                              <a:srgbClr val="FFFFFF"/>
-                            </a:solidFill>
-                          </a14:hiddenFill>
-                        </a:ext>
-                      </a:extLst>
-                    </p:spPr>
-                  </p:pic>
-                </p:oleObj>
-              </mc:Fallback>
-            </mc:AlternateContent>
-          </a:graphicData>
-        </a:graphic>
-      </p:graphicFrame>
-      <p:graphicFrame>
-        <p:nvGraphicFramePr>
-          <p:cNvPr id="39" name="Object 7"/>
-          <p:cNvGraphicFramePr>
-            <a:graphicFrameLocks noChangeAspect="1"/>
-          </p:cNvGraphicFramePr>
-          <p:nvPr>
-            <p:extLst>
-              <p:ext uri="{D42A27DB-BD31-4B8C-83A1-F6EECF244321}">
-                <p14:modId xmlns:p14="http://schemas.microsoft.com/office/powerpoint/2010/main" val="862714827"/>
-              </p:ext>
-            </p:extLst>
-          </p:nvPr>
-        </p:nvGraphicFramePr>
-        <p:xfrm>
-          <a:off x="2767788" y="6949217"/>
-          <a:ext cx="1017587" cy="265112"/>
-        </p:xfrm>
-        <a:graphic>
-          <a:graphicData uri="http://schemas.openxmlformats.org/presentationml/2006/ole">
-            <mc:AlternateContent xmlns:mc="http://schemas.openxmlformats.org/markup-compatibility/2006">
-              <mc:Choice xmlns:v="urn:schemas-microsoft-com:vml" Requires="v">
-                <p:oleObj spid="_x0000_s8415" name="Equation" r:id="rId13" imgW="876300" imgH="228600" progId="Equation.3">
-                  <p:embed/>
-                </p:oleObj>
-              </mc:Choice>
-              <mc:Fallback>
-                <p:oleObj name="Equation" r:id="rId13" imgW="876300" imgH="228600" progId="Equation.3">
-                  <p:embed/>
-                  <p:pic>
-                    <p:nvPicPr>
-                      <p:cNvPr id="0" name=""/>
-                      <p:cNvPicPr>
-                        <a:picLocks noChangeAspect="1" noChangeArrowheads="1"/>
-                      </p:cNvPicPr>
-                      <p:nvPr/>
-                    </p:nvPicPr>
-                    <p:blipFill>
-                      <a:blip r:embed="rId14">
-                        <a:extLst>
-                          <a:ext uri="{28A0092B-C50C-407E-A947-70E740481C1C}">
-                            <a14:useLocalDpi xmlns:a14="http://schemas.microsoft.com/office/drawing/2010/main" val="0"/>
-                          </a:ext>
-                        </a:extLst>
-                      </a:blip>
-                      <a:srcRect/>
-                      <a:stretch>
-                        <a:fillRect/>
-                      </a:stretch>
-                    </p:blipFill>
-                    <p:spPr bwMode="auto">
-                      <a:xfrm>
-                        <a:off x="2767788" y="6949217"/>
-                        <a:ext cx="1017587" cy="265112"/>
-                      </a:xfrm>
-                      <a:prstGeom prst="rect">
-                        <a:avLst/>
-                      </a:prstGeom>
-                      <a:noFill/>
-                      <a:extLst>
-                        <a:ext uri="{909E8E84-426E-40DD-AFC4-6F175D3DCCD1}">
-                          <a14:hiddenFill xmlns:a14="http://schemas.microsoft.com/office/drawing/2010/main">
-                            <a:solidFill>
-                              <a:srgbClr val="FFFFFF"/>
-                            </a:solidFill>
-                          </a14:hiddenFill>
-                        </a:ext>
-                      </a:extLst>
-                    </p:spPr>
-                  </p:pic>
-                </p:oleObj>
-              </mc:Fallback>
-            </mc:AlternateContent>
-          </a:graphicData>
-        </a:graphic>
-      </p:graphicFrame>
-      <p:graphicFrame>
-        <p:nvGraphicFramePr>
-          <p:cNvPr id="40" name="Object 8"/>
-          <p:cNvGraphicFramePr>
-            <a:graphicFrameLocks noChangeAspect="1"/>
-          </p:cNvGraphicFramePr>
-          <p:nvPr>
-            <p:extLst>
-              <p:ext uri="{D42A27DB-BD31-4B8C-83A1-F6EECF244321}">
-                <p14:modId xmlns:p14="http://schemas.microsoft.com/office/powerpoint/2010/main" val="2568326221"/>
-              </p:ext>
-            </p:extLst>
-          </p:nvPr>
-        </p:nvGraphicFramePr>
-        <p:xfrm>
-          <a:off x="4900063" y="2999170"/>
-          <a:ext cx="1408111" cy="516033"/>
-        </p:xfrm>
-        <a:graphic>
-          <a:graphicData uri="http://schemas.openxmlformats.org/presentationml/2006/ole">
-            <mc:AlternateContent xmlns:mc="http://schemas.openxmlformats.org/markup-compatibility/2006">
-              <mc:Choice xmlns:v="urn:schemas-microsoft-com:vml" Requires="v">
-                <p:oleObj spid="_x0000_s8416" name="Equation" r:id="rId15" imgW="1180588" imgH="431613" progId="Equation.3">
-                  <p:embed/>
-                </p:oleObj>
-              </mc:Choice>
-              <mc:Fallback>
-                <p:oleObj name="Equation" r:id="rId15" imgW="1180588" imgH="431613" progId="Equation.3">
-                  <p:embed/>
-                  <p:pic>
-                    <p:nvPicPr>
-                      <p:cNvPr id="0" name=""/>
-                      <p:cNvPicPr>
-                        <a:picLocks noChangeAspect="1" noChangeArrowheads="1"/>
-                      </p:cNvPicPr>
-                      <p:nvPr/>
-                    </p:nvPicPr>
-                    <p:blipFill>
-                      <a:blip r:embed="rId16">
-                        <a:extLst>
-                          <a:ext uri="{28A0092B-C50C-407E-A947-70E740481C1C}">
-                            <a14:useLocalDpi xmlns:a14="http://schemas.microsoft.com/office/drawing/2010/main" val="0"/>
-                          </a:ext>
-                        </a:extLst>
-                      </a:blip>
-                      <a:srcRect/>
-                      <a:stretch>
-                        <a:fillRect/>
-                      </a:stretch>
-                    </p:blipFill>
-                    <p:spPr bwMode="auto">
-                      <a:xfrm>
-                        <a:off x="4900063" y="2999170"/>
-                        <a:ext cx="1408111" cy="516033"/>
-                      </a:xfrm>
-                      <a:prstGeom prst="rect">
-                        <a:avLst/>
-                      </a:prstGeom>
-                      <a:noFill/>
-                      <a:extLst>
-                        <a:ext uri="{909E8E84-426E-40DD-AFC4-6F175D3DCCD1}">
-                          <a14:hiddenFill xmlns:a14="http://schemas.microsoft.com/office/drawing/2010/main">
-                            <a:solidFill>
-                              <a:srgbClr val="FFFFFF"/>
-                            </a:solidFill>
-                          </a14:hiddenFill>
-                        </a:ext>
-                      </a:extLst>
-                    </p:spPr>
-                  </p:pic>
-                </p:oleObj>
-              </mc:Fallback>
-            </mc:AlternateContent>
-          </a:graphicData>
-        </a:graphic>
-      </p:graphicFrame>
-      <p:graphicFrame>
-        <p:nvGraphicFramePr>
-          <p:cNvPr id="41" name="Object 10"/>
-          <p:cNvGraphicFramePr>
-            <a:graphicFrameLocks noChangeAspect="1"/>
-          </p:cNvGraphicFramePr>
-          <p:nvPr>
-            <p:extLst>
-              <p:ext uri="{D42A27DB-BD31-4B8C-83A1-F6EECF244321}">
-                <p14:modId xmlns:p14="http://schemas.microsoft.com/office/powerpoint/2010/main" val="2282640132"/>
-              </p:ext>
-            </p:extLst>
-          </p:nvPr>
-        </p:nvGraphicFramePr>
-        <p:xfrm>
-          <a:off x="5227881" y="4519810"/>
-          <a:ext cx="752475" cy="338138"/>
-        </p:xfrm>
-        <a:graphic>
-          <a:graphicData uri="http://schemas.openxmlformats.org/presentationml/2006/ole">
-            <mc:AlternateContent xmlns:mc="http://schemas.openxmlformats.org/markup-compatibility/2006">
-              <mc:Choice xmlns:v="urn:schemas-microsoft-com:vml" Requires="v">
-                <p:oleObj spid="_x0000_s8417" name="Equation" r:id="rId17" imgW="647700" imgH="292100" progId="Equation.3">
-                  <p:embed/>
-                </p:oleObj>
-              </mc:Choice>
-              <mc:Fallback>
-                <p:oleObj name="Equation" r:id="rId17" imgW="647700" imgH="292100" progId="Equation.3">
-                  <p:embed/>
-                  <p:pic>
-                    <p:nvPicPr>
-                      <p:cNvPr id="0" name=""/>
-                      <p:cNvPicPr>
-                        <a:picLocks noChangeAspect="1" noChangeArrowheads="1"/>
-                      </p:cNvPicPr>
-                      <p:nvPr/>
-                    </p:nvPicPr>
-                    <p:blipFill>
-                      <a:blip r:embed="rId18">
-                        <a:extLst>
-                          <a:ext uri="{28A0092B-C50C-407E-A947-70E740481C1C}">
-                            <a14:useLocalDpi xmlns:a14="http://schemas.microsoft.com/office/drawing/2010/main" val="0"/>
-                          </a:ext>
-                        </a:extLst>
-                      </a:blip>
-                      <a:srcRect/>
-                      <a:stretch>
-                        <a:fillRect/>
-                      </a:stretch>
-                    </p:blipFill>
-                    <p:spPr bwMode="auto">
-                      <a:xfrm>
-                        <a:off x="5227881" y="4519810"/>
-                        <a:ext cx="752475" cy="338138"/>
-                      </a:xfrm>
-                      <a:prstGeom prst="rect">
-                        <a:avLst/>
-                      </a:prstGeom>
-                      <a:noFill/>
-                      <a:extLst>
-                        <a:ext uri="{909E8E84-426E-40DD-AFC4-6F175D3DCCD1}">
-                          <a14:hiddenFill xmlns:a14="http://schemas.microsoft.com/office/drawing/2010/main">
-                            <a:solidFill>
-                              <a:srgbClr val="FFFFFF"/>
-                            </a:solidFill>
-                          </a14:hiddenFill>
-                        </a:ext>
-                      </a:extLst>
-                    </p:spPr>
-                  </p:pic>
-                </p:oleObj>
-              </mc:Fallback>
-            </mc:AlternateContent>
-          </a:graphicData>
-        </a:graphic>
-      </p:graphicFrame>
-      <p:graphicFrame>
-        <p:nvGraphicFramePr>
-          <p:cNvPr id="42" name="Object 11"/>
-          <p:cNvGraphicFramePr>
-            <a:graphicFrameLocks noChangeAspect="1"/>
-          </p:cNvGraphicFramePr>
-          <p:nvPr>
-            <p:extLst>
-              <p:ext uri="{D42A27DB-BD31-4B8C-83A1-F6EECF244321}">
-                <p14:modId xmlns:p14="http://schemas.microsoft.com/office/powerpoint/2010/main" val="2962108488"/>
-              </p:ext>
-            </p:extLst>
-          </p:nvPr>
-        </p:nvGraphicFramePr>
-        <p:xfrm>
-          <a:off x="4719881" y="5415598"/>
-          <a:ext cx="1768475" cy="715962"/>
-        </p:xfrm>
-        <a:graphic>
-          <a:graphicData uri="http://schemas.openxmlformats.org/presentationml/2006/ole">
-            <mc:AlternateContent xmlns:mc="http://schemas.openxmlformats.org/markup-compatibility/2006">
-              <mc:Choice xmlns:v="urn:schemas-microsoft-com:vml" Requires="v">
-                <p:oleObj spid="_x0000_s8418" name="Equation" r:id="rId19" imgW="1282680" imgH="520560" progId="Equation.3">
-                  <p:embed/>
-                </p:oleObj>
-              </mc:Choice>
-              <mc:Fallback>
-                <p:oleObj name="Equation" r:id="rId19" imgW="1282680" imgH="520560" progId="Equation.3">
-                  <p:embed/>
-                  <p:pic>
-                    <p:nvPicPr>
-                      <p:cNvPr id="0" name=""/>
-                      <p:cNvPicPr>
-                        <a:picLocks noChangeAspect="1" noChangeArrowheads="1"/>
-                      </p:cNvPicPr>
-                      <p:nvPr/>
-                    </p:nvPicPr>
-                    <p:blipFill>
-                      <a:blip r:embed="rId20">
-                        <a:extLst>
-                          <a:ext uri="{28A0092B-C50C-407E-A947-70E740481C1C}">
-                            <a14:useLocalDpi xmlns:a14="http://schemas.microsoft.com/office/drawing/2010/main" val="0"/>
-                          </a:ext>
-                        </a:extLst>
-                      </a:blip>
-                      <a:srcRect/>
-                      <a:stretch>
-                        <a:fillRect/>
-                      </a:stretch>
-                    </p:blipFill>
-                    <p:spPr bwMode="auto">
-                      <a:xfrm>
-                        <a:off x="4719881" y="5415598"/>
-                        <a:ext cx="1768475" cy="715962"/>
-                      </a:xfrm>
-                      <a:prstGeom prst="rect">
-                        <a:avLst/>
-                      </a:prstGeom>
-                      <a:noFill/>
-                      <a:extLst>
-                        <a:ext uri="{909E8E84-426E-40DD-AFC4-6F175D3DCCD1}">
-                          <a14:hiddenFill xmlns:a14="http://schemas.microsoft.com/office/drawing/2010/main">
-                            <a:solidFill>
-                              <a:srgbClr val="FFFFFF"/>
-                            </a:solidFill>
-                          </a14:hiddenFill>
-                        </a:ext>
-                      </a:extLst>
-                    </p:spPr>
-                  </p:pic>
-                </p:oleObj>
-              </mc:Fallback>
-            </mc:AlternateContent>
-          </a:graphicData>
-        </a:graphic>
-      </p:graphicFrame>
-      <p:sp>
-        <p:nvSpPr>
-          <p:cNvPr id="43" name="TextBox 42"/>
-          <p:cNvSpPr txBox="1"/>
-          <p:nvPr/>
-        </p:nvSpPr>
-        <p:spPr>
-          <a:xfrm>
-            <a:off x="2880480" y="3597625"/>
-            <a:ext cx="620106" cy="307777"/>
-          </a:xfrm>
-          <a:prstGeom prst="rect">
-            <a:avLst/>
-          </a:prstGeom>
-          <a:noFill/>
-        </p:spPr>
-        <p:txBody>
-          <a:bodyPr wrap="none" rtlCol="0">
-            <a:spAutoFit/>
-          </a:bodyPr>
-          <a:lstStyle/>
-          <a:p>
-            <a:r>
-              <a:rPr lang="en-US" sz="1400" dirty="0">
-                <a:solidFill>
-                  <a:schemeClr val="accent6">
-                    <a:lumMod val="75000"/>
-                  </a:schemeClr>
-                </a:solidFill>
-              </a:rPr>
-              <a:t>(for x)</a:t>
-            </a:r>
-          </a:p>
-        </p:txBody>
-      </p:sp>
-      <p:sp>
-        <p:nvSpPr>
-          <p:cNvPr id="44" name="TextBox 43"/>
-          <p:cNvSpPr txBox="1"/>
-          <p:nvPr/>
-        </p:nvSpPr>
-        <p:spPr>
-          <a:xfrm>
-            <a:off x="4928011" y="3597625"/>
-            <a:ext cx="1584921" cy="307777"/>
-          </a:xfrm>
-          <a:prstGeom prst="rect">
-            <a:avLst/>
-          </a:prstGeom>
-          <a:noFill/>
-        </p:spPr>
-        <p:txBody>
-          <a:bodyPr wrap="none" rtlCol="0">
-            <a:spAutoFit/>
-          </a:bodyPr>
-          <a:lstStyle/>
-          <a:p>
-            <a:r>
-              <a:rPr lang="en-US" sz="1400" dirty="0">
-                <a:solidFill>
-                  <a:schemeClr val="accent6">
-                    <a:lumMod val="75000"/>
-                  </a:schemeClr>
-                </a:solidFill>
-              </a:rPr>
-              <a:t>(using the residual)</a:t>
-            </a:r>
-          </a:p>
-        </p:txBody>
-      </p:sp>
-      <p:sp>
-        <p:nvSpPr>
-          <p:cNvPr id="45" name="TextBox 44"/>
-          <p:cNvSpPr txBox="1"/>
-          <p:nvPr/>
-        </p:nvSpPr>
-        <p:spPr>
-          <a:xfrm>
-            <a:off x="5069460" y="7315200"/>
-            <a:ext cx="1159292" cy="307777"/>
-          </a:xfrm>
-          <a:prstGeom prst="rect">
-            <a:avLst/>
-          </a:prstGeom>
-          <a:noFill/>
-        </p:spPr>
-        <p:txBody>
-          <a:bodyPr wrap="none" rtlCol="0">
-            <a:spAutoFit/>
-          </a:bodyPr>
-          <a:lstStyle/>
-          <a:p>
-            <a:r>
-              <a:rPr lang="en-US" sz="1400" dirty="0">
-                <a:solidFill>
-                  <a:schemeClr val="accent6">
-                    <a:lumMod val="75000"/>
-                  </a:schemeClr>
-                </a:solidFill>
-              </a:rPr>
-              <a:t>(of the slope)</a:t>
-            </a:r>
-          </a:p>
-        </p:txBody>
-      </p:sp>
-      <p:sp>
-        <p:nvSpPr>
-          <p:cNvPr id="46" name="TextBox 45"/>
-          <p:cNvSpPr txBox="1"/>
-          <p:nvPr/>
-        </p:nvSpPr>
-        <p:spPr>
-          <a:xfrm>
-            <a:off x="2694773" y="7312223"/>
-            <a:ext cx="1181734" cy="307777"/>
-          </a:xfrm>
-          <a:prstGeom prst="rect">
-            <a:avLst/>
-          </a:prstGeom>
-          <a:noFill/>
-        </p:spPr>
-        <p:txBody>
-          <a:bodyPr wrap="none" rtlCol="0">
-            <a:spAutoFit/>
-          </a:bodyPr>
-          <a:lstStyle/>
-          <a:p>
-            <a:r>
-              <a:rPr lang="en-US" sz="1400" dirty="0">
-                <a:solidFill>
-                  <a:schemeClr val="accent6">
-                    <a:lumMod val="75000"/>
-                  </a:schemeClr>
-                </a:solidFill>
-              </a:rPr>
-              <a:t>(of the mean)</a:t>
-            </a:r>
-          </a:p>
-        </p:txBody>
-      </p:sp>
-      <p:sp>
-        <p:nvSpPr>
-          <p:cNvPr id="47" name="TextBox 46"/>
-          <p:cNvSpPr txBox="1"/>
-          <p:nvPr/>
-        </p:nvSpPr>
-        <p:spPr>
-          <a:xfrm>
-            <a:off x="381000" y="2994114"/>
-            <a:ext cx="1055097" cy="369332"/>
-          </a:xfrm>
-          <a:prstGeom prst="rect">
-            <a:avLst/>
-          </a:prstGeom>
-          <a:noFill/>
-        </p:spPr>
-        <p:txBody>
-          <a:bodyPr wrap="none" rtlCol="0">
-            <a:spAutoFit/>
-          </a:bodyPr>
-          <a:lstStyle/>
-          <a:p>
-            <a:pPr algn="ctr"/>
-            <a:r>
-              <a:rPr lang="en-US" dirty="0">
-                <a:solidFill>
-                  <a:schemeClr val="accent6">
-                    <a:lumMod val="75000"/>
-                  </a:schemeClr>
-                </a:solidFill>
-              </a:rPr>
-              <a:t>Variance:</a:t>
-            </a:r>
-          </a:p>
-        </p:txBody>
-      </p:sp>
-      <p:sp>
-        <p:nvSpPr>
-          <p:cNvPr id="48" name="TextBox 47"/>
-          <p:cNvSpPr txBox="1"/>
-          <p:nvPr/>
-        </p:nvSpPr>
-        <p:spPr>
-          <a:xfrm>
-            <a:off x="381000" y="4365714"/>
-            <a:ext cx="1143198" cy="646331"/>
-          </a:xfrm>
-          <a:prstGeom prst="rect">
-            <a:avLst/>
-          </a:prstGeom>
-          <a:noFill/>
-        </p:spPr>
-        <p:txBody>
-          <a:bodyPr wrap="none" rtlCol="0">
-            <a:spAutoFit/>
-          </a:bodyPr>
-          <a:lstStyle/>
-          <a:p>
-            <a:pPr algn="ctr"/>
-            <a:r>
-              <a:rPr lang="en-US" dirty="0">
-                <a:solidFill>
-                  <a:schemeClr val="accent6">
-                    <a:lumMod val="75000"/>
-                  </a:schemeClr>
-                </a:solidFill>
-              </a:rPr>
-              <a:t>Standard </a:t>
-            </a:r>
-            <a:br>
-              <a:rPr lang="en-US" dirty="0">
-                <a:solidFill>
-                  <a:schemeClr val="accent6">
-                    <a:lumMod val="75000"/>
-                  </a:schemeClr>
-                </a:solidFill>
-              </a:rPr>
-            </a:br>
-            <a:r>
-              <a:rPr lang="en-US" dirty="0">
-                <a:solidFill>
-                  <a:schemeClr val="accent6">
-                    <a:lumMod val="75000"/>
-                  </a:schemeClr>
-                </a:solidFill>
-              </a:rPr>
-              <a:t>Deviation:</a:t>
-            </a:r>
-          </a:p>
-        </p:txBody>
-      </p:sp>
-      <p:sp>
-        <p:nvSpPr>
-          <p:cNvPr id="49" name="TextBox 48"/>
-          <p:cNvSpPr txBox="1"/>
-          <p:nvPr/>
-        </p:nvSpPr>
-        <p:spPr>
-          <a:xfrm>
-            <a:off x="381000" y="5450414"/>
-            <a:ext cx="1028295" cy="646331"/>
-          </a:xfrm>
-          <a:prstGeom prst="rect">
-            <a:avLst/>
-          </a:prstGeom>
-          <a:noFill/>
-        </p:spPr>
-        <p:txBody>
-          <a:bodyPr wrap="none" rtlCol="0">
-            <a:spAutoFit/>
-          </a:bodyPr>
-          <a:lstStyle/>
-          <a:p>
-            <a:pPr algn="ctr"/>
-            <a:r>
-              <a:rPr lang="en-US" dirty="0">
-                <a:solidFill>
-                  <a:schemeClr val="accent6">
-                    <a:lumMod val="75000"/>
-                  </a:schemeClr>
-                </a:solidFill>
-              </a:rPr>
-              <a:t>Standard</a:t>
-            </a:r>
-            <a:br>
-              <a:rPr lang="en-US" dirty="0">
-                <a:solidFill>
-                  <a:schemeClr val="accent6">
-                    <a:lumMod val="75000"/>
-                  </a:schemeClr>
-                </a:solidFill>
-              </a:rPr>
-            </a:br>
-            <a:r>
-              <a:rPr lang="en-US" dirty="0">
-                <a:solidFill>
-                  <a:schemeClr val="accent6">
-                    <a:lumMod val="75000"/>
-                  </a:schemeClr>
-                </a:solidFill>
-              </a:rPr>
-              <a:t>Error:</a:t>
-            </a:r>
-          </a:p>
-        </p:txBody>
-      </p:sp>
-      <p:sp>
-        <p:nvSpPr>
-          <p:cNvPr id="50" name="TextBox 49"/>
-          <p:cNvSpPr txBox="1"/>
-          <p:nvPr/>
-        </p:nvSpPr>
-        <p:spPr>
-          <a:xfrm>
-            <a:off x="381000" y="6758608"/>
-            <a:ext cx="1246110" cy="646331"/>
-          </a:xfrm>
-          <a:prstGeom prst="rect">
-            <a:avLst/>
-          </a:prstGeom>
-          <a:noFill/>
-        </p:spPr>
-        <p:txBody>
-          <a:bodyPr wrap="none" rtlCol="0">
-            <a:spAutoFit/>
-          </a:bodyPr>
-          <a:lstStyle/>
-          <a:p>
-            <a:pPr algn="ctr"/>
-            <a:r>
-              <a:rPr lang="en-US" dirty="0">
-                <a:solidFill>
-                  <a:schemeClr val="accent6">
-                    <a:lumMod val="75000"/>
-                  </a:schemeClr>
-                </a:solidFill>
-              </a:rPr>
-              <a:t>Confidence</a:t>
-            </a:r>
-            <a:br>
-              <a:rPr lang="en-US" dirty="0">
-                <a:solidFill>
-                  <a:schemeClr val="accent6">
-                    <a:lumMod val="75000"/>
-                  </a:schemeClr>
-                </a:solidFill>
-              </a:rPr>
-            </a:br>
-            <a:r>
-              <a:rPr lang="en-US" dirty="0">
-                <a:solidFill>
-                  <a:schemeClr val="accent6">
-                    <a:lumMod val="75000"/>
-                  </a:schemeClr>
-                </a:solidFill>
-              </a:rPr>
-              <a:t>Interval</a:t>
-            </a:r>
-          </a:p>
-        </p:txBody>
-      </p:sp>
-      <p:cxnSp>
-        <p:nvCxnSpPr>
-          <p:cNvPr id="16" name="Straight Arrow Connector 15"/>
-          <p:cNvCxnSpPr/>
-          <p:nvPr/>
-        </p:nvCxnSpPr>
-        <p:spPr>
-          <a:xfrm>
-            <a:off x="895147" y="3741353"/>
-            <a:ext cx="0" cy="304800"/>
-          </a:xfrm>
-          <a:prstGeom prst="straightConnector1">
-            <a:avLst/>
-          </a:prstGeom>
-          <a:ln w="12700">
-            <a:solidFill>
-              <a:schemeClr val="accent6">
-                <a:lumMod val="75000"/>
-              </a:schemeClr>
-            </a:solidFill>
-            <a:tailEnd type="arrow"/>
-          </a:ln>
-        </p:spPr>
-        <p:style>
-          <a:lnRef idx="1">
-            <a:schemeClr val="accent1"/>
-          </a:lnRef>
-          <a:fillRef idx="0">
-            <a:schemeClr val="accent1"/>
-          </a:fillRef>
-          <a:effectRef idx="0">
-            <a:schemeClr val="accent1"/>
-          </a:effectRef>
-          <a:fontRef idx="minor">
-            <a:schemeClr val="tx1"/>
-          </a:fontRef>
-        </p:style>
-      </p:cxnSp>
-      <p:cxnSp>
-        <p:nvCxnSpPr>
-          <p:cNvPr id="51" name="Straight Arrow Connector 50"/>
-          <p:cNvCxnSpPr/>
-          <p:nvPr/>
-        </p:nvCxnSpPr>
-        <p:spPr>
-          <a:xfrm>
-            <a:off x="886054" y="5012045"/>
-            <a:ext cx="0" cy="304800"/>
-          </a:xfrm>
-          <a:prstGeom prst="straightConnector1">
-            <a:avLst/>
-          </a:prstGeom>
-          <a:ln w="12700">
-            <a:solidFill>
-              <a:schemeClr val="accent6">
-                <a:lumMod val="75000"/>
-              </a:schemeClr>
-            </a:solidFill>
-            <a:tailEnd type="arrow"/>
-          </a:ln>
-        </p:spPr>
-        <p:style>
-          <a:lnRef idx="1">
-            <a:schemeClr val="accent1"/>
-          </a:lnRef>
-          <a:fillRef idx="0">
-            <a:schemeClr val="accent1"/>
-          </a:fillRef>
-          <a:effectRef idx="0">
-            <a:schemeClr val="accent1"/>
-          </a:effectRef>
-          <a:fontRef idx="minor">
-            <a:schemeClr val="tx1"/>
-          </a:fontRef>
-        </p:style>
-      </p:cxnSp>
-      <p:cxnSp>
-        <p:nvCxnSpPr>
-          <p:cNvPr id="52" name="Straight Arrow Connector 51"/>
-          <p:cNvCxnSpPr/>
-          <p:nvPr/>
-        </p:nvCxnSpPr>
-        <p:spPr>
-          <a:xfrm>
-            <a:off x="919775" y="6078845"/>
-            <a:ext cx="0" cy="304800"/>
-          </a:xfrm>
-          <a:prstGeom prst="straightConnector1">
-            <a:avLst/>
-          </a:prstGeom>
-          <a:ln w="12700">
-            <a:solidFill>
-              <a:schemeClr val="accent6">
-                <a:lumMod val="75000"/>
-              </a:schemeClr>
-            </a:solidFill>
-            <a:tailEnd type="arrow"/>
-          </a:ln>
-        </p:spPr>
-        <p:style>
-          <a:lnRef idx="1">
-            <a:schemeClr val="accent1"/>
-          </a:lnRef>
-          <a:fillRef idx="0">
-            <a:schemeClr val="accent1"/>
-          </a:fillRef>
-          <a:effectRef idx="0">
-            <a:schemeClr val="accent1"/>
-          </a:effectRef>
-          <a:fontRef idx="minor">
-            <a:schemeClr val="tx1"/>
-          </a:fontRef>
-        </p:style>
-      </p:cxnSp>
-      <p:sp>
-        <p:nvSpPr>
-          <p:cNvPr id="54" name="TextBox 53"/>
-          <p:cNvSpPr txBox="1"/>
-          <p:nvPr/>
-        </p:nvSpPr>
-        <p:spPr>
-          <a:xfrm>
-            <a:off x="381000" y="8077200"/>
-            <a:ext cx="6529170" cy="1569660"/>
-          </a:xfrm>
-          <a:prstGeom prst="rect">
-            <a:avLst/>
-          </a:prstGeom>
-          <a:noFill/>
-        </p:spPr>
-        <p:txBody>
-          <a:bodyPr wrap="square" rtlCol="0">
-            <a:spAutoFit/>
-          </a:bodyPr>
-          <a:lstStyle/>
-          <a:p>
-            <a:pPr algn="just"/>
-            <a:r>
-              <a:rPr lang="en-US" sz="1200" dirty="0">
-                <a:solidFill>
-                  <a:schemeClr val="bg1">
-                    <a:lumMod val="50000"/>
-                  </a:schemeClr>
-                </a:solidFill>
-                <a:latin typeface="Times New Roman" panose="02020603050405020304" pitchFamily="18" charset="0"/>
-                <a:cs typeface="Times New Roman" panose="02020603050405020304" pitchFamily="18" charset="0"/>
-              </a:rPr>
-              <a:t>All of the statistical concepts that you have learned in the previous course using variance, standard errors, and confidence intervals of a estimates of the mean from a single variable apply to regression, but they have to be adapted.</a:t>
-            </a:r>
-          </a:p>
-          <a:p>
-            <a:pPr algn="just"/>
-            <a:endParaRPr lang="en-US" sz="1200" dirty="0">
-              <a:solidFill>
-                <a:schemeClr val="bg1">
-                  <a:lumMod val="50000"/>
-                </a:schemeClr>
-              </a:solidFill>
-              <a:latin typeface="Times New Roman" panose="02020603050405020304" pitchFamily="18" charset="0"/>
-              <a:cs typeface="Times New Roman" panose="02020603050405020304" pitchFamily="18" charset="0"/>
-            </a:endParaRPr>
-          </a:p>
-          <a:p>
-            <a:pPr algn="just"/>
-            <a:r>
-              <a:rPr lang="en-US" sz="1200" dirty="0">
-                <a:solidFill>
-                  <a:schemeClr val="bg1">
-                    <a:lumMod val="50000"/>
-                  </a:schemeClr>
-                </a:solidFill>
-                <a:latin typeface="Times New Roman" panose="02020603050405020304" pitchFamily="18" charset="0"/>
-                <a:cs typeface="Times New Roman" panose="02020603050405020304" pitchFamily="18" charset="0"/>
-              </a:rPr>
-              <a:t>Make note that statistical concepts always need to be followed by the phrase “of the” because they are general concepts and the specific calculations are determined by the variables you are working with. The standard error around an estimated mean is different than the standard error around an estimated slope.</a:t>
-            </a:r>
-          </a:p>
-        </p:txBody>
-      </p:sp>
-      <p:sp>
-        <p:nvSpPr>
-          <p:cNvPr id="55" name="TextBox 54"/>
-          <p:cNvSpPr txBox="1"/>
-          <p:nvPr/>
-        </p:nvSpPr>
-        <p:spPr>
-          <a:xfrm>
-            <a:off x="3585721" y="152400"/>
-            <a:ext cx="2967479" cy="461665"/>
-          </a:xfrm>
-          <a:prstGeom prst="rect">
-            <a:avLst/>
-          </a:prstGeom>
-          <a:noFill/>
-        </p:spPr>
-        <p:txBody>
-          <a:bodyPr wrap="none" rtlCol="0">
-            <a:spAutoFit/>
-          </a:bodyPr>
-          <a:lstStyle/>
-          <a:p>
-            <a:r>
-              <a:rPr lang="en-US" sz="2400" cap="small" dirty="0">
-                <a:solidFill>
-                  <a:schemeClr val="bg1">
-                    <a:lumMod val="65000"/>
-                  </a:schemeClr>
-                </a:solidFill>
-                <a:latin typeface="Arial" panose="020B0604020202020204" pitchFamily="34" charset="0"/>
-                <a:cs typeface="Arial" panose="020B0604020202020204" pitchFamily="34" charset="0"/>
-              </a:rPr>
-              <a:t>Regression Review</a:t>
-            </a:r>
-          </a:p>
-        </p:txBody>
-      </p:sp>
-    </p:spTree>
-    <p:extLst>
-      <p:ext uri="{BB962C8B-B14F-4D97-AF65-F5344CB8AC3E}">
-        <p14:creationId xmlns:p14="http://schemas.microsoft.com/office/powerpoint/2010/main" val="584378094"/>
-      </p:ext>
-    </p:extLst>
-  </p:cSld>
-  <p:clrMapOvr>
-    <a:masterClrMapping/>
-  </p:clrMapOvr>
-</p:sld>
-</file>
-
-<file path=ppt/slides/slide20.xml><?xml version="1.0" encoding="utf-8"?>
+<file path=ppt/slides/slide21.xml><?xml version="1.0" encoding="utf-8"?>
 <p:sld xmlns:a="http://schemas.openxmlformats.org/drawingml/2006/main" xmlns:r="http://schemas.openxmlformats.org/officeDocument/2006/relationships" xmlns:p="http://schemas.openxmlformats.org/presentationml/2006/main">
   <p:cSld>
     <p:spTree>
@@ -16522,7 +17342,7 @@
           <a:graphicData uri="http://schemas.openxmlformats.org/presentationml/2006/ole">
             <mc:AlternateContent xmlns:mc="http://schemas.openxmlformats.org/markup-compatibility/2006">
               <mc:Choice xmlns:v="urn:schemas-microsoft-com:vml" Requires="v">
-                <p:oleObj spid="_x0000_s47131" name="Equation" r:id="rId3" imgW="761669" imgH="393529" progId="Equation.3">
+                <p:oleObj spid="_x0000_s47133" name="Equation" r:id="rId3" imgW="761669" imgH="393529" progId="Equation.3">
                   <p:embed/>
                 </p:oleObj>
               </mc:Choice>
@@ -16705,7 +17525,7 @@
           <a:graphicData uri="http://schemas.openxmlformats.org/presentationml/2006/ole">
             <mc:AlternateContent xmlns:mc="http://schemas.openxmlformats.org/markup-compatibility/2006">
               <mc:Choice xmlns:v="urn:schemas-microsoft-com:vml" Requires="v">
-                <p:oleObj spid="_x0000_s47132" name="Equation" r:id="rId5" imgW="2895480" imgH="482400" progId="Equation.3">
+                <p:oleObj spid="_x0000_s47134" name="Equation" r:id="rId5" imgW="2895480" imgH="482400" progId="Equation.3">
                   <p:embed/>
                 </p:oleObj>
               </mc:Choice>
@@ -17116,7 +17936,7 @@
 </p:sld>
 </file>
 
-<file path=ppt/slides/slide21.xml><?xml version="1.0" encoding="utf-8"?>
+<file path=ppt/slides/slide22.xml><?xml version="1.0" encoding="utf-8"?>
 <p:sld xmlns:a="http://schemas.openxmlformats.org/drawingml/2006/main" xmlns:r="http://schemas.openxmlformats.org/officeDocument/2006/relationships" xmlns:p="http://schemas.openxmlformats.org/presentationml/2006/main">
   <p:cSld>
     <p:spTree>
@@ -17202,7 +18022,7 @@
           <a:graphicData uri="http://schemas.openxmlformats.org/presentationml/2006/ole">
             <mc:AlternateContent xmlns:mc="http://schemas.openxmlformats.org/markup-compatibility/2006">
               <mc:Choice xmlns:v="urn:schemas-microsoft-com:vml" Requires="v">
-                <p:oleObj spid="_x0000_s45069" name="Equation" r:id="rId3" imgW="1816100" imgH="2032000" progId="Equation.3">
+                <p:oleObj spid="_x0000_s45070" name="Equation" r:id="rId3" imgW="1816100" imgH="2032000" progId="Equation.3">
                   <p:embed/>
                 </p:oleObj>
               </mc:Choice>
@@ -17382,7 +18202,7 @@
             <a:fld id="{8A2A4A19-B384-42F8-8C0D-94C30AAB39F2}" type="slidenum">
               <a:rPr lang="en-US" smtClean="0"/>
               <a:pPr/>
-              <a:t>21</a:t>
+              <a:t>22</a:t>
             </a:fld>
             <a:endParaRPr lang="en-US" dirty="0"/>
           </a:p>
@@ -17438,7 +18258,7 @@
 </p:sld>
 </file>
 
-<file path=ppt/slides/slide22.xml><?xml version="1.0" encoding="utf-8"?>
+<file path=ppt/slides/slide23.xml><?xml version="1.0" encoding="utf-8"?>
 <p:sld xmlns:a="http://schemas.openxmlformats.org/drawingml/2006/main" xmlns:r="http://schemas.openxmlformats.org/officeDocument/2006/relationships" xmlns:p="http://schemas.openxmlformats.org/presentationml/2006/main">
   <p:cSld>
     <p:spTree>
@@ -17530,7 +18350,7 @@
           <a:graphicData uri="http://schemas.openxmlformats.org/presentationml/2006/ole">
             <mc:AlternateContent xmlns:mc="http://schemas.openxmlformats.org/markup-compatibility/2006">
               <mc:Choice xmlns:v="urn:schemas-microsoft-com:vml" Requires="v">
-                <p:oleObj spid="_x0000_s27670" name="Equation" r:id="rId3" imgW="1816100" imgH="2032000" progId="Equation.3">
+                <p:oleObj spid="_x0000_s27671" name="Equation" r:id="rId3" imgW="1816100" imgH="2032000" progId="Equation.3">
                   <p:embed/>
                 </p:oleObj>
               </mc:Choice>
@@ -17720,7 +18540,7 @@
             <a:fld id="{8A2A4A19-B384-42F8-8C0D-94C30AAB39F2}" type="slidenum">
               <a:rPr lang="en-US" smtClean="0"/>
               <a:pPr/>
-              <a:t>22</a:t>
+              <a:t>23</a:t>
             </a:fld>
             <a:endParaRPr lang="en-US" dirty="0"/>
           </a:p>
@@ -17776,7 +18596,7 @@
 </p:sld>
 </file>
 
-<file path=ppt/slides/slide23.xml><?xml version="1.0" encoding="utf-8"?>
+<file path=ppt/slides/slide24.xml><?xml version="1.0" encoding="utf-8"?>
 <p:sld xmlns:a="http://schemas.openxmlformats.org/drawingml/2006/main" xmlns:r="http://schemas.openxmlformats.org/officeDocument/2006/relationships" xmlns:p="http://schemas.openxmlformats.org/presentationml/2006/main">
   <p:cSld>
     <p:spTree>
@@ -17862,7 +18682,7 @@
           <a:graphicData uri="http://schemas.openxmlformats.org/presentationml/2006/ole">
             <mc:AlternateContent xmlns:mc="http://schemas.openxmlformats.org/markup-compatibility/2006">
               <mc:Choice xmlns:v="urn:schemas-microsoft-com:vml" Requires="v">
-                <p:oleObj spid="_x0000_s46094" name="Equation" r:id="rId4" imgW="1816100" imgH="2032000" progId="Equation.3">
+                <p:oleObj spid="_x0000_s46095" name="Equation" r:id="rId4" imgW="1816100" imgH="2032000" progId="Equation.3">
                   <p:embed/>
                 </p:oleObj>
               </mc:Choice>
@@ -18149,7 +18969,7 @@
             <a:fld id="{8A2A4A19-B384-42F8-8C0D-94C30AAB39F2}" type="slidenum">
               <a:rPr lang="en-US" smtClean="0"/>
               <a:pPr/>
-              <a:t>23</a:t>
+              <a:t>24</a:t>
             </a:fld>
             <a:endParaRPr lang="en-US" dirty="0"/>
           </a:p>
@@ -18457,7 +19277,7 @@
 </p:sld>
 </file>
 
-<file path=ppt/slides/slide24.xml><?xml version="1.0" encoding="utf-8"?>
+<file path=ppt/slides/slide25.xml><?xml version="1.0" encoding="utf-8"?>
 <p:sld xmlns:a="http://schemas.openxmlformats.org/drawingml/2006/main" xmlns:r="http://schemas.openxmlformats.org/officeDocument/2006/relationships" xmlns:p="http://schemas.openxmlformats.org/presentationml/2006/main">
   <p:cSld>
     <p:spTree>
@@ -18552,7 +19372,7 @@
             <a:fld id="{8A2A4A19-B384-42F8-8C0D-94C30AAB39F2}" type="slidenum">
               <a:rPr lang="en-US" smtClean="0"/>
               <a:pPr/>
-              <a:t>24</a:t>
+              <a:t>25</a:t>
             </a:fld>
             <a:endParaRPr lang="en-US" dirty="0"/>
           </a:p>
@@ -20554,7 +21374,7 @@
 </p:sld>
 </file>
 
-<file path=ppt/slides/slide25.xml><?xml version="1.0" encoding="utf-8"?>
+<file path=ppt/slides/slide26.xml><?xml version="1.0" encoding="utf-8"?>
 <p:sld xmlns:a="http://schemas.openxmlformats.org/drawingml/2006/main" xmlns:r="http://schemas.openxmlformats.org/officeDocument/2006/relationships" xmlns:p="http://schemas.openxmlformats.org/presentationml/2006/main">
   <p:cSld>
     <p:spTree>
@@ -20649,7 +21469,7 @@
             <a:fld id="{8A2A4A19-B384-42F8-8C0D-94C30AAB39F2}" type="slidenum">
               <a:rPr lang="en-US" smtClean="0"/>
               <a:pPr/>
-              <a:t>25</a:t>
+              <a:t>26</a:t>
             </a:fld>
             <a:endParaRPr lang="en-US" dirty="0"/>
           </a:p>
@@ -21815,7 +22635,7 @@
 </p:sld>
 </file>
 
-<file path=ppt/slides/slide26.xml><?xml version="1.0" encoding="utf-8"?>
+<file path=ppt/slides/slide27.xml><?xml version="1.0" encoding="utf-8"?>
 <p:sld xmlns:a="http://schemas.openxmlformats.org/drawingml/2006/main" xmlns:r="http://schemas.openxmlformats.org/officeDocument/2006/relationships" xmlns:p="http://schemas.openxmlformats.org/presentationml/2006/main">
   <p:cSld>
     <p:spTree>
@@ -21910,7 +22730,7 @@
             <a:fld id="{8A2A4A19-B384-42F8-8C0D-94C30AAB39F2}" type="slidenum">
               <a:rPr lang="en-US" smtClean="0"/>
               <a:pPr/>
-              <a:t>26</a:t>
+              <a:t>27</a:t>
             </a:fld>
             <a:endParaRPr lang="en-US" dirty="0"/>
           </a:p>
@@ -23076,7 +23896,7 @@
 </p:sld>
 </file>
 
-<file path=ppt/slides/slide27.xml><?xml version="1.0" encoding="utf-8"?>
+<file path=ppt/slides/slide28.xml><?xml version="1.0" encoding="utf-8"?>
 <p:sld xmlns:a="http://schemas.openxmlformats.org/drawingml/2006/main" xmlns:r="http://schemas.openxmlformats.org/officeDocument/2006/relationships" xmlns:p="http://schemas.openxmlformats.org/presentationml/2006/main">
   <p:cSld>
     <p:spTree>
@@ -23171,7 +23991,7 @@
             <a:fld id="{8A2A4A19-B384-42F8-8C0D-94C30AAB39F2}" type="slidenum">
               <a:rPr lang="en-US" smtClean="0"/>
               <a:pPr/>
-              <a:t>27</a:t>
+              <a:t>28</a:t>
             </a:fld>
             <a:endParaRPr lang="en-US" dirty="0"/>
           </a:p>
@@ -25173,7 +25993,7 @@
 </p:sld>
 </file>
 
-<file path=ppt/slides/slide28.xml><?xml version="1.0" encoding="utf-8"?>
+<file path=ppt/slides/slide29.xml><?xml version="1.0" encoding="utf-8"?>
 <p:sld xmlns:a="http://schemas.openxmlformats.org/drawingml/2006/main" xmlns:r="http://schemas.openxmlformats.org/officeDocument/2006/relationships" xmlns:p="http://schemas.openxmlformats.org/presentationml/2006/main">
   <p:cSld>
     <p:spTree>
@@ -25268,7 +26088,7 @@
             <a:fld id="{8A2A4A19-B384-42F8-8C0D-94C30AAB39F2}" type="slidenum">
               <a:rPr lang="en-US" smtClean="0"/>
               <a:pPr/>
-              <a:t>28</a:t>
+              <a:t>29</a:t>
             </a:fld>
             <a:endParaRPr lang="en-US" dirty="0"/>
           </a:p>
@@ -27369,7 +28189,7 @@
 </p:sld>
 </file>
 
-<file path=ppt/slides/slide29.xml><?xml version="1.0" encoding="utf-8"?>
+<file path=ppt/slides/slide3.xml><?xml version="1.0" encoding="utf-8"?>
 <p:sld xmlns:a="http://schemas.openxmlformats.org/drawingml/2006/main" xmlns:r="http://schemas.openxmlformats.org/officeDocument/2006/relationships" xmlns:p="http://schemas.openxmlformats.org/presentationml/2006/main">
   <p:cSld>
     <p:spTree>
@@ -27404,7 +28224,891 @@
             <a:fld id="{8A2A4A19-B384-42F8-8C0D-94C30AAB39F2}" type="slidenum">
               <a:rPr lang="en-US" smtClean="0"/>
               <a:pPr/>
-              <a:t>29</a:t>
+              <a:t>3</a:t>
+            </a:fld>
+            <a:endParaRPr lang="en-US"/>
+          </a:p>
+        </p:txBody>
+      </p:sp>
+      <p:sp>
+        <p:nvSpPr>
+          <p:cNvPr id="3" name="Title 1"/>
+          <p:cNvSpPr txBox="1">
+            <a:spLocks/>
+          </p:cNvSpPr>
+          <p:nvPr/>
+        </p:nvSpPr>
+        <p:spPr>
+          <a:xfrm>
+            <a:off x="-304800" y="1066800"/>
+            <a:ext cx="8229600" cy="1143000"/>
+          </a:xfrm>
+          <a:prstGeom prst="rect">
+            <a:avLst/>
+          </a:prstGeom>
+        </p:spPr>
+        <p:txBody>
+          <a:bodyPr/>
+          <a:lstStyle>
+            <a:lvl1pPr algn="ctr" defTabSz="914400" rtl="0" eaLnBrk="1" latinLnBrk="0" hangingPunct="1">
+              <a:spcBef>
+                <a:spcPct val="0"/>
+              </a:spcBef>
+              <a:buNone/>
+              <a:defRPr sz="4400" kern="1200">
+                <a:solidFill>
+                  <a:schemeClr val="tx1"/>
+                </a:solidFill>
+                <a:latin typeface="+mj-lt"/>
+                <a:ea typeface="+mj-ea"/>
+                <a:cs typeface="+mj-cs"/>
+              </a:defRPr>
+            </a:lvl1pPr>
+          </a:lstStyle>
+          <a:p>
+            <a:r>
+              <a:rPr lang="en-US" sz="2800" dirty="0">
+                <a:solidFill>
+                  <a:schemeClr val="accent6">
+                    <a:lumMod val="75000"/>
+                  </a:schemeClr>
+                </a:solidFill>
+                <a:latin typeface="Stencil" panose="040409050D0802020404" pitchFamily="82" charset="0"/>
+                <a:cs typeface="Arial" panose="020B0604020202020204" pitchFamily="34" charset="0"/>
+              </a:rPr>
+              <a:t>Useful metaphors</a:t>
+            </a:r>
+          </a:p>
+        </p:txBody>
+      </p:sp>
+      <p:graphicFrame>
+        <p:nvGraphicFramePr>
+          <p:cNvPr id="38" name="Object 6"/>
+          <p:cNvGraphicFramePr>
+            <a:graphicFrameLocks noChangeAspect="1"/>
+          </p:cNvGraphicFramePr>
+          <p:nvPr/>
+        </p:nvGraphicFramePr>
+        <p:xfrm>
+          <a:off x="964926" y="8322558"/>
+          <a:ext cx="103187" cy="196850"/>
+        </p:xfrm>
+        <a:graphic>
+          <a:graphicData uri="http://schemas.openxmlformats.org/presentationml/2006/ole">
+            <mc:AlternateContent xmlns:mc="http://schemas.openxmlformats.org/markup-compatibility/2006">
+              <mc:Choice xmlns:v="urn:schemas-microsoft-com:vml" Requires="v">
+                <p:oleObj spid="_x0000_s50179" name="Equation" r:id="rId3" imgW="114151" imgH="215619" progId="Equation.3">
+                  <p:embed/>
+                </p:oleObj>
+              </mc:Choice>
+              <mc:Fallback>
+                <p:oleObj name="Equation" r:id="rId3" imgW="114151" imgH="215619" progId="Equation.3">
+                  <p:embed/>
+                  <p:pic>
+                    <p:nvPicPr>
+                      <p:cNvPr id="38" name="Object 6"/>
+                      <p:cNvPicPr>
+                        <a:picLocks noChangeAspect="1" noChangeArrowheads="1"/>
+                      </p:cNvPicPr>
+                      <p:nvPr/>
+                    </p:nvPicPr>
+                    <p:blipFill>
+                      <a:blip r:embed="rId4">
+                        <a:extLst>
+                          <a:ext uri="{28A0092B-C50C-407E-A947-70E740481C1C}">
+                            <a14:useLocalDpi xmlns:a14="http://schemas.microsoft.com/office/drawing/2010/main" val="0"/>
+                          </a:ext>
+                        </a:extLst>
+                      </a:blip>
+                      <a:srcRect/>
+                      <a:stretch>
+                        <a:fillRect/>
+                      </a:stretch>
+                    </p:blipFill>
+                    <p:spPr bwMode="auto">
+                      <a:xfrm>
+                        <a:off x="964926" y="8322558"/>
+                        <a:ext cx="103187" cy="196850"/>
+                      </a:xfrm>
+                      <a:prstGeom prst="rect">
+                        <a:avLst/>
+                      </a:prstGeom>
+                      <a:noFill/>
+                      <a:extLst>
+                        <a:ext uri="{909E8E84-426E-40DD-AFC4-6F175D3DCCD1}">
+                          <a14:hiddenFill xmlns:a14="http://schemas.microsoft.com/office/drawing/2010/main">
+                            <a:solidFill>
+                              <a:srgbClr val="FFFFFF"/>
+                            </a:solidFill>
+                          </a14:hiddenFill>
+                        </a:ext>
+                      </a:extLst>
+                    </p:spPr>
+                  </p:pic>
+                </p:oleObj>
+              </mc:Fallback>
+            </mc:AlternateContent>
+          </a:graphicData>
+        </a:graphic>
+      </p:graphicFrame>
+      <p:sp>
+        <p:nvSpPr>
+          <p:cNvPr id="47" name="TextBox 46"/>
+          <p:cNvSpPr txBox="1"/>
+          <p:nvPr/>
+        </p:nvSpPr>
+        <p:spPr>
+          <a:xfrm>
+            <a:off x="1406461" y="3048000"/>
+            <a:ext cx="1260794" cy="461665"/>
+          </a:xfrm>
+          <a:prstGeom prst="rect">
+            <a:avLst/>
+          </a:prstGeom>
+          <a:noFill/>
+        </p:spPr>
+        <p:txBody>
+          <a:bodyPr wrap="none" rtlCol="0">
+            <a:spAutoFit/>
+          </a:bodyPr>
+          <a:lstStyle/>
+          <a:p>
+            <a:pPr algn="ctr"/>
+            <a:r>
+              <a:rPr lang="en-US" sz="2400" dirty="0">
+                <a:solidFill>
+                  <a:schemeClr val="tx1">
+                    <a:lumMod val="50000"/>
+                    <a:lumOff val="50000"/>
+                  </a:schemeClr>
+                </a:solidFill>
+              </a:rPr>
+              <a:t>Variance</a:t>
+            </a:r>
+          </a:p>
+        </p:txBody>
+      </p:sp>
+      <p:sp>
+        <p:nvSpPr>
+          <p:cNvPr id="48" name="TextBox 47"/>
+          <p:cNvSpPr txBox="1"/>
+          <p:nvPr/>
+        </p:nvSpPr>
+        <p:spPr>
+          <a:xfrm>
+            <a:off x="1371600" y="4724400"/>
+            <a:ext cx="1377749" cy="830997"/>
+          </a:xfrm>
+          <a:prstGeom prst="rect">
+            <a:avLst/>
+          </a:prstGeom>
+          <a:noFill/>
+        </p:spPr>
+        <p:txBody>
+          <a:bodyPr wrap="none" rtlCol="0">
+            <a:spAutoFit/>
+          </a:bodyPr>
+          <a:lstStyle/>
+          <a:p>
+            <a:pPr algn="ctr"/>
+            <a:r>
+              <a:rPr lang="en-US" sz="2400" dirty="0">
+                <a:solidFill>
+                  <a:schemeClr val="tx1">
+                    <a:lumMod val="50000"/>
+                    <a:lumOff val="50000"/>
+                  </a:schemeClr>
+                </a:solidFill>
+              </a:rPr>
+              <a:t>Standard </a:t>
+            </a:r>
+            <a:br>
+              <a:rPr lang="en-US" sz="2400" dirty="0">
+                <a:solidFill>
+                  <a:schemeClr val="tx1">
+                    <a:lumMod val="50000"/>
+                    <a:lumOff val="50000"/>
+                  </a:schemeClr>
+                </a:solidFill>
+              </a:rPr>
+            </a:br>
+            <a:r>
+              <a:rPr lang="en-US" sz="2400" dirty="0">
+                <a:solidFill>
+                  <a:schemeClr val="tx1">
+                    <a:lumMod val="50000"/>
+                    <a:lumOff val="50000"/>
+                  </a:schemeClr>
+                </a:solidFill>
+              </a:rPr>
+              <a:t>Deviation</a:t>
+            </a:r>
+          </a:p>
+        </p:txBody>
+      </p:sp>
+      <p:sp>
+        <p:nvSpPr>
+          <p:cNvPr id="49" name="TextBox 48"/>
+          <p:cNvSpPr txBox="1"/>
+          <p:nvPr/>
+        </p:nvSpPr>
+        <p:spPr>
+          <a:xfrm>
+            <a:off x="1416507" y="6548565"/>
+            <a:ext cx="1308371" cy="830997"/>
+          </a:xfrm>
+          <a:prstGeom prst="rect">
+            <a:avLst/>
+          </a:prstGeom>
+          <a:noFill/>
+        </p:spPr>
+        <p:txBody>
+          <a:bodyPr wrap="none" rtlCol="0">
+            <a:spAutoFit/>
+          </a:bodyPr>
+          <a:lstStyle/>
+          <a:p>
+            <a:pPr algn="ctr"/>
+            <a:r>
+              <a:rPr lang="en-US" sz="2400" dirty="0">
+                <a:solidFill>
+                  <a:schemeClr val="tx1">
+                    <a:lumMod val="50000"/>
+                    <a:lumOff val="50000"/>
+                  </a:schemeClr>
+                </a:solidFill>
+              </a:rPr>
+              <a:t>Standard</a:t>
+            </a:r>
+            <a:br>
+              <a:rPr lang="en-US" sz="2400" dirty="0">
+                <a:solidFill>
+                  <a:schemeClr val="tx1">
+                    <a:lumMod val="50000"/>
+                    <a:lumOff val="50000"/>
+                  </a:schemeClr>
+                </a:solidFill>
+              </a:rPr>
+            </a:br>
+            <a:r>
+              <a:rPr lang="en-US" sz="2400" dirty="0">
+                <a:solidFill>
+                  <a:schemeClr val="tx1">
+                    <a:lumMod val="50000"/>
+                    <a:lumOff val="50000"/>
+                  </a:schemeClr>
+                </a:solidFill>
+              </a:rPr>
+              <a:t>Error</a:t>
+            </a:r>
+          </a:p>
+        </p:txBody>
+      </p:sp>
+      <p:sp>
+        <p:nvSpPr>
+          <p:cNvPr id="50" name="TextBox 49"/>
+          <p:cNvSpPr txBox="1"/>
+          <p:nvPr/>
+        </p:nvSpPr>
+        <p:spPr>
+          <a:xfrm>
+            <a:off x="1313572" y="8313003"/>
+            <a:ext cx="1596719" cy="830997"/>
+          </a:xfrm>
+          <a:prstGeom prst="rect">
+            <a:avLst/>
+          </a:prstGeom>
+          <a:noFill/>
+        </p:spPr>
+        <p:txBody>
+          <a:bodyPr wrap="none" rtlCol="0">
+            <a:spAutoFit/>
+          </a:bodyPr>
+          <a:lstStyle/>
+          <a:p>
+            <a:pPr algn="ctr"/>
+            <a:r>
+              <a:rPr lang="en-US" sz="2400" dirty="0">
+                <a:solidFill>
+                  <a:schemeClr val="tx1">
+                    <a:lumMod val="50000"/>
+                    <a:lumOff val="50000"/>
+                  </a:schemeClr>
+                </a:solidFill>
+              </a:rPr>
+              <a:t>Confidence</a:t>
+            </a:r>
+            <a:br>
+              <a:rPr lang="en-US" sz="2400" dirty="0">
+                <a:solidFill>
+                  <a:schemeClr val="tx1">
+                    <a:lumMod val="50000"/>
+                    <a:lumOff val="50000"/>
+                  </a:schemeClr>
+                </a:solidFill>
+              </a:rPr>
+            </a:br>
+            <a:r>
+              <a:rPr lang="en-US" sz="2400" dirty="0">
+                <a:solidFill>
+                  <a:schemeClr val="tx1">
+                    <a:lumMod val="50000"/>
+                    <a:lumOff val="50000"/>
+                  </a:schemeClr>
+                </a:solidFill>
+              </a:rPr>
+              <a:t>Interval</a:t>
+            </a:r>
+          </a:p>
+        </p:txBody>
+      </p:sp>
+      <p:sp>
+        <p:nvSpPr>
+          <p:cNvPr id="55" name="TextBox 54"/>
+          <p:cNvSpPr txBox="1"/>
+          <p:nvPr/>
+        </p:nvSpPr>
+        <p:spPr>
+          <a:xfrm>
+            <a:off x="3585721" y="152400"/>
+            <a:ext cx="2967479" cy="461665"/>
+          </a:xfrm>
+          <a:prstGeom prst="rect">
+            <a:avLst/>
+          </a:prstGeom>
+          <a:noFill/>
+        </p:spPr>
+        <p:txBody>
+          <a:bodyPr wrap="none" rtlCol="0">
+            <a:spAutoFit/>
+          </a:bodyPr>
+          <a:lstStyle/>
+          <a:p>
+            <a:r>
+              <a:rPr lang="en-US" sz="2400" cap="small" dirty="0">
+                <a:solidFill>
+                  <a:schemeClr val="bg1">
+                    <a:lumMod val="65000"/>
+                  </a:schemeClr>
+                </a:solidFill>
+                <a:latin typeface="Arial" panose="020B0604020202020204" pitchFamily="34" charset="0"/>
+                <a:cs typeface="Arial" panose="020B0604020202020204" pitchFamily="34" charset="0"/>
+              </a:rPr>
+              <a:t>Regression Review</a:t>
+            </a:r>
+          </a:p>
+        </p:txBody>
+      </p:sp>
+      <p:pic>
+        <p:nvPicPr>
+          <p:cNvPr id="4" name="Picture 3"/>
+          <p:cNvPicPr>
+            <a:picLocks noChangeAspect="1"/>
+          </p:cNvPicPr>
+          <p:nvPr/>
+        </p:nvPicPr>
+        <p:blipFill>
+          <a:blip r:embed="rId5"/>
+          <a:stretch>
+            <a:fillRect/>
+          </a:stretch>
+        </p:blipFill>
+        <p:spPr>
+          <a:xfrm>
+            <a:off x="4876800" y="2743200"/>
+            <a:ext cx="1143000" cy="1370263"/>
+          </a:xfrm>
+          <a:prstGeom prst="rect">
+            <a:avLst/>
+          </a:prstGeom>
+        </p:spPr>
+      </p:pic>
+      <p:pic>
+        <p:nvPicPr>
+          <p:cNvPr id="5" name="Picture 4"/>
+          <p:cNvPicPr>
+            <a:picLocks noChangeAspect="1"/>
+          </p:cNvPicPr>
+          <p:nvPr/>
+        </p:nvPicPr>
+        <p:blipFill>
+          <a:blip r:embed="rId6"/>
+          <a:stretch>
+            <a:fillRect/>
+          </a:stretch>
+        </p:blipFill>
+        <p:spPr>
+          <a:xfrm>
+            <a:off x="3788535" y="4725473"/>
+            <a:ext cx="3011613" cy="870115"/>
+          </a:xfrm>
+          <a:prstGeom prst="rect">
+            <a:avLst/>
+          </a:prstGeom>
+        </p:spPr>
+      </p:pic>
+      <p:pic>
+        <p:nvPicPr>
+          <p:cNvPr id="40962" name="Picture 2" descr="Related image"/>
+          <p:cNvPicPr>
+            <a:picLocks noChangeAspect="1" noChangeArrowheads="1"/>
+          </p:cNvPicPr>
+          <p:nvPr/>
+        </p:nvPicPr>
+        <p:blipFill>
+          <a:blip r:embed="rId7">
+            <a:duotone>
+              <a:schemeClr val="bg2">
+                <a:shade val="45000"/>
+                <a:satMod val="135000"/>
+              </a:schemeClr>
+              <a:prstClr val="white"/>
+            </a:duotone>
+            <a:extLst>
+              <a:ext uri="{BEBA8EAE-BF5A-486C-A8C5-ECC9F3942E4B}">
+                <a14:imgProps xmlns:a14="http://schemas.microsoft.com/office/drawing/2010/main">
+                  <a14:imgLayer r:embed="rId8">
+                    <a14:imgEffect>
+                      <a14:saturation sat="400000"/>
+                    </a14:imgEffect>
+                  </a14:imgLayer>
+                </a14:imgProps>
+              </a:ext>
+              <a:ext uri="{28A0092B-C50C-407E-A947-70E740481C1C}">
+                <a14:useLocalDpi xmlns:a14="http://schemas.microsoft.com/office/drawing/2010/main" val="0"/>
+              </a:ext>
+            </a:extLst>
+          </a:blip>
+          <a:srcRect/>
+          <a:stretch>
+            <a:fillRect/>
+          </a:stretch>
+        </p:blipFill>
+        <p:spPr bwMode="auto">
+          <a:xfrm rot="5400000">
+            <a:off x="4638281" y="6484577"/>
+            <a:ext cx="1312120" cy="1263524"/>
+          </a:xfrm>
+          <a:prstGeom prst="rect">
+            <a:avLst/>
+          </a:prstGeom>
+          <a:noFill/>
+          <a:extLst>
+            <a:ext uri="{909E8E84-426E-40DD-AFC4-6F175D3DCCD1}">
+              <a14:hiddenFill xmlns:a14="http://schemas.microsoft.com/office/drawing/2010/main">
+                <a:solidFill>
+                  <a:srgbClr val="FFFFFF"/>
+                </a:solidFill>
+              </a14:hiddenFill>
+            </a:ext>
+          </a:extLst>
+        </p:spPr>
+      </p:pic>
+      <p:cxnSp>
+        <p:nvCxnSpPr>
+          <p:cNvPr id="7" name="Straight Connector 6"/>
+          <p:cNvCxnSpPr/>
+          <p:nvPr/>
+        </p:nvCxnSpPr>
+        <p:spPr>
+          <a:xfrm>
+            <a:off x="5241622" y="8382000"/>
+            <a:ext cx="0" cy="828249"/>
+          </a:xfrm>
+          <a:prstGeom prst="line">
+            <a:avLst/>
+          </a:prstGeom>
+          <a:ln w="25400">
+            <a:solidFill>
+              <a:schemeClr val="accent6">
+                <a:lumMod val="75000"/>
+              </a:schemeClr>
+            </a:solidFill>
+          </a:ln>
+        </p:spPr>
+        <p:style>
+          <a:lnRef idx="1">
+            <a:schemeClr val="accent1"/>
+          </a:lnRef>
+          <a:fillRef idx="0">
+            <a:schemeClr val="accent1"/>
+          </a:fillRef>
+          <a:effectRef idx="0">
+            <a:schemeClr val="accent1"/>
+          </a:effectRef>
+          <a:fontRef idx="minor">
+            <a:schemeClr val="tx1"/>
+          </a:fontRef>
+        </p:style>
+      </p:cxnSp>
+      <p:cxnSp>
+        <p:nvCxnSpPr>
+          <p:cNvPr id="10" name="Straight Connector 9"/>
+          <p:cNvCxnSpPr/>
+          <p:nvPr/>
+        </p:nvCxnSpPr>
+        <p:spPr>
+          <a:xfrm>
+            <a:off x="5112712" y="8628983"/>
+            <a:ext cx="1400820" cy="0"/>
+          </a:xfrm>
+          <a:prstGeom prst="line">
+            <a:avLst/>
+          </a:prstGeom>
+          <a:ln>
+            <a:solidFill>
+              <a:schemeClr val="bg1">
+                <a:lumMod val="50000"/>
+              </a:schemeClr>
+            </a:solidFill>
+          </a:ln>
+        </p:spPr>
+        <p:style>
+          <a:lnRef idx="1">
+            <a:schemeClr val="accent1"/>
+          </a:lnRef>
+          <a:fillRef idx="0">
+            <a:schemeClr val="accent1"/>
+          </a:fillRef>
+          <a:effectRef idx="0">
+            <a:schemeClr val="accent1"/>
+          </a:effectRef>
+          <a:fontRef idx="minor">
+            <a:schemeClr val="tx1"/>
+          </a:fontRef>
+        </p:style>
+      </p:cxnSp>
+      <p:sp>
+        <p:nvSpPr>
+          <p:cNvPr id="20" name="Oval 19"/>
+          <p:cNvSpPr/>
+          <p:nvPr/>
+        </p:nvSpPr>
+        <p:spPr>
+          <a:xfrm>
+            <a:off x="5736922" y="8552783"/>
+            <a:ext cx="152400" cy="152400"/>
+          </a:xfrm>
+          <a:prstGeom prst="ellipse">
+            <a:avLst/>
+          </a:prstGeom>
+          <a:solidFill>
+            <a:schemeClr val="tx1">
+              <a:lumMod val="50000"/>
+              <a:lumOff val="50000"/>
+            </a:schemeClr>
+          </a:solidFill>
+          <a:ln>
+            <a:solidFill>
+              <a:schemeClr val="bg1">
+                <a:lumMod val="50000"/>
+              </a:schemeClr>
+            </a:solidFill>
+          </a:ln>
+        </p:spPr>
+        <p:style>
+          <a:lnRef idx="2">
+            <a:schemeClr val="accent1">
+              <a:shade val="50000"/>
+            </a:schemeClr>
+          </a:lnRef>
+          <a:fillRef idx="1">
+            <a:schemeClr val="accent1"/>
+          </a:fillRef>
+          <a:effectRef idx="0">
+            <a:schemeClr val="accent1"/>
+          </a:effectRef>
+          <a:fontRef idx="minor">
+            <a:schemeClr val="lt1"/>
+          </a:fontRef>
+        </p:style>
+        <p:txBody>
+          <a:bodyPr rtlCol="0" anchor="ctr"/>
+          <a:lstStyle/>
+          <a:p>
+            <a:pPr algn="ctr"/>
+            <a:endParaRPr lang="en-US"/>
+          </a:p>
+        </p:txBody>
+      </p:sp>
+      <p:cxnSp>
+        <p:nvCxnSpPr>
+          <p:cNvPr id="28" name="Straight Connector 27"/>
+          <p:cNvCxnSpPr/>
+          <p:nvPr/>
+        </p:nvCxnSpPr>
+        <p:spPr>
+          <a:xfrm>
+            <a:off x="4114270" y="8984192"/>
+            <a:ext cx="1400820" cy="0"/>
+          </a:xfrm>
+          <a:prstGeom prst="line">
+            <a:avLst/>
+          </a:prstGeom>
+          <a:ln>
+            <a:solidFill>
+              <a:schemeClr val="bg1">
+                <a:lumMod val="50000"/>
+              </a:schemeClr>
+            </a:solidFill>
+          </a:ln>
+        </p:spPr>
+        <p:style>
+          <a:lnRef idx="1">
+            <a:schemeClr val="accent1"/>
+          </a:lnRef>
+          <a:fillRef idx="0">
+            <a:schemeClr val="accent1"/>
+          </a:fillRef>
+          <a:effectRef idx="0">
+            <a:schemeClr val="accent1"/>
+          </a:effectRef>
+          <a:fontRef idx="minor">
+            <a:schemeClr val="tx1"/>
+          </a:fontRef>
+        </p:style>
+      </p:cxnSp>
+      <p:sp>
+        <p:nvSpPr>
+          <p:cNvPr id="29" name="Oval 28"/>
+          <p:cNvSpPr/>
+          <p:nvPr/>
+        </p:nvSpPr>
+        <p:spPr>
+          <a:xfrm>
+            <a:off x="4738480" y="8907992"/>
+            <a:ext cx="152400" cy="152400"/>
+          </a:xfrm>
+          <a:prstGeom prst="ellipse">
+            <a:avLst/>
+          </a:prstGeom>
+          <a:solidFill>
+            <a:schemeClr val="tx1">
+              <a:lumMod val="50000"/>
+              <a:lumOff val="50000"/>
+            </a:schemeClr>
+          </a:solidFill>
+          <a:ln>
+            <a:solidFill>
+              <a:schemeClr val="bg1">
+                <a:lumMod val="50000"/>
+              </a:schemeClr>
+            </a:solidFill>
+          </a:ln>
+        </p:spPr>
+        <p:style>
+          <a:lnRef idx="2">
+            <a:schemeClr val="accent1">
+              <a:shade val="50000"/>
+            </a:schemeClr>
+          </a:lnRef>
+          <a:fillRef idx="1">
+            <a:schemeClr val="accent1"/>
+          </a:fillRef>
+          <a:effectRef idx="0">
+            <a:schemeClr val="accent1"/>
+          </a:effectRef>
+          <a:fontRef idx="minor">
+            <a:schemeClr val="lt1"/>
+          </a:fontRef>
+        </p:style>
+        <p:txBody>
+          <a:bodyPr rtlCol="0" anchor="ctr"/>
+          <a:lstStyle/>
+          <a:p>
+            <a:pPr algn="ctr"/>
+            <a:endParaRPr lang="en-US"/>
+          </a:p>
+        </p:txBody>
+      </p:sp>
+      <p:sp>
+        <p:nvSpPr>
+          <p:cNvPr id="21" name="TextBox 20"/>
+          <p:cNvSpPr txBox="1"/>
+          <p:nvPr/>
+        </p:nvSpPr>
+        <p:spPr>
+          <a:xfrm>
+            <a:off x="5622416" y="8153400"/>
+            <a:ext cx="385042" cy="369332"/>
+          </a:xfrm>
+          <a:prstGeom prst="rect">
+            <a:avLst/>
+          </a:prstGeom>
+          <a:noFill/>
+        </p:spPr>
+        <p:txBody>
+          <a:bodyPr wrap="none" rtlCol="0">
+            <a:spAutoFit/>
+          </a:bodyPr>
+          <a:lstStyle/>
+          <a:p>
+            <a:r>
+              <a:rPr lang="en-US" dirty="0">
+                <a:solidFill>
+                  <a:schemeClr val="tx1">
+                    <a:lumMod val="50000"/>
+                    <a:lumOff val="50000"/>
+                  </a:schemeClr>
+                </a:solidFill>
+              </a:rPr>
+              <a:t>b</a:t>
+            </a:r>
+            <a:r>
+              <a:rPr lang="en-US" baseline="-25000" dirty="0">
+                <a:solidFill>
+                  <a:schemeClr val="tx1">
+                    <a:lumMod val="50000"/>
+                    <a:lumOff val="50000"/>
+                  </a:schemeClr>
+                </a:solidFill>
+              </a:rPr>
+              <a:t>1</a:t>
+            </a:r>
+          </a:p>
+        </p:txBody>
+      </p:sp>
+      <p:sp>
+        <p:nvSpPr>
+          <p:cNvPr id="31" name="TextBox 30"/>
+          <p:cNvSpPr txBox="1"/>
+          <p:nvPr/>
+        </p:nvSpPr>
+        <p:spPr>
+          <a:xfrm>
+            <a:off x="4622159" y="8500560"/>
+            <a:ext cx="385042" cy="369332"/>
+          </a:xfrm>
+          <a:prstGeom prst="rect">
+            <a:avLst/>
+          </a:prstGeom>
+          <a:noFill/>
+        </p:spPr>
+        <p:txBody>
+          <a:bodyPr wrap="none" rtlCol="0">
+            <a:spAutoFit/>
+          </a:bodyPr>
+          <a:lstStyle/>
+          <a:p>
+            <a:r>
+              <a:rPr lang="en-US" dirty="0">
+                <a:solidFill>
+                  <a:schemeClr val="tx1">
+                    <a:lumMod val="50000"/>
+                    <a:lumOff val="50000"/>
+                  </a:schemeClr>
+                </a:solidFill>
+              </a:rPr>
+              <a:t>b</a:t>
+            </a:r>
+            <a:r>
+              <a:rPr lang="en-US" baseline="-25000" dirty="0">
+                <a:solidFill>
+                  <a:schemeClr val="tx1">
+                    <a:lumMod val="50000"/>
+                    <a:lumOff val="50000"/>
+                  </a:schemeClr>
+                </a:solidFill>
+              </a:rPr>
+              <a:t>1</a:t>
+            </a:r>
+          </a:p>
+        </p:txBody>
+      </p:sp>
+      <p:sp>
+        <p:nvSpPr>
+          <p:cNvPr id="32" name="TextBox 31"/>
+          <p:cNvSpPr txBox="1"/>
+          <p:nvPr/>
+        </p:nvSpPr>
+        <p:spPr>
+          <a:xfrm>
+            <a:off x="5087663" y="9220776"/>
+            <a:ext cx="393056" cy="369332"/>
+          </a:xfrm>
+          <a:prstGeom prst="rect">
+            <a:avLst/>
+          </a:prstGeom>
+          <a:noFill/>
+        </p:spPr>
+        <p:txBody>
+          <a:bodyPr wrap="none" rtlCol="0">
+            <a:spAutoFit/>
+          </a:bodyPr>
+          <a:lstStyle/>
+          <a:p>
+            <a:r>
+              <a:rPr lang="en-US" b="1" i="1" dirty="0">
+                <a:solidFill>
+                  <a:schemeClr val="accent6">
+                    <a:lumMod val="75000"/>
+                  </a:schemeClr>
+                </a:solidFill>
+              </a:rPr>
+              <a:t>B</a:t>
+            </a:r>
+            <a:r>
+              <a:rPr lang="en-US" b="1" baseline="-25000" dirty="0">
+                <a:solidFill>
+                  <a:schemeClr val="accent6">
+                    <a:lumMod val="75000"/>
+                  </a:schemeClr>
+                </a:solidFill>
+              </a:rPr>
+              <a:t>1</a:t>
+            </a:r>
+          </a:p>
+        </p:txBody>
+      </p:sp>
+    </p:spTree>
+    <p:extLst>
+      <p:ext uri="{BB962C8B-B14F-4D97-AF65-F5344CB8AC3E}">
+        <p14:creationId xmlns:p14="http://schemas.microsoft.com/office/powerpoint/2010/main" val="1778238731"/>
+      </p:ext>
+    </p:extLst>
+  </p:cSld>
+  <p:clrMapOvr>
+    <a:masterClrMapping/>
+  </p:clrMapOvr>
+</p:sld>
+</file>
+
+<file path=ppt/slides/slide30.xml><?xml version="1.0" encoding="utf-8"?>
+<p:sld xmlns:a="http://schemas.openxmlformats.org/drawingml/2006/main" xmlns:r="http://schemas.openxmlformats.org/officeDocument/2006/relationships" xmlns:p="http://schemas.openxmlformats.org/presentationml/2006/main">
+  <p:cSld>
+    <p:spTree>
+      <p:nvGrpSpPr>
+        <p:cNvPr id="1" name=""/>
+        <p:cNvGrpSpPr/>
+        <p:nvPr/>
+      </p:nvGrpSpPr>
+      <p:grpSpPr>
+        <a:xfrm>
+          <a:off x="0" y="0"/>
+          <a:ext cx="0" cy="0"/>
+          <a:chOff x="0" y="0"/>
+          <a:chExt cx="0" cy="0"/>
+        </a:xfrm>
+      </p:grpSpPr>
+      <p:sp>
+        <p:nvSpPr>
+          <p:cNvPr id="2" name="Slide Number Placeholder 1"/>
+          <p:cNvSpPr>
+            <a:spLocks noGrp="1"/>
+          </p:cNvSpPr>
+          <p:nvPr>
+            <p:ph type="sldNum" sz="quarter" idx="12"/>
+          </p:nvPr>
+        </p:nvSpPr>
+        <p:spPr/>
+        <p:txBody>
+          <a:bodyPr/>
+          <a:lstStyle/>
+          <a:p>
+            <a:fld id="{8A2A4A19-B384-42F8-8C0D-94C30AAB39F2}" type="slidenum">
+              <a:rPr lang="en-US" smtClean="0"/>
+              <a:pPr/>
+              <a:t>30</a:t>
             </a:fld>
             <a:endParaRPr lang="en-US"/>
           </a:p>
@@ -27804,892 +29508,6 @@
 </p:sld>
 </file>
 
-<file path=ppt/slides/slide3.xml><?xml version="1.0" encoding="utf-8"?>
-<p:sld xmlns:a="http://schemas.openxmlformats.org/drawingml/2006/main" xmlns:r="http://schemas.openxmlformats.org/officeDocument/2006/relationships" xmlns:p="http://schemas.openxmlformats.org/presentationml/2006/main">
-  <p:cSld>
-    <p:spTree>
-      <p:nvGrpSpPr>
-        <p:cNvPr id="1" name=""/>
-        <p:cNvGrpSpPr/>
-        <p:nvPr/>
-      </p:nvGrpSpPr>
-      <p:grpSpPr>
-        <a:xfrm>
-          <a:off x="0" y="0"/>
-          <a:ext cx="0" cy="0"/>
-          <a:chOff x="0" y="0"/>
-          <a:chExt cx="0" cy="0"/>
-        </a:xfrm>
-      </p:grpSpPr>
-      <p:sp>
-        <p:nvSpPr>
-          <p:cNvPr id="2" name="Slide Number Placeholder 1"/>
-          <p:cNvSpPr>
-            <a:spLocks noGrp="1"/>
-          </p:cNvSpPr>
-          <p:nvPr>
-            <p:ph type="sldNum" sz="quarter" idx="12"/>
-          </p:nvPr>
-        </p:nvSpPr>
-        <p:spPr/>
-        <p:txBody>
-          <a:bodyPr/>
-          <a:lstStyle/>
-          <a:p>
-            <a:fld id="{8A2A4A19-B384-42F8-8C0D-94C30AAB39F2}" type="slidenum">
-              <a:rPr lang="en-US" smtClean="0"/>
-              <a:pPr/>
-              <a:t>3</a:t>
-            </a:fld>
-            <a:endParaRPr lang="en-US"/>
-          </a:p>
-        </p:txBody>
-      </p:sp>
-      <p:sp>
-        <p:nvSpPr>
-          <p:cNvPr id="3" name="Title 1"/>
-          <p:cNvSpPr txBox="1">
-            <a:spLocks/>
-          </p:cNvSpPr>
-          <p:nvPr/>
-        </p:nvSpPr>
-        <p:spPr>
-          <a:xfrm>
-            <a:off x="-304800" y="1066800"/>
-            <a:ext cx="8229600" cy="1143000"/>
-          </a:xfrm>
-          <a:prstGeom prst="rect">
-            <a:avLst/>
-          </a:prstGeom>
-        </p:spPr>
-        <p:txBody>
-          <a:bodyPr/>
-          <a:lstStyle>
-            <a:lvl1pPr algn="ctr" defTabSz="914400" rtl="0" eaLnBrk="1" latinLnBrk="0" hangingPunct="1">
-              <a:spcBef>
-                <a:spcPct val="0"/>
-              </a:spcBef>
-              <a:buNone/>
-              <a:defRPr sz="4400" kern="1200">
-                <a:solidFill>
-                  <a:schemeClr val="tx1"/>
-                </a:solidFill>
-                <a:latin typeface="+mj-lt"/>
-                <a:ea typeface="+mj-ea"/>
-                <a:cs typeface="+mj-cs"/>
-              </a:defRPr>
-            </a:lvl1pPr>
-          </a:lstStyle>
-          <a:p>
-            <a:r>
-              <a:rPr lang="en-US" sz="2800" dirty="0">
-                <a:solidFill>
-                  <a:schemeClr val="accent6">
-                    <a:lumMod val="75000"/>
-                  </a:schemeClr>
-                </a:solidFill>
-                <a:latin typeface="Stencil" panose="040409050D0802020404" pitchFamily="82" charset="0"/>
-                <a:cs typeface="Arial" panose="020B0604020202020204" pitchFamily="34" charset="0"/>
-              </a:rPr>
-              <a:t>Useful metaphors</a:t>
-            </a:r>
-          </a:p>
-        </p:txBody>
-      </p:sp>
-      <p:graphicFrame>
-        <p:nvGraphicFramePr>
-          <p:cNvPr id="38" name="Object 6"/>
-          <p:cNvGraphicFramePr>
-            <a:graphicFrameLocks noChangeAspect="1"/>
-          </p:cNvGraphicFramePr>
-          <p:nvPr>
-            <p:extLst/>
-          </p:nvPr>
-        </p:nvGraphicFramePr>
-        <p:xfrm>
-          <a:off x="964926" y="8322558"/>
-          <a:ext cx="103187" cy="196850"/>
-        </p:xfrm>
-        <a:graphic>
-          <a:graphicData uri="http://schemas.openxmlformats.org/presentationml/2006/ole">
-            <mc:AlternateContent xmlns:mc="http://schemas.openxmlformats.org/markup-compatibility/2006">
-              <mc:Choice xmlns:v="urn:schemas-microsoft-com:vml" Requires="v">
-                <p:oleObj spid="_x0000_s50178" name="Equation" r:id="rId3" imgW="114151" imgH="215619" progId="Equation.3">
-                  <p:embed/>
-                </p:oleObj>
-              </mc:Choice>
-              <mc:Fallback>
-                <p:oleObj name="Equation" r:id="rId3" imgW="114151" imgH="215619" progId="Equation.3">
-                  <p:embed/>
-                  <p:pic>
-                    <p:nvPicPr>
-                      <p:cNvPr id="38" name="Object 6"/>
-                      <p:cNvPicPr>
-                        <a:picLocks noChangeAspect="1" noChangeArrowheads="1"/>
-                      </p:cNvPicPr>
-                      <p:nvPr/>
-                    </p:nvPicPr>
-                    <p:blipFill>
-                      <a:blip r:embed="rId4">
-                        <a:extLst>
-                          <a:ext uri="{28A0092B-C50C-407E-A947-70E740481C1C}">
-                            <a14:useLocalDpi xmlns:a14="http://schemas.microsoft.com/office/drawing/2010/main" val="0"/>
-                          </a:ext>
-                        </a:extLst>
-                      </a:blip>
-                      <a:srcRect/>
-                      <a:stretch>
-                        <a:fillRect/>
-                      </a:stretch>
-                    </p:blipFill>
-                    <p:spPr bwMode="auto">
-                      <a:xfrm>
-                        <a:off x="964926" y="8322558"/>
-                        <a:ext cx="103187" cy="196850"/>
-                      </a:xfrm>
-                      <a:prstGeom prst="rect">
-                        <a:avLst/>
-                      </a:prstGeom>
-                      <a:noFill/>
-                      <a:extLst>
-                        <a:ext uri="{909E8E84-426E-40DD-AFC4-6F175D3DCCD1}">
-                          <a14:hiddenFill xmlns:a14="http://schemas.microsoft.com/office/drawing/2010/main">
-                            <a:solidFill>
-                              <a:srgbClr val="FFFFFF"/>
-                            </a:solidFill>
-                          </a14:hiddenFill>
-                        </a:ext>
-                      </a:extLst>
-                    </p:spPr>
-                  </p:pic>
-                </p:oleObj>
-              </mc:Fallback>
-            </mc:AlternateContent>
-          </a:graphicData>
-        </a:graphic>
-      </p:graphicFrame>
-      <p:sp>
-        <p:nvSpPr>
-          <p:cNvPr id="47" name="TextBox 46"/>
-          <p:cNvSpPr txBox="1"/>
-          <p:nvPr/>
-        </p:nvSpPr>
-        <p:spPr>
-          <a:xfrm>
-            <a:off x="1406461" y="3048000"/>
-            <a:ext cx="1260794" cy="461665"/>
-          </a:xfrm>
-          <a:prstGeom prst="rect">
-            <a:avLst/>
-          </a:prstGeom>
-          <a:noFill/>
-        </p:spPr>
-        <p:txBody>
-          <a:bodyPr wrap="none" rtlCol="0">
-            <a:spAutoFit/>
-          </a:bodyPr>
-          <a:lstStyle/>
-          <a:p>
-            <a:pPr algn="ctr"/>
-            <a:r>
-              <a:rPr lang="en-US" sz="2400" dirty="0">
-                <a:solidFill>
-                  <a:schemeClr val="tx1">
-                    <a:lumMod val="50000"/>
-                    <a:lumOff val="50000"/>
-                  </a:schemeClr>
-                </a:solidFill>
-              </a:rPr>
-              <a:t>Variance</a:t>
-            </a:r>
-          </a:p>
-        </p:txBody>
-      </p:sp>
-      <p:sp>
-        <p:nvSpPr>
-          <p:cNvPr id="48" name="TextBox 47"/>
-          <p:cNvSpPr txBox="1"/>
-          <p:nvPr/>
-        </p:nvSpPr>
-        <p:spPr>
-          <a:xfrm>
-            <a:off x="1371600" y="4724400"/>
-            <a:ext cx="1377749" cy="830997"/>
-          </a:xfrm>
-          <a:prstGeom prst="rect">
-            <a:avLst/>
-          </a:prstGeom>
-          <a:noFill/>
-        </p:spPr>
-        <p:txBody>
-          <a:bodyPr wrap="none" rtlCol="0">
-            <a:spAutoFit/>
-          </a:bodyPr>
-          <a:lstStyle/>
-          <a:p>
-            <a:pPr algn="ctr"/>
-            <a:r>
-              <a:rPr lang="en-US" sz="2400" dirty="0">
-                <a:solidFill>
-                  <a:schemeClr val="tx1">
-                    <a:lumMod val="50000"/>
-                    <a:lumOff val="50000"/>
-                  </a:schemeClr>
-                </a:solidFill>
-              </a:rPr>
-              <a:t>Standard </a:t>
-            </a:r>
-            <a:br>
-              <a:rPr lang="en-US" sz="2400" dirty="0">
-                <a:solidFill>
-                  <a:schemeClr val="tx1">
-                    <a:lumMod val="50000"/>
-                    <a:lumOff val="50000"/>
-                  </a:schemeClr>
-                </a:solidFill>
-              </a:rPr>
-            </a:br>
-            <a:r>
-              <a:rPr lang="en-US" sz="2400" dirty="0">
-                <a:solidFill>
-                  <a:schemeClr val="tx1">
-                    <a:lumMod val="50000"/>
-                    <a:lumOff val="50000"/>
-                  </a:schemeClr>
-                </a:solidFill>
-              </a:rPr>
-              <a:t>Deviation</a:t>
-            </a:r>
-          </a:p>
-        </p:txBody>
-      </p:sp>
-      <p:sp>
-        <p:nvSpPr>
-          <p:cNvPr id="49" name="TextBox 48"/>
-          <p:cNvSpPr txBox="1"/>
-          <p:nvPr/>
-        </p:nvSpPr>
-        <p:spPr>
-          <a:xfrm>
-            <a:off x="1416507" y="6548565"/>
-            <a:ext cx="1308371" cy="830997"/>
-          </a:xfrm>
-          <a:prstGeom prst="rect">
-            <a:avLst/>
-          </a:prstGeom>
-          <a:noFill/>
-        </p:spPr>
-        <p:txBody>
-          <a:bodyPr wrap="none" rtlCol="0">
-            <a:spAutoFit/>
-          </a:bodyPr>
-          <a:lstStyle/>
-          <a:p>
-            <a:pPr algn="ctr"/>
-            <a:r>
-              <a:rPr lang="en-US" sz="2400" dirty="0">
-                <a:solidFill>
-                  <a:schemeClr val="tx1">
-                    <a:lumMod val="50000"/>
-                    <a:lumOff val="50000"/>
-                  </a:schemeClr>
-                </a:solidFill>
-              </a:rPr>
-              <a:t>Standard</a:t>
-            </a:r>
-            <a:br>
-              <a:rPr lang="en-US" sz="2400" dirty="0">
-                <a:solidFill>
-                  <a:schemeClr val="tx1">
-                    <a:lumMod val="50000"/>
-                    <a:lumOff val="50000"/>
-                  </a:schemeClr>
-                </a:solidFill>
-              </a:rPr>
-            </a:br>
-            <a:r>
-              <a:rPr lang="en-US" sz="2400" dirty="0">
-                <a:solidFill>
-                  <a:schemeClr val="tx1">
-                    <a:lumMod val="50000"/>
-                    <a:lumOff val="50000"/>
-                  </a:schemeClr>
-                </a:solidFill>
-              </a:rPr>
-              <a:t>Error</a:t>
-            </a:r>
-          </a:p>
-        </p:txBody>
-      </p:sp>
-      <p:sp>
-        <p:nvSpPr>
-          <p:cNvPr id="50" name="TextBox 49"/>
-          <p:cNvSpPr txBox="1"/>
-          <p:nvPr/>
-        </p:nvSpPr>
-        <p:spPr>
-          <a:xfrm>
-            <a:off x="1313572" y="8313003"/>
-            <a:ext cx="1596719" cy="830997"/>
-          </a:xfrm>
-          <a:prstGeom prst="rect">
-            <a:avLst/>
-          </a:prstGeom>
-          <a:noFill/>
-        </p:spPr>
-        <p:txBody>
-          <a:bodyPr wrap="none" rtlCol="0">
-            <a:spAutoFit/>
-          </a:bodyPr>
-          <a:lstStyle/>
-          <a:p>
-            <a:pPr algn="ctr"/>
-            <a:r>
-              <a:rPr lang="en-US" sz="2400" dirty="0">
-                <a:solidFill>
-                  <a:schemeClr val="tx1">
-                    <a:lumMod val="50000"/>
-                    <a:lumOff val="50000"/>
-                  </a:schemeClr>
-                </a:solidFill>
-              </a:rPr>
-              <a:t>Confidence</a:t>
-            </a:r>
-            <a:br>
-              <a:rPr lang="en-US" sz="2400" dirty="0">
-                <a:solidFill>
-                  <a:schemeClr val="tx1">
-                    <a:lumMod val="50000"/>
-                    <a:lumOff val="50000"/>
-                  </a:schemeClr>
-                </a:solidFill>
-              </a:rPr>
-            </a:br>
-            <a:r>
-              <a:rPr lang="en-US" sz="2400" dirty="0">
-                <a:solidFill>
-                  <a:schemeClr val="tx1">
-                    <a:lumMod val="50000"/>
-                    <a:lumOff val="50000"/>
-                  </a:schemeClr>
-                </a:solidFill>
-              </a:rPr>
-              <a:t>Interval</a:t>
-            </a:r>
-          </a:p>
-        </p:txBody>
-      </p:sp>
-      <p:sp>
-        <p:nvSpPr>
-          <p:cNvPr id="55" name="TextBox 54"/>
-          <p:cNvSpPr txBox="1"/>
-          <p:nvPr/>
-        </p:nvSpPr>
-        <p:spPr>
-          <a:xfrm>
-            <a:off x="3585721" y="152400"/>
-            <a:ext cx="2967479" cy="461665"/>
-          </a:xfrm>
-          <a:prstGeom prst="rect">
-            <a:avLst/>
-          </a:prstGeom>
-          <a:noFill/>
-        </p:spPr>
-        <p:txBody>
-          <a:bodyPr wrap="none" rtlCol="0">
-            <a:spAutoFit/>
-          </a:bodyPr>
-          <a:lstStyle/>
-          <a:p>
-            <a:r>
-              <a:rPr lang="en-US" sz="2400" cap="small" dirty="0">
-                <a:solidFill>
-                  <a:schemeClr val="bg1">
-                    <a:lumMod val="65000"/>
-                  </a:schemeClr>
-                </a:solidFill>
-                <a:latin typeface="Arial" panose="020B0604020202020204" pitchFamily="34" charset="0"/>
-                <a:cs typeface="Arial" panose="020B0604020202020204" pitchFamily="34" charset="0"/>
-              </a:rPr>
-              <a:t>Regression Review</a:t>
-            </a:r>
-          </a:p>
-        </p:txBody>
-      </p:sp>
-      <p:pic>
-        <p:nvPicPr>
-          <p:cNvPr id="4" name="Picture 3"/>
-          <p:cNvPicPr>
-            <a:picLocks noChangeAspect="1"/>
-          </p:cNvPicPr>
-          <p:nvPr/>
-        </p:nvPicPr>
-        <p:blipFill>
-          <a:blip r:embed="rId5"/>
-          <a:stretch>
-            <a:fillRect/>
-          </a:stretch>
-        </p:blipFill>
-        <p:spPr>
-          <a:xfrm>
-            <a:off x="4876800" y="2743200"/>
-            <a:ext cx="1143000" cy="1370263"/>
-          </a:xfrm>
-          <a:prstGeom prst="rect">
-            <a:avLst/>
-          </a:prstGeom>
-        </p:spPr>
-      </p:pic>
-      <p:pic>
-        <p:nvPicPr>
-          <p:cNvPr id="5" name="Picture 4"/>
-          <p:cNvPicPr>
-            <a:picLocks noChangeAspect="1"/>
-          </p:cNvPicPr>
-          <p:nvPr/>
-        </p:nvPicPr>
-        <p:blipFill>
-          <a:blip r:embed="rId6"/>
-          <a:stretch>
-            <a:fillRect/>
-          </a:stretch>
-        </p:blipFill>
-        <p:spPr>
-          <a:xfrm>
-            <a:off x="3788535" y="4725473"/>
-            <a:ext cx="3011613" cy="870115"/>
-          </a:xfrm>
-          <a:prstGeom prst="rect">
-            <a:avLst/>
-          </a:prstGeom>
-        </p:spPr>
-      </p:pic>
-      <p:pic>
-        <p:nvPicPr>
-          <p:cNvPr id="40962" name="Picture 2" descr="Related image"/>
-          <p:cNvPicPr>
-            <a:picLocks noChangeAspect="1" noChangeArrowheads="1"/>
-          </p:cNvPicPr>
-          <p:nvPr/>
-        </p:nvPicPr>
-        <p:blipFill>
-          <a:blip r:embed="rId7">
-            <a:duotone>
-              <a:schemeClr val="bg2">
-                <a:shade val="45000"/>
-                <a:satMod val="135000"/>
-              </a:schemeClr>
-              <a:prstClr val="white"/>
-            </a:duotone>
-            <a:extLst>
-              <a:ext uri="{BEBA8EAE-BF5A-486C-A8C5-ECC9F3942E4B}">
-                <a14:imgProps xmlns:a14="http://schemas.microsoft.com/office/drawing/2010/main">
-                  <a14:imgLayer r:embed="rId8">
-                    <a14:imgEffect>
-                      <a14:saturation sat="400000"/>
-                    </a14:imgEffect>
-                  </a14:imgLayer>
-                </a14:imgProps>
-              </a:ext>
-              <a:ext uri="{28A0092B-C50C-407E-A947-70E740481C1C}">
-                <a14:useLocalDpi xmlns:a14="http://schemas.microsoft.com/office/drawing/2010/main" val="0"/>
-              </a:ext>
-            </a:extLst>
-          </a:blip>
-          <a:srcRect/>
-          <a:stretch>
-            <a:fillRect/>
-          </a:stretch>
-        </p:blipFill>
-        <p:spPr bwMode="auto">
-          <a:xfrm rot="5400000">
-            <a:off x="4638281" y="6484577"/>
-            <a:ext cx="1312120" cy="1263524"/>
-          </a:xfrm>
-          <a:prstGeom prst="rect">
-            <a:avLst/>
-          </a:prstGeom>
-          <a:noFill/>
-          <a:extLst>
-            <a:ext uri="{909E8E84-426E-40DD-AFC4-6F175D3DCCD1}">
-              <a14:hiddenFill xmlns:a14="http://schemas.microsoft.com/office/drawing/2010/main">
-                <a:solidFill>
-                  <a:srgbClr val="FFFFFF"/>
-                </a:solidFill>
-              </a14:hiddenFill>
-            </a:ext>
-          </a:extLst>
-        </p:spPr>
-      </p:pic>
-      <p:cxnSp>
-        <p:nvCxnSpPr>
-          <p:cNvPr id="7" name="Straight Connector 6"/>
-          <p:cNvCxnSpPr/>
-          <p:nvPr/>
-        </p:nvCxnSpPr>
-        <p:spPr>
-          <a:xfrm>
-            <a:off x="5241622" y="8382000"/>
-            <a:ext cx="0" cy="828249"/>
-          </a:xfrm>
-          <a:prstGeom prst="line">
-            <a:avLst/>
-          </a:prstGeom>
-          <a:ln w="25400">
-            <a:solidFill>
-              <a:schemeClr val="accent6">
-                <a:lumMod val="75000"/>
-              </a:schemeClr>
-            </a:solidFill>
-          </a:ln>
-        </p:spPr>
-        <p:style>
-          <a:lnRef idx="1">
-            <a:schemeClr val="accent1"/>
-          </a:lnRef>
-          <a:fillRef idx="0">
-            <a:schemeClr val="accent1"/>
-          </a:fillRef>
-          <a:effectRef idx="0">
-            <a:schemeClr val="accent1"/>
-          </a:effectRef>
-          <a:fontRef idx="minor">
-            <a:schemeClr val="tx1"/>
-          </a:fontRef>
-        </p:style>
-      </p:cxnSp>
-      <p:cxnSp>
-        <p:nvCxnSpPr>
-          <p:cNvPr id="10" name="Straight Connector 9"/>
-          <p:cNvCxnSpPr/>
-          <p:nvPr/>
-        </p:nvCxnSpPr>
-        <p:spPr>
-          <a:xfrm>
-            <a:off x="5112712" y="8628983"/>
-            <a:ext cx="1400820" cy="0"/>
-          </a:xfrm>
-          <a:prstGeom prst="line">
-            <a:avLst/>
-          </a:prstGeom>
-          <a:ln>
-            <a:solidFill>
-              <a:schemeClr val="bg1">
-                <a:lumMod val="50000"/>
-              </a:schemeClr>
-            </a:solidFill>
-          </a:ln>
-        </p:spPr>
-        <p:style>
-          <a:lnRef idx="1">
-            <a:schemeClr val="accent1"/>
-          </a:lnRef>
-          <a:fillRef idx="0">
-            <a:schemeClr val="accent1"/>
-          </a:fillRef>
-          <a:effectRef idx="0">
-            <a:schemeClr val="accent1"/>
-          </a:effectRef>
-          <a:fontRef idx="minor">
-            <a:schemeClr val="tx1"/>
-          </a:fontRef>
-        </p:style>
-      </p:cxnSp>
-      <p:sp>
-        <p:nvSpPr>
-          <p:cNvPr id="20" name="Oval 19"/>
-          <p:cNvSpPr/>
-          <p:nvPr/>
-        </p:nvSpPr>
-        <p:spPr>
-          <a:xfrm>
-            <a:off x="5736922" y="8552783"/>
-            <a:ext cx="152400" cy="152400"/>
-          </a:xfrm>
-          <a:prstGeom prst="ellipse">
-            <a:avLst/>
-          </a:prstGeom>
-          <a:solidFill>
-            <a:schemeClr val="tx1">
-              <a:lumMod val="50000"/>
-              <a:lumOff val="50000"/>
-            </a:schemeClr>
-          </a:solidFill>
-          <a:ln>
-            <a:solidFill>
-              <a:schemeClr val="bg1">
-                <a:lumMod val="50000"/>
-              </a:schemeClr>
-            </a:solidFill>
-          </a:ln>
-        </p:spPr>
-        <p:style>
-          <a:lnRef idx="2">
-            <a:schemeClr val="accent1">
-              <a:shade val="50000"/>
-            </a:schemeClr>
-          </a:lnRef>
-          <a:fillRef idx="1">
-            <a:schemeClr val="accent1"/>
-          </a:fillRef>
-          <a:effectRef idx="0">
-            <a:schemeClr val="accent1"/>
-          </a:effectRef>
-          <a:fontRef idx="minor">
-            <a:schemeClr val="lt1"/>
-          </a:fontRef>
-        </p:style>
-        <p:txBody>
-          <a:bodyPr rtlCol="0" anchor="ctr"/>
-          <a:lstStyle/>
-          <a:p>
-            <a:pPr algn="ctr"/>
-            <a:endParaRPr lang="en-US"/>
-          </a:p>
-        </p:txBody>
-      </p:sp>
-      <p:cxnSp>
-        <p:nvCxnSpPr>
-          <p:cNvPr id="28" name="Straight Connector 27"/>
-          <p:cNvCxnSpPr/>
-          <p:nvPr/>
-        </p:nvCxnSpPr>
-        <p:spPr>
-          <a:xfrm>
-            <a:off x="4114270" y="8984192"/>
-            <a:ext cx="1400820" cy="0"/>
-          </a:xfrm>
-          <a:prstGeom prst="line">
-            <a:avLst/>
-          </a:prstGeom>
-          <a:ln>
-            <a:solidFill>
-              <a:schemeClr val="bg1">
-                <a:lumMod val="50000"/>
-              </a:schemeClr>
-            </a:solidFill>
-          </a:ln>
-        </p:spPr>
-        <p:style>
-          <a:lnRef idx="1">
-            <a:schemeClr val="accent1"/>
-          </a:lnRef>
-          <a:fillRef idx="0">
-            <a:schemeClr val="accent1"/>
-          </a:fillRef>
-          <a:effectRef idx="0">
-            <a:schemeClr val="accent1"/>
-          </a:effectRef>
-          <a:fontRef idx="minor">
-            <a:schemeClr val="tx1"/>
-          </a:fontRef>
-        </p:style>
-      </p:cxnSp>
-      <p:sp>
-        <p:nvSpPr>
-          <p:cNvPr id="29" name="Oval 28"/>
-          <p:cNvSpPr/>
-          <p:nvPr/>
-        </p:nvSpPr>
-        <p:spPr>
-          <a:xfrm>
-            <a:off x="4738480" y="8907992"/>
-            <a:ext cx="152400" cy="152400"/>
-          </a:xfrm>
-          <a:prstGeom prst="ellipse">
-            <a:avLst/>
-          </a:prstGeom>
-          <a:solidFill>
-            <a:schemeClr val="tx1">
-              <a:lumMod val="50000"/>
-              <a:lumOff val="50000"/>
-            </a:schemeClr>
-          </a:solidFill>
-          <a:ln>
-            <a:solidFill>
-              <a:schemeClr val="bg1">
-                <a:lumMod val="50000"/>
-              </a:schemeClr>
-            </a:solidFill>
-          </a:ln>
-        </p:spPr>
-        <p:style>
-          <a:lnRef idx="2">
-            <a:schemeClr val="accent1">
-              <a:shade val="50000"/>
-            </a:schemeClr>
-          </a:lnRef>
-          <a:fillRef idx="1">
-            <a:schemeClr val="accent1"/>
-          </a:fillRef>
-          <a:effectRef idx="0">
-            <a:schemeClr val="accent1"/>
-          </a:effectRef>
-          <a:fontRef idx="minor">
-            <a:schemeClr val="lt1"/>
-          </a:fontRef>
-        </p:style>
-        <p:txBody>
-          <a:bodyPr rtlCol="0" anchor="ctr"/>
-          <a:lstStyle/>
-          <a:p>
-            <a:pPr algn="ctr"/>
-            <a:endParaRPr lang="en-US"/>
-          </a:p>
-        </p:txBody>
-      </p:sp>
-      <p:sp>
-        <p:nvSpPr>
-          <p:cNvPr id="21" name="TextBox 20"/>
-          <p:cNvSpPr txBox="1"/>
-          <p:nvPr/>
-        </p:nvSpPr>
-        <p:spPr>
-          <a:xfrm>
-            <a:off x="5622416" y="8153400"/>
-            <a:ext cx="385042" cy="369332"/>
-          </a:xfrm>
-          <a:prstGeom prst="rect">
-            <a:avLst/>
-          </a:prstGeom>
-          <a:noFill/>
-        </p:spPr>
-        <p:txBody>
-          <a:bodyPr wrap="none" rtlCol="0">
-            <a:spAutoFit/>
-          </a:bodyPr>
-          <a:lstStyle/>
-          <a:p>
-            <a:r>
-              <a:rPr lang="en-US" dirty="0">
-                <a:solidFill>
-                  <a:schemeClr val="tx1">
-                    <a:lumMod val="50000"/>
-                    <a:lumOff val="50000"/>
-                  </a:schemeClr>
-                </a:solidFill>
-              </a:rPr>
-              <a:t>b</a:t>
-            </a:r>
-            <a:r>
-              <a:rPr lang="en-US" baseline="-25000" dirty="0">
-                <a:solidFill>
-                  <a:schemeClr val="tx1">
-                    <a:lumMod val="50000"/>
-                    <a:lumOff val="50000"/>
-                  </a:schemeClr>
-                </a:solidFill>
-              </a:rPr>
-              <a:t>1</a:t>
-            </a:r>
-          </a:p>
-        </p:txBody>
-      </p:sp>
-      <p:sp>
-        <p:nvSpPr>
-          <p:cNvPr id="31" name="TextBox 30"/>
-          <p:cNvSpPr txBox="1"/>
-          <p:nvPr/>
-        </p:nvSpPr>
-        <p:spPr>
-          <a:xfrm>
-            <a:off x="4622159" y="8500560"/>
-            <a:ext cx="385042" cy="369332"/>
-          </a:xfrm>
-          <a:prstGeom prst="rect">
-            <a:avLst/>
-          </a:prstGeom>
-          <a:noFill/>
-        </p:spPr>
-        <p:txBody>
-          <a:bodyPr wrap="none" rtlCol="0">
-            <a:spAutoFit/>
-          </a:bodyPr>
-          <a:lstStyle/>
-          <a:p>
-            <a:r>
-              <a:rPr lang="en-US" dirty="0">
-                <a:solidFill>
-                  <a:schemeClr val="tx1">
-                    <a:lumMod val="50000"/>
-                    <a:lumOff val="50000"/>
-                  </a:schemeClr>
-                </a:solidFill>
-              </a:rPr>
-              <a:t>b</a:t>
-            </a:r>
-            <a:r>
-              <a:rPr lang="en-US" baseline="-25000" dirty="0">
-                <a:solidFill>
-                  <a:schemeClr val="tx1">
-                    <a:lumMod val="50000"/>
-                    <a:lumOff val="50000"/>
-                  </a:schemeClr>
-                </a:solidFill>
-              </a:rPr>
-              <a:t>1</a:t>
-            </a:r>
-          </a:p>
-        </p:txBody>
-      </p:sp>
-      <p:sp>
-        <p:nvSpPr>
-          <p:cNvPr id="32" name="TextBox 31"/>
-          <p:cNvSpPr txBox="1"/>
-          <p:nvPr/>
-        </p:nvSpPr>
-        <p:spPr>
-          <a:xfrm>
-            <a:off x="5087663" y="9220776"/>
-            <a:ext cx="393056" cy="369332"/>
-          </a:xfrm>
-          <a:prstGeom prst="rect">
-            <a:avLst/>
-          </a:prstGeom>
-          <a:noFill/>
-        </p:spPr>
-        <p:txBody>
-          <a:bodyPr wrap="none" rtlCol="0">
-            <a:spAutoFit/>
-          </a:bodyPr>
-          <a:lstStyle/>
-          <a:p>
-            <a:r>
-              <a:rPr lang="en-US" b="1" i="1" dirty="0">
-                <a:solidFill>
-                  <a:schemeClr val="accent6">
-                    <a:lumMod val="75000"/>
-                  </a:schemeClr>
-                </a:solidFill>
-              </a:rPr>
-              <a:t>B</a:t>
-            </a:r>
-            <a:r>
-              <a:rPr lang="en-US" b="1" baseline="-25000" dirty="0">
-                <a:solidFill>
-                  <a:schemeClr val="accent6">
-                    <a:lumMod val="75000"/>
-                  </a:schemeClr>
-                </a:solidFill>
-              </a:rPr>
-              <a:t>1</a:t>
-            </a:r>
-          </a:p>
-        </p:txBody>
-      </p:sp>
-    </p:spTree>
-    <p:extLst>
-      <p:ext uri="{BB962C8B-B14F-4D97-AF65-F5344CB8AC3E}">
-        <p14:creationId xmlns:p14="http://schemas.microsoft.com/office/powerpoint/2010/main" val="1778238731"/>
-      </p:ext>
-    </p:extLst>
-  </p:cSld>
-  <p:clrMapOvr>
-    <a:masterClrMapping/>
-  </p:clrMapOvr>
-</p:sld>
-</file>
-
 <file path=ppt/slides/slide4.xml><?xml version="1.0" encoding="utf-8"?>
 <p:sld xmlns:a="http://schemas.openxmlformats.org/drawingml/2006/main" xmlns:r="http://schemas.openxmlformats.org/officeDocument/2006/relationships" xmlns:p="http://schemas.openxmlformats.org/presentationml/2006/main">
   <p:cSld>
@@ -28722,10 +29540,2351 @@
           <a:bodyPr/>
           <a:lstStyle/>
           <a:p>
+            <a:pPr marL="0" marR="0" lvl="0" indent="0" algn="ctr" defTabSz="914400" rtl="0" eaLnBrk="1" fontAlgn="auto" latinLnBrk="0" hangingPunct="1">
+              <a:lnSpc>
+                <a:spcPct val="100000"/>
+              </a:lnSpc>
+              <a:spcBef>
+                <a:spcPts val="0"/>
+              </a:spcBef>
+              <a:spcAft>
+                <a:spcPts val="0"/>
+              </a:spcAft>
+              <a:buClrTx/>
+              <a:buSzTx/>
+              <a:buFontTx/>
+              <a:buNone/>
+              <a:tabLst/>
+              <a:defRPr/>
+            </a:pPr>
+            <a:fld id="{8A2A4A19-B384-42F8-8C0D-94C30AAB39F2}" type="slidenum">
+              <a:rPr kumimoji="0" lang="en-US" sz="1400" b="1" i="0" u="none" strike="noStrike" kern="1200" cap="none" spc="0" normalizeH="0" baseline="0" noProof="0" smtClean="0">
+                <a:ln>
+                  <a:noFill/>
+                </a:ln>
+                <a:solidFill>
+                  <a:prstClr val="white"/>
+                </a:solidFill>
+                <a:effectLst/>
+                <a:uLnTx/>
+                <a:uFillTx/>
+                <a:latin typeface="Arial Black" panose="020B0A04020102020204" pitchFamily="34" charset="0"/>
+                <a:ea typeface="+mn-ea"/>
+                <a:cs typeface="+mn-cs"/>
+              </a:rPr>
+              <a:pPr marL="0" marR="0" lvl="0" indent="0" algn="ctr" defTabSz="914400" rtl="0" eaLnBrk="1" fontAlgn="auto" latinLnBrk="0" hangingPunct="1">
+                <a:lnSpc>
+                  <a:spcPct val="100000"/>
+                </a:lnSpc>
+                <a:spcBef>
+                  <a:spcPts val="0"/>
+                </a:spcBef>
+                <a:spcAft>
+                  <a:spcPts val="0"/>
+                </a:spcAft>
+                <a:buClrTx/>
+                <a:buSzTx/>
+                <a:buFontTx/>
+                <a:buNone/>
+                <a:tabLst/>
+                <a:defRPr/>
+              </a:pPr>
+              <a:t>4</a:t>
+            </a:fld>
+            <a:endParaRPr kumimoji="0" lang="en-US" sz="1400" b="1" i="0" u="none" strike="noStrike" kern="1200" cap="none" spc="0" normalizeH="0" baseline="0" noProof="0">
+              <a:ln>
+                <a:noFill/>
+              </a:ln>
+              <a:solidFill>
+                <a:prstClr val="white"/>
+              </a:solidFill>
+              <a:effectLst/>
+              <a:uLnTx/>
+              <a:uFillTx/>
+              <a:latin typeface="Arial Black" panose="020B0A04020102020204" pitchFamily="34" charset="0"/>
+              <a:ea typeface="+mn-ea"/>
+              <a:cs typeface="+mn-cs"/>
+            </a:endParaRPr>
+          </a:p>
+        </p:txBody>
+      </p:sp>
+      <p:sp>
+        <p:nvSpPr>
+          <p:cNvPr id="3" name="TextBox 2"/>
+          <p:cNvSpPr txBox="1"/>
+          <p:nvPr/>
+        </p:nvSpPr>
+        <p:spPr>
+          <a:xfrm>
+            <a:off x="3585721" y="152400"/>
+            <a:ext cx="2967479" cy="461665"/>
+          </a:xfrm>
+          <a:prstGeom prst="rect">
+            <a:avLst/>
+          </a:prstGeom>
+          <a:noFill/>
+        </p:spPr>
+        <p:txBody>
+          <a:bodyPr wrap="none" rtlCol="0">
+            <a:spAutoFit/>
+          </a:bodyPr>
+          <a:lstStyle/>
+          <a:p>
+            <a:pPr marL="0" marR="0" lvl="0" indent="0" algn="l" defTabSz="914400" rtl="0" eaLnBrk="1" fontAlgn="auto" latinLnBrk="0" hangingPunct="1">
+              <a:lnSpc>
+                <a:spcPct val="100000"/>
+              </a:lnSpc>
+              <a:spcBef>
+                <a:spcPts val="0"/>
+              </a:spcBef>
+              <a:spcAft>
+                <a:spcPts val="0"/>
+              </a:spcAft>
+              <a:buClrTx/>
+              <a:buSzTx/>
+              <a:buFontTx/>
+              <a:buNone/>
+              <a:tabLst/>
+              <a:defRPr/>
+            </a:pPr>
+            <a:r>
+              <a:rPr kumimoji="0" lang="en-US" sz="2400" b="0" i="0" u="none" strike="noStrike" kern="1200" cap="small" spc="0" normalizeH="0" baseline="0" noProof="0" dirty="0">
+                <a:ln>
+                  <a:noFill/>
+                </a:ln>
+                <a:solidFill>
+                  <a:prstClr val="white">
+                    <a:lumMod val="65000"/>
+                  </a:prstClr>
+                </a:solidFill>
+                <a:effectLst/>
+                <a:uLnTx/>
+                <a:uFillTx/>
+                <a:latin typeface="Arial" panose="020B0604020202020204" pitchFamily="34" charset="0"/>
+                <a:ea typeface="+mn-ea"/>
+                <a:cs typeface="Arial" panose="020B0604020202020204" pitchFamily="34" charset="0"/>
+              </a:rPr>
+              <a:t>Regression Review</a:t>
+            </a:r>
+          </a:p>
+        </p:txBody>
+      </p:sp>
+      <p:sp>
+        <p:nvSpPr>
+          <p:cNvPr id="4" name="Title 1"/>
+          <p:cNvSpPr txBox="1">
+            <a:spLocks/>
+          </p:cNvSpPr>
+          <p:nvPr/>
+        </p:nvSpPr>
+        <p:spPr>
+          <a:xfrm>
+            <a:off x="552450" y="1295400"/>
+            <a:ext cx="6606540" cy="1599776"/>
+          </a:xfrm>
+          <a:prstGeom prst="rect">
+            <a:avLst/>
+          </a:prstGeom>
+        </p:spPr>
+        <p:txBody>
+          <a:bodyPr>
+            <a:normAutofit fontScale="90000" lnSpcReduction="20000"/>
+          </a:bodyPr>
+          <a:lstStyle>
+            <a:lvl1pPr algn="ctr" defTabSz="914400" rtl="0" eaLnBrk="1" latinLnBrk="0" hangingPunct="1">
+              <a:spcBef>
+                <a:spcPct val="0"/>
+              </a:spcBef>
+              <a:buNone/>
+              <a:defRPr sz="4400" kern="1200">
+                <a:solidFill>
+                  <a:schemeClr val="tx1"/>
+                </a:solidFill>
+                <a:latin typeface="+mj-lt"/>
+                <a:ea typeface="+mj-ea"/>
+                <a:cs typeface="+mj-cs"/>
+              </a:defRPr>
+            </a:lvl1pPr>
+          </a:lstStyle>
+          <a:p>
+            <a:pPr marL="0" marR="0" lvl="0" indent="0" algn="ctr" defTabSz="914400" rtl="0" eaLnBrk="1" fontAlgn="auto" latinLnBrk="0" hangingPunct="1">
+              <a:lnSpc>
+                <a:spcPct val="100000"/>
+              </a:lnSpc>
+              <a:spcBef>
+                <a:spcPct val="0"/>
+              </a:spcBef>
+              <a:spcAft>
+                <a:spcPts val="0"/>
+              </a:spcAft>
+              <a:buClrTx/>
+              <a:buSzTx/>
+              <a:buFontTx/>
+              <a:buNone/>
+              <a:tabLst/>
+              <a:defRPr/>
+            </a:pPr>
+            <a:br>
+              <a:rPr kumimoji="0" lang="en-US" sz="4400" b="0" i="0" u="none" strike="noStrike" kern="1200" cap="none" spc="0" normalizeH="0" baseline="0" noProof="0" dirty="0">
+                <a:ln>
+                  <a:noFill/>
+                </a:ln>
+                <a:solidFill>
+                  <a:prstClr val="black">
+                    <a:lumMod val="50000"/>
+                    <a:lumOff val="50000"/>
+                  </a:prstClr>
+                </a:solidFill>
+                <a:effectLst/>
+                <a:uLnTx/>
+                <a:uFillTx/>
+                <a:latin typeface="Stencil" panose="040409050D0802020404" pitchFamily="82" charset="0"/>
+                <a:ea typeface="+mj-ea"/>
+                <a:cs typeface="Arial" panose="020B0604020202020204" pitchFamily="34" charset="0"/>
+              </a:rPr>
+            </a:br>
+            <a:r>
+              <a:rPr kumimoji="0" lang="en-US" sz="4400" b="0" i="0" u="none" strike="noStrike" kern="1200" cap="none" spc="0" normalizeH="0" baseline="0" noProof="0" dirty="0">
+                <a:ln>
+                  <a:noFill/>
+                </a:ln>
+                <a:solidFill>
+                  <a:srgbClr val="F79646">
+                    <a:lumMod val="75000"/>
+                  </a:srgbClr>
+                </a:solidFill>
+                <a:effectLst/>
+                <a:uLnTx/>
+                <a:uFillTx/>
+                <a:latin typeface="Stencil" panose="040409050D0802020404" pitchFamily="82" charset="0"/>
+                <a:ea typeface="+mj-ea"/>
+                <a:cs typeface="Arial" panose="020B0604020202020204" pitchFamily="34" charset="0"/>
+              </a:rPr>
+              <a:t>Variance</a:t>
+            </a:r>
+            <a:br>
+              <a:rPr kumimoji="0" lang="en-US" sz="4400" b="0" i="0" u="none" strike="noStrike" kern="1200" cap="none" spc="0" normalizeH="0" baseline="0" noProof="0" dirty="0">
+                <a:ln>
+                  <a:noFill/>
+                </a:ln>
+                <a:solidFill>
+                  <a:prstClr val="black">
+                    <a:lumMod val="50000"/>
+                    <a:lumOff val="50000"/>
+                  </a:prstClr>
+                </a:solidFill>
+                <a:effectLst/>
+                <a:uLnTx/>
+                <a:uFillTx/>
+                <a:latin typeface="Stencil" panose="040409050D0802020404" pitchFamily="82" charset="0"/>
+                <a:ea typeface="+mj-ea"/>
+                <a:cs typeface="Arial" panose="020B0604020202020204" pitchFamily="34" charset="0"/>
+              </a:rPr>
+            </a:br>
+            <a:endParaRPr kumimoji="0" lang="en-US" sz="4400" b="0" i="0" u="none" strike="noStrike" kern="1200" cap="none" spc="0" normalizeH="0" baseline="0" noProof="0" dirty="0">
+              <a:ln>
+                <a:noFill/>
+              </a:ln>
+              <a:solidFill>
+                <a:prstClr val="black"/>
+              </a:solidFill>
+              <a:effectLst/>
+              <a:uLnTx/>
+              <a:uFillTx/>
+              <a:latin typeface="Calibri"/>
+              <a:ea typeface="+mj-ea"/>
+              <a:cs typeface="+mj-cs"/>
+            </a:endParaRPr>
+          </a:p>
+        </p:txBody>
+      </p:sp>
+      <p:cxnSp>
+        <p:nvCxnSpPr>
+          <p:cNvPr id="17" name="Straight Arrow Connector 16"/>
+          <p:cNvCxnSpPr/>
+          <p:nvPr/>
+        </p:nvCxnSpPr>
+        <p:spPr>
+          <a:xfrm rot="10800000">
+            <a:off x="1921001" y="5829299"/>
+            <a:ext cx="685800" cy="152400"/>
+          </a:xfrm>
+          <a:prstGeom prst="straightConnector1">
+            <a:avLst/>
+          </a:prstGeom>
+          <a:ln w="12700">
+            <a:solidFill>
+              <a:schemeClr val="tx1">
+                <a:lumMod val="50000"/>
+                <a:lumOff val="50000"/>
+              </a:schemeClr>
+            </a:solidFill>
+            <a:tailEnd type="arrow"/>
+          </a:ln>
+        </p:spPr>
+        <p:style>
+          <a:lnRef idx="1">
+            <a:schemeClr val="accent1"/>
+          </a:lnRef>
+          <a:fillRef idx="0">
+            <a:schemeClr val="accent1"/>
+          </a:fillRef>
+          <a:effectRef idx="0">
+            <a:schemeClr val="accent1"/>
+          </a:effectRef>
+          <a:fontRef idx="minor">
+            <a:schemeClr val="tx1"/>
+          </a:fontRef>
+        </p:style>
+      </p:cxnSp>
+      <p:sp>
+        <p:nvSpPr>
+          <p:cNvPr id="18" name="Oval 17"/>
+          <p:cNvSpPr/>
+          <p:nvPr/>
+        </p:nvSpPr>
+        <p:spPr>
+          <a:xfrm>
+            <a:off x="1692401" y="5676899"/>
+            <a:ext cx="152400" cy="152400"/>
+          </a:xfrm>
+          <a:prstGeom prst="ellipse">
+            <a:avLst/>
+          </a:prstGeom>
+          <a:solidFill>
+            <a:schemeClr val="tx1">
+              <a:lumMod val="50000"/>
+              <a:lumOff val="50000"/>
+            </a:schemeClr>
+          </a:solidFill>
+          <a:ln>
+            <a:solidFill>
+              <a:schemeClr val="accent6">
+                <a:lumMod val="75000"/>
+              </a:schemeClr>
+            </a:solidFill>
+          </a:ln>
+        </p:spPr>
+        <p:style>
+          <a:lnRef idx="2">
+            <a:schemeClr val="accent1">
+              <a:shade val="50000"/>
+            </a:schemeClr>
+          </a:lnRef>
+          <a:fillRef idx="1">
+            <a:schemeClr val="accent1"/>
+          </a:fillRef>
+          <a:effectRef idx="0">
+            <a:schemeClr val="accent1"/>
+          </a:effectRef>
+          <a:fontRef idx="minor">
+            <a:schemeClr val="lt1"/>
+          </a:fontRef>
+        </p:style>
+        <p:txBody>
+          <a:bodyPr rtlCol="0" anchor="ctr"/>
+          <a:lstStyle/>
+          <a:p>
+            <a:pPr marL="0" marR="0" lvl="0" indent="0" algn="ctr" defTabSz="914400" rtl="0" eaLnBrk="1" fontAlgn="auto" latinLnBrk="0" hangingPunct="1">
+              <a:lnSpc>
+                <a:spcPct val="100000"/>
+              </a:lnSpc>
+              <a:spcBef>
+                <a:spcPts val="0"/>
+              </a:spcBef>
+              <a:spcAft>
+                <a:spcPts val="0"/>
+              </a:spcAft>
+              <a:buClrTx/>
+              <a:buSzTx/>
+              <a:buFontTx/>
+              <a:buNone/>
+              <a:tabLst/>
+              <a:defRPr/>
+            </a:pPr>
+            <a:endParaRPr kumimoji="0" lang="en-US" sz="1800" b="0" i="0" u="none" strike="noStrike" kern="1200" cap="none" spc="0" normalizeH="0" baseline="0" noProof="0">
+              <a:ln>
+                <a:noFill/>
+              </a:ln>
+              <a:solidFill>
+                <a:prstClr val="white"/>
+              </a:solidFill>
+              <a:effectLst/>
+              <a:uLnTx/>
+              <a:uFillTx/>
+              <a:latin typeface="Calibri"/>
+              <a:ea typeface="+mn-ea"/>
+              <a:cs typeface="+mn-cs"/>
+            </a:endParaRPr>
+          </a:p>
+        </p:txBody>
+      </p:sp>
+      <p:cxnSp>
+        <p:nvCxnSpPr>
+          <p:cNvPr id="19" name="Straight Arrow Connector 18"/>
+          <p:cNvCxnSpPr/>
+          <p:nvPr/>
+        </p:nvCxnSpPr>
+        <p:spPr>
+          <a:xfrm rot="5400000">
+            <a:off x="2111501" y="6095999"/>
+            <a:ext cx="609600" cy="381000"/>
+          </a:xfrm>
+          <a:prstGeom prst="straightConnector1">
+            <a:avLst/>
+          </a:prstGeom>
+          <a:ln w="12700">
+            <a:solidFill>
+              <a:schemeClr val="tx1">
+                <a:lumMod val="50000"/>
+                <a:lumOff val="50000"/>
+              </a:schemeClr>
+            </a:solidFill>
+            <a:tailEnd type="arrow"/>
+          </a:ln>
+        </p:spPr>
+        <p:style>
+          <a:lnRef idx="1">
+            <a:schemeClr val="accent1"/>
+          </a:lnRef>
+          <a:fillRef idx="0">
+            <a:schemeClr val="accent1"/>
+          </a:fillRef>
+          <a:effectRef idx="0">
+            <a:schemeClr val="accent1"/>
+          </a:effectRef>
+          <a:fontRef idx="minor">
+            <a:schemeClr val="tx1"/>
+          </a:fontRef>
+        </p:style>
+      </p:cxnSp>
+      <p:sp>
+        <p:nvSpPr>
+          <p:cNvPr id="20" name="Oval 19"/>
+          <p:cNvSpPr/>
+          <p:nvPr/>
+        </p:nvSpPr>
+        <p:spPr>
+          <a:xfrm>
+            <a:off x="2073401" y="6667499"/>
+            <a:ext cx="152400" cy="152400"/>
+          </a:xfrm>
+          <a:prstGeom prst="ellipse">
+            <a:avLst/>
+          </a:prstGeom>
+          <a:solidFill>
+            <a:schemeClr val="tx1">
+              <a:lumMod val="50000"/>
+              <a:lumOff val="50000"/>
+            </a:schemeClr>
+          </a:solidFill>
+          <a:ln>
+            <a:solidFill>
+              <a:schemeClr val="accent6">
+                <a:lumMod val="75000"/>
+              </a:schemeClr>
+            </a:solidFill>
+          </a:ln>
+        </p:spPr>
+        <p:style>
+          <a:lnRef idx="2">
+            <a:schemeClr val="accent1">
+              <a:shade val="50000"/>
+            </a:schemeClr>
+          </a:lnRef>
+          <a:fillRef idx="1">
+            <a:schemeClr val="accent1"/>
+          </a:fillRef>
+          <a:effectRef idx="0">
+            <a:schemeClr val="accent1"/>
+          </a:effectRef>
+          <a:fontRef idx="minor">
+            <a:schemeClr val="lt1"/>
+          </a:fontRef>
+        </p:style>
+        <p:txBody>
+          <a:bodyPr rtlCol="0" anchor="ctr"/>
+          <a:lstStyle/>
+          <a:p>
+            <a:pPr marL="0" marR="0" lvl="0" indent="0" algn="ctr" defTabSz="914400" rtl="0" eaLnBrk="1" fontAlgn="auto" latinLnBrk="0" hangingPunct="1">
+              <a:lnSpc>
+                <a:spcPct val="100000"/>
+              </a:lnSpc>
+              <a:spcBef>
+                <a:spcPts val="0"/>
+              </a:spcBef>
+              <a:spcAft>
+                <a:spcPts val="0"/>
+              </a:spcAft>
+              <a:buClrTx/>
+              <a:buSzTx/>
+              <a:buFontTx/>
+              <a:buNone/>
+              <a:tabLst/>
+              <a:defRPr/>
+            </a:pPr>
+            <a:endParaRPr kumimoji="0" lang="en-US" sz="1800" b="0" i="0" u="none" strike="noStrike" kern="1200" cap="none" spc="0" normalizeH="0" baseline="0" noProof="0">
+              <a:ln>
+                <a:noFill/>
+              </a:ln>
+              <a:solidFill>
+                <a:prstClr val="white"/>
+              </a:solidFill>
+              <a:effectLst/>
+              <a:uLnTx/>
+              <a:uFillTx/>
+              <a:latin typeface="Calibri"/>
+              <a:ea typeface="+mn-ea"/>
+              <a:cs typeface="+mn-cs"/>
+            </a:endParaRPr>
+          </a:p>
+        </p:txBody>
+      </p:sp>
+      <p:cxnSp>
+        <p:nvCxnSpPr>
+          <p:cNvPr id="21" name="Straight Arrow Connector 20"/>
+          <p:cNvCxnSpPr/>
+          <p:nvPr/>
+        </p:nvCxnSpPr>
+        <p:spPr>
+          <a:xfrm rot="10800000">
+            <a:off x="1540001" y="5067299"/>
+            <a:ext cx="1066800" cy="914400"/>
+          </a:xfrm>
+          <a:prstGeom prst="straightConnector1">
+            <a:avLst/>
+          </a:prstGeom>
+          <a:ln w="12700">
+            <a:solidFill>
+              <a:schemeClr val="tx1">
+                <a:lumMod val="50000"/>
+                <a:lumOff val="50000"/>
+              </a:schemeClr>
+            </a:solidFill>
+            <a:tailEnd type="arrow"/>
+          </a:ln>
+        </p:spPr>
+        <p:style>
+          <a:lnRef idx="1">
+            <a:schemeClr val="accent1"/>
+          </a:lnRef>
+          <a:fillRef idx="0">
+            <a:schemeClr val="accent1"/>
+          </a:fillRef>
+          <a:effectRef idx="0">
+            <a:schemeClr val="accent1"/>
+          </a:effectRef>
+          <a:fontRef idx="minor">
+            <a:schemeClr val="tx1"/>
+          </a:fontRef>
+        </p:style>
+      </p:cxnSp>
+      <p:sp>
+        <p:nvSpPr>
+          <p:cNvPr id="22" name="Oval 21"/>
+          <p:cNvSpPr/>
+          <p:nvPr/>
+        </p:nvSpPr>
+        <p:spPr>
+          <a:xfrm>
+            <a:off x="1311401" y="4838699"/>
+            <a:ext cx="152400" cy="152400"/>
+          </a:xfrm>
+          <a:prstGeom prst="ellipse">
+            <a:avLst/>
+          </a:prstGeom>
+          <a:solidFill>
+            <a:schemeClr val="tx1">
+              <a:lumMod val="50000"/>
+              <a:lumOff val="50000"/>
+            </a:schemeClr>
+          </a:solidFill>
+          <a:ln>
+            <a:solidFill>
+              <a:schemeClr val="accent6">
+                <a:lumMod val="75000"/>
+              </a:schemeClr>
+            </a:solidFill>
+          </a:ln>
+        </p:spPr>
+        <p:style>
+          <a:lnRef idx="2">
+            <a:schemeClr val="accent1">
+              <a:shade val="50000"/>
+            </a:schemeClr>
+          </a:lnRef>
+          <a:fillRef idx="1">
+            <a:schemeClr val="accent1"/>
+          </a:fillRef>
+          <a:effectRef idx="0">
+            <a:schemeClr val="accent1"/>
+          </a:effectRef>
+          <a:fontRef idx="minor">
+            <a:schemeClr val="lt1"/>
+          </a:fontRef>
+        </p:style>
+        <p:txBody>
+          <a:bodyPr rtlCol="0" anchor="ctr"/>
+          <a:lstStyle/>
+          <a:p>
+            <a:pPr marL="0" marR="0" lvl="0" indent="0" algn="ctr" defTabSz="914400" rtl="0" eaLnBrk="1" fontAlgn="auto" latinLnBrk="0" hangingPunct="1">
+              <a:lnSpc>
+                <a:spcPct val="100000"/>
+              </a:lnSpc>
+              <a:spcBef>
+                <a:spcPts val="0"/>
+              </a:spcBef>
+              <a:spcAft>
+                <a:spcPts val="0"/>
+              </a:spcAft>
+              <a:buClrTx/>
+              <a:buSzTx/>
+              <a:buFontTx/>
+              <a:buNone/>
+              <a:tabLst/>
+              <a:defRPr/>
+            </a:pPr>
+            <a:endParaRPr kumimoji="0" lang="en-US" sz="1800" b="0" i="0" u="none" strike="noStrike" kern="1200" cap="none" spc="0" normalizeH="0" baseline="0" noProof="0">
+              <a:ln>
+                <a:noFill/>
+              </a:ln>
+              <a:solidFill>
+                <a:prstClr val="white"/>
+              </a:solidFill>
+              <a:effectLst/>
+              <a:uLnTx/>
+              <a:uFillTx/>
+              <a:latin typeface="Calibri"/>
+              <a:ea typeface="+mn-ea"/>
+              <a:cs typeface="+mn-cs"/>
+            </a:endParaRPr>
+          </a:p>
+        </p:txBody>
+      </p:sp>
+      <p:cxnSp>
+        <p:nvCxnSpPr>
+          <p:cNvPr id="23" name="Straight Arrow Connector 22"/>
+          <p:cNvCxnSpPr/>
+          <p:nvPr/>
+        </p:nvCxnSpPr>
+        <p:spPr>
+          <a:xfrm rot="16200000" flipH="1">
+            <a:off x="2302001" y="6286499"/>
+            <a:ext cx="838200" cy="228600"/>
+          </a:xfrm>
+          <a:prstGeom prst="straightConnector1">
+            <a:avLst/>
+          </a:prstGeom>
+          <a:ln w="12700">
+            <a:solidFill>
+              <a:schemeClr val="tx1">
+                <a:lumMod val="50000"/>
+                <a:lumOff val="50000"/>
+              </a:schemeClr>
+            </a:solidFill>
+            <a:tailEnd type="arrow"/>
+          </a:ln>
+        </p:spPr>
+        <p:style>
+          <a:lnRef idx="1">
+            <a:schemeClr val="accent1"/>
+          </a:lnRef>
+          <a:fillRef idx="0">
+            <a:schemeClr val="accent1"/>
+          </a:fillRef>
+          <a:effectRef idx="0">
+            <a:schemeClr val="accent1"/>
+          </a:effectRef>
+          <a:fontRef idx="minor">
+            <a:schemeClr val="tx1"/>
+          </a:fontRef>
+        </p:style>
+      </p:cxnSp>
+      <p:sp>
+        <p:nvSpPr>
+          <p:cNvPr id="24" name="Oval 23"/>
+          <p:cNvSpPr/>
+          <p:nvPr/>
+        </p:nvSpPr>
+        <p:spPr>
+          <a:xfrm>
+            <a:off x="2835401" y="6896099"/>
+            <a:ext cx="152400" cy="152400"/>
+          </a:xfrm>
+          <a:prstGeom prst="ellipse">
+            <a:avLst/>
+          </a:prstGeom>
+          <a:solidFill>
+            <a:schemeClr val="tx1">
+              <a:lumMod val="50000"/>
+              <a:lumOff val="50000"/>
+            </a:schemeClr>
+          </a:solidFill>
+          <a:ln>
+            <a:solidFill>
+              <a:schemeClr val="accent6">
+                <a:lumMod val="75000"/>
+              </a:schemeClr>
+            </a:solidFill>
+          </a:ln>
+        </p:spPr>
+        <p:style>
+          <a:lnRef idx="2">
+            <a:schemeClr val="accent1">
+              <a:shade val="50000"/>
+            </a:schemeClr>
+          </a:lnRef>
+          <a:fillRef idx="1">
+            <a:schemeClr val="accent1"/>
+          </a:fillRef>
+          <a:effectRef idx="0">
+            <a:schemeClr val="accent1"/>
+          </a:effectRef>
+          <a:fontRef idx="minor">
+            <a:schemeClr val="lt1"/>
+          </a:fontRef>
+        </p:style>
+        <p:txBody>
+          <a:bodyPr rtlCol="0" anchor="ctr"/>
+          <a:lstStyle/>
+          <a:p>
+            <a:pPr marL="0" marR="0" lvl="0" indent="0" algn="ctr" defTabSz="914400" rtl="0" eaLnBrk="1" fontAlgn="auto" latinLnBrk="0" hangingPunct="1">
+              <a:lnSpc>
+                <a:spcPct val="100000"/>
+              </a:lnSpc>
+              <a:spcBef>
+                <a:spcPts val="0"/>
+              </a:spcBef>
+              <a:spcAft>
+                <a:spcPts val="0"/>
+              </a:spcAft>
+              <a:buClrTx/>
+              <a:buSzTx/>
+              <a:buFontTx/>
+              <a:buNone/>
+              <a:tabLst/>
+              <a:defRPr/>
+            </a:pPr>
+            <a:endParaRPr kumimoji="0" lang="en-US" sz="1800" b="0" i="0" u="none" strike="noStrike" kern="1200" cap="none" spc="0" normalizeH="0" baseline="0" noProof="0">
+              <a:ln>
+                <a:noFill/>
+              </a:ln>
+              <a:solidFill>
+                <a:prstClr val="white"/>
+              </a:solidFill>
+              <a:effectLst/>
+              <a:uLnTx/>
+              <a:uFillTx/>
+              <a:latin typeface="Calibri"/>
+              <a:ea typeface="+mn-ea"/>
+              <a:cs typeface="+mn-cs"/>
+            </a:endParaRPr>
+          </a:p>
+        </p:txBody>
+      </p:sp>
+      <p:sp>
+        <p:nvSpPr>
+          <p:cNvPr id="27" name="TextBox 26"/>
+          <p:cNvSpPr txBox="1"/>
+          <p:nvPr/>
+        </p:nvSpPr>
+        <p:spPr>
+          <a:xfrm>
+            <a:off x="2378201" y="4882634"/>
+            <a:ext cx="669799" cy="369332"/>
+          </a:xfrm>
+          <a:prstGeom prst="rect">
+            <a:avLst/>
+          </a:prstGeom>
+          <a:noFill/>
+        </p:spPr>
+        <p:txBody>
+          <a:bodyPr wrap="none" rtlCol="0">
+            <a:spAutoFit/>
+          </a:bodyPr>
+          <a:lstStyle/>
+          <a:p>
+            <a:pPr marL="0" marR="0" lvl="0" indent="0" algn="l" defTabSz="914400" rtl="0" eaLnBrk="1" fontAlgn="auto" latinLnBrk="0" hangingPunct="1">
+              <a:lnSpc>
+                <a:spcPct val="100000"/>
+              </a:lnSpc>
+              <a:spcBef>
+                <a:spcPts val="0"/>
+              </a:spcBef>
+              <a:spcAft>
+                <a:spcPts val="0"/>
+              </a:spcAft>
+              <a:buClrTx/>
+              <a:buSzTx/>
+              <a:buFontTx/>
+              <a:buNone/>
+              <a:tabLst/>
+              <a:defRPr/>
+            </a:pPr>
+            <a:r>
+              <a:rPr kumimoji="0" lang="en-US" sz="1800" b="1" i="0" u="none" strike="noStrike" kern="1200" cap="none" spc="0" normalizeH="0" baseline="0" noProof="0" dirty="0">
+                <a:ln>
+                  <a:noFill/>
+                </a:ln>
+                <a:solidFill>
+                  <a:srgbClr val="F79646">
+                    <a:lumMod val="75000"/>
+                  </a:srgbClr>
+                </a:solidFill>
+                <a:effectLst/>
+                <a:uLnTx/>
+                <a:uFillTx/>
+                <a:latin typeface="Calibri"/>
+                <a:ea typeface="+mn-ea"/>
+                <a:cs typeface="+mn-cs"/>
+              </a:rPr>
+              <a:t>Larry</a:t>
+            </a:r>
+          </a:p>
+        </p:txBody>
+      </p:sp>
+      <p:pic>
+        <p:nvPicPr>
+          <p:cNvPr id="29" name="Picture 5" descr="http://www.sbsworldwide.com/_images/services/courier_services2.jpg"/>
+          <p:cNvPicPr>
+            <a:picLocks noChangeAspect="1" noChangeArrowheads="1"/>
+          </p:cNvPicPr>
+          <p:nvPr/>
+        </p:nvPicPr>
+        <p:blipFill>
+          <a:blip r:embed="rId2" cstate="print"/>
+          <a:srcRect/>
+          <a:stretch>
+            <a:fillRect/>
+          </a:stretch>
+        </p:blipFill>
+        <p:spPr bwMode="auto">
+          <a:xfrm>
+            <a:off x="2378201" y="5753099"/>
+            <a:ext cx="521238" cy="533400"/>
+          </a:xfrm>
+          <a:prstGeom prst="rect">
+            <a:avLst/>
+          </a:prstGeom>
+          <a:noFill/>
+        </p:spPr>
+      </p:pic>
+      <p:pic>
+        <p:nvPicPr>
+          <p:cNvPr id="30" name="Picture 4" descr="http://www.jadeesports.com.au/UserFiles/1998-Files/Image/Bike-rider.jpg"/>
+          <p:cNvPicPr>
+            <a:picLocks noChangeAspect="1" noChangeArrowheads="1"/>
+          </p:cNvPicPr>
+          <p:nvPr/>
+        </p:nvPicPr>
+        <p:blipFill>
+          <a:blip r:embed="rId3" cstate="print"/>
+          <a:srcRect/>
+          <a:stretch>
+            <a:fillRect/>
+          </a:stretch>
+        </p:blipFill>
+        <p:spPr bwMode="auto">
+          <a:xfrm rot="13349861" flipV="1">
+            <a:off x="1854084" y="4980234"/>
+            <a:ext cx="609600" cy="490119"/>
+          </a:xfrm>
+          <a:prstGeom prst="rect">
+            <a:avLst/>
+          </a:prstGeom>
+          <a:noFill/>
+        </p:spPr>
+      </p:pic>
+      <mc:AlternateContent xmlns:mc="http://schemas.openxmlformats.org/markup-compatibility/2006">
+        <mc:Choice xmlns:a14="http://schemas.microsoft.com/office/drawing/2010/main" Requires="a14">
+          <p:sp>
+            <p:nvSpPr>
+              <p:cNvPr id="31" name="Object 3"/>
+              <p:cNvSpPr txBox="1"/>
+              <p:nvPr/>
+            </p:nvSpPr>
+            <p:spPr bwMode="auto">
+              <a:xfrm>
+                <a:off x="4675106" y="7970127"/>
+                <a:ext cx="2117706" cy="535517"/>
+              </a:xfrm>
+              <a:prstGeom prst="rect">
+                <a:avLst/>
+              </a:prstGeom>
+              <a:noFill/>
+            </p:spPr>
+            <p:txBody>
+              <a:bodyPr>
+                <a:normAutofit/>
+              </a:bodyPr>
+              <a:lstStyle/>
+              <a:p>
+                <a:pPr/>
+                <a:r>
+                  <a:rPr lang="en-US" dirty="0">
+                    <a:solidFill>
+                      <a:srgbClr val="000000"/>
+                    </a:solidFill>
+                  </a:rPr>
+                  <a:t>3</a:t>
+                </a:r>
+                <a14:m>
+                  <m:oMath xmlns:m="http://schemas.openxmlformats.org/officeDocument/2006/math">
+                    <m:r>
+                      <a:rPr lang="en-US" i="1">
+                        <a:solidFill>
+                          <a:srgbClr val="000000"/>
+                        </a:solidFill>
+                        <a:latin typeface="Cambria Math" panose="02040503050406030204" pitchFamily="18" charset="0"/>
+                      </a:rPr>
+                      <m:t>+2+4+1</m:t>
+                    </m:r>
+                    <m:r>
+                      <a:rPr lang="en-US" i="1">
+                        <a:solidFill>
+                          <a:srgbClr val="000000"/>
+                        </a:solidFill>
+                        <a:latin typeface="Cambria Math" panose="02040503050406030204" pitchFamily="18" charset="0"/>
+                      </a:rPr>
+                      <m:t>=</m:t>
+                    </m:r>
+                    <m:r>
+                      <a:rPr lang="en-US" b="0" i="1" smtClean="0">
+                        <a:solidFill>
+                          <a:srgbClr val="000000"/>
+                        </a:solidFill>
+                        <a:latin typeface="Cambria Math" panose="02040503050406030204" pitchFamily="18" charset="0"/>
+                      </a:rPr>
+                      <m:t>10</m:t>
+                    </m:r>
+                  </m:oMath>
+                </a14:m>
+                <a:endParaRPr lang="en-US" dirty="0"/>
+              </a:p>
+            </p:txBody>
+          </p:sp>
+        </mc:Choice>
+        <mc:Fallback>
+          <p:sp>
+            <p:nvSpPr>
+              <p:cNvPr id="31" name="Object 3"/>
+              <p:cNvSpPr txBox="1">
+                <a:spLocks noRot="1" noChangeAspect="1" noMove="1" noResize="1" noEditPoints="1" noAdjustHandles="1" noChangeArrowheads="1" noChangeShapeType="1" noTextEdit="1"/>
+              </p:cNvSpPr>
+              <p:nvPr/>
+            </p:nvSpPr>
+            <p:spPr bwMode="auto">
+              <a:xfrm>
+                <a:off x="4675106" y="7970127"/>
+                <a:ext cx="2117706" cy="535517"/>
+              </a:xfrm>
+              <a:prstGeom prst="rect">
+                <a:avLst/>
+              </a:prstGeom>
+              <a:blipFill>
+                <a:blip r:embed="rId4"/>
+                <a:stretch>
+                  <a:fillRect l="-2594" t="-5682"/>
+                </a:stretch>
+              </a:blipFill>
+            </p:spPr>
+            <p:txBody>
+              <a:bodyPr/>
+              <a:lstStyle/>
+              <a:p>
+                <a:r>
+                  <a:rPr lang="en-US">
+                    <a:noFill/>
+                  </a:rPr>
+                  <a:t> </a:t>
+                </a:r>
+              </a:p>
+            </p:txBody>
+          </p:sp>
+        </mc:Fallback>
+      </mc:AlternateContent>
+      <mc:AlternateContent xmlns:mc="http://schemas.openxmlformats.org/markup-compatibility/2006">
+        <mc:Choice xmlns:a14="http://schemas.microsoft.com/office/drawing/2010/main" Requires="a14">
+          <p:sp>
+            <p:nvSpPr>
+              <p:cNvPr id="32" name="Object 4"/>
+              <p:cNvSpPr txBox="1"/>
+              <p:nvPr/>
+            </p:nvSpPr>
+            <p:spPr bwMode="auto">
+              <a:xfrm>
+                <a:off x="1383251" y="7954963"/>
+                <a:ext cx="2193925" cy="609600"/>
+              </a:xfrm>
+              <a:prstGeom prst="rect">
+                <a:avLst/>
+              </a:prstGeom>
+              <a:noFill/>
+            </p:spPr>
+            <p:txBody>
+              <a:bodyPr>
+                <a:normAutofit/>
+              </a:bodyPr>
+              <a:lstStyle/>
+              <a:p>
+                <a:pPr/>
+                <a14:m>
+                  <m:oMathPara xmlns:m="http://schemas.openxmlformats.org/officeDocument/2006/math">
+                    <m:oMathParaPr>
+                      <m:jc m:val="left"/>
+                    </m:oMathParaPr>
+                    <m:oMath xmlns:m="http://schemas.openxmlformats.org/officeDocument/2006/math">
+                      <m:r>
+                        <a:rPr lang="en-US" i="1" smtClean="0">
+                          <a:solidFill>
+                            <a:srgbClr val="000000"/>
+                          </a:solidFill>
+                          <a:latin typeface="Cambria Math" panose="02040503050406030204" pitchFamily="18" charset="0"/>
+                        </a:rPr>
+                        <m:t>3+2+5+2 </m:t>
+                      </m:r>
+                      <m:r>
+                        <a:rPr lang="en-US" i="1">
+                          <a:solidFill>
+                            <a:srgbClr val="000000"/>
+                          </a:solidFill>
+                          <a:latin typeface="Cambria Math" panose="02040503050406030204" pitchFamily="18" charset="0"/>
+                        </a:rPr>
+                        <m:t>=</m:t>
+                      </m:r>
+                      <m:r>
+                        <a:rPr lang="en-US" b="0" i="1" smtClean="0">
+                          <a:solidFill>
+                            <a:srgbClr val="000000"/>
+                          </a:solidFill>
+                          <a:latin typeface="Cambria Math" panose="02040503050406030204" pitchFamily="18" charset="0"/>
+                        </a:rPr>
+                        <m:t>12</m:t>
+                      </m:r>
+                    </m:oMath>
+                  </m:oMathPara>
+                </a14:m>
+                <a:endParaRPr lang="en-US" dirty="0"/>
+              </a:p>
+            </p:txBody>
+          </p:sp>
+        </mc:Choice>
+        <mc:Fallback>
+          <p:sp>
+            <p:nvSpPr>
+              <p:cNvPr id="32" name="Object 4"/>
+              <p:cNvSpPr txBox="1">
+                <a:spLocks noRot="1" noChangeAspect="1" noMove="1" noResize="1" noEditPoints="1" noAdjustHandles="1" noChangeArrowheads="1" noChangeShapeType="1" noTextEdit="1"/>
+              </p:cNvSpPr>
+              <p:nvPr/>
+            </p:nvSpPr>
+            <p:spPr bwMode="auto">
+              <a:xfrm>
+                <a:off x="1383251" y="7954963"/>
+                <a:ext cx="2193925" cy="609600"/>
+              </a:xfrm>
+              <a:prstGeom prst="rect">
+                <a:avLst/>
+              </a:prstGeom>
+              <a:blipFill>
+                <a:blip r:embed="rId5"/>
+                <a:stretch>
+                  <a:fillRect/>
+                </a:stretch>
+              </a:blipFill>
+            </p:spPr>
+            <p:txBody>
+              <a:bodyPr/>
+              <a:lstStyle/>
+              <a:p>
+                <a:r>
+                  <a:rPr lang="en-US">
+                    <a:noFill/>
+                  </a:rPr>
+                  <a:t> </a:t>
+                </a:r>
+              </a:p>
+            </p:txBody>
+          </p:sp>
+        </mc:Fallback>
+      </mc:AlternateContent>
+      <p:sp>
+        <p:nvSpPr>
+          <p:cNvPr id="33" name="TextBox 32"/>
+          <p:cNvSpPr txBox="1"/>
+          <p:nvPr/>
+        </p:nvSpPr>
+        <p:spPr>
+          <a:xfrm>
+            <a:off x="1580641" y="5221244"/>
+            <a:ext cx="301686" cy="369332"/>
+          </a:xfrm>
+          <a:prstGeom prst="rect">
+            <a:avLst/>
+          </a:prstGeom>
+          <a:noFill/>
+        </p:spPr>
+        <p:txBody>
+          <a:bodyPr wrap="none" rtlCol="0">
+            <a:spAutoFit/>
+          </a:bodyPr>
+          <a:lstStyle/>
+          <a:p>
+            <a:pPr marL="0" marR="0" lvl="0" indent="0" algn="l" defTabSz="914400" rtl="0" eaLnBrk="1" fontAlgn="auto" latinLnBrk="0" hangingPunct="1">
+              <a:lnSpc>
+                <a:spcPct val="100000"/>
+              </a:lnSpc>
+              <a:spcBef>
+                <a:spcPts val="0"/>
+              </a:spcBef>
+              <a:spcAft>
+                <a:spcPts val="0"/>
+              </a:spcAft>
+              <a:buClrTx/>
+              <a:buSzTx/>
+              <a:buFontTx/>
+              <a:buNone/>
+              <a:tabLst/>
+              <a:defRPr/>
+            </a:pPr>
+            <a:r>
+              <a:rPr kumimoji="0" lang="en-US" sz="1800" b="1" i="0" u="none" strike="noStrike" kern="1200" cap="none" spc="0" normalizeH="0" baseline="0" noProof="0" dirty="0">
+                <a:ln>
+                  <a:noFill/>
+                </a:ln>
+                <a:solidFill>
+                  <a:srgbClr val="F79646">
+                    <a:lumMod val="75000"/>
+                  </a:srgbClr>
+                </a:solidFill>
+                <a:effectLst/>
+                <a:uLnTx/>
+                <a:uFillTx/>
+                <a:latin typeface="Calibri"/>
+                <a:ea typeface="+mn-ea"/>
+                <a:cs typeface="+mn-cs"/>
+              </a:rPr>
+              <a:t>5</a:t>
+            </a:r>
+          </a:p>
+        </p:txBody>
+      </p:sp>
+      <p:sp>
+        <p:nvSpPr>
+          <p:cNvPr id="34" name="TextBox 33"/>
+          <p:cNvSpPr txBox="1"/>
+          <p:nvPr/>
+        </p:nvSpPr>
+        <p:spPr>
+          <a:xfrm>
+            <a:off x="2745885" y="6221967"/>
+            <a:ext cx="301686" cy="369332"/>
+          </a:xfrm>
+          <a:prstGeom prst="rect">
+            <a:avLst/>
+          </a:prstGeom>
+          <a:noFill/>
+        </p:spPr>
+        <p:txBody>
+          <a:bodyPr wrap="none" rtlCol="0">
+            <a:spAutoFit/>
+          </a:bodyPr>
+          <a:lstStyle/>
+          <a:p>
+            <a:pPr marL="0" marR="0" lvl="0" indent="0" algn="l" defTabSz="914400" rtl="0" eaLnBrk="1" fontAlgn="auto" latinLnBrk="0" hangingPunct="1">
+              <a:lnSpc>
+                <a:spcPct val="100000"/>
+              </a:lnSpc>
+              <a:spcBef>
+                <a:spcPts val="0"/>
+              </a:spcBef>
+              <a:spcAft>
+                <a:spcPts val="0"/>
+              </a:spcAft>
+              <a:buClrTx/>
+              <a:buSzTx/>
+              <a:buFontTx/>
+              <a:buNone/>
+              <a:tabLst/>
+              <a:defRPr/>
+            </a:pPr>
+            <a:r>
+              <a:rPr kumimoji="0" lang="en-US" sz="1800" b="1" i="0" u="none" strike="noStrike" kern="1200" cap="none" spc="0" normalizeH="0" baseline="0" noProof="0" dirty="0">
+                <a:ln>
+                  <a:noFill/>
+                </a:ln>
+                <a:solidFill>
+                  <a:srgbClr val="F79646">
+                    <a:lumMod val="75000"/>
+                  </a:srgbClr>
+                </a:solidFill>
+                <a:effectLst/>
+                <a:uLnTx/>
+                <a:uFillTx/>
+                <a:latin typeface="Calibri"/>
+                <a:ea typeface="+mn-ea"/>
+                <a:cs typeface="+mn-cs"/>
+              </a:rPr>
+              <a:t>3</a:t>
+            </a:r>
+          </a:p>
+        </p:txBody>
+      </p:sp>
+      <p:sp>
+        <p:nvSpPr>
+          <p:cNvPr id="35" name="TextBox 34"/>
+          <p:cNvSpPr txBox="1"/>
+          <p:nvPr/>
+        </p:nvSpPr>
+        <p:spPr>
+          <a:xfrm>
+            <a:off x="2039031" y="5852635"/>
+            <a:ext cx="301686" cy="369332"/>
+          </a:xfrm>
+          <a:prstGeom prst="rect">
+            <a:avLst/>
+          </a:prstGeom>
+          <a:noFill/>
+        </p:spPr>
+        <p:txBody>
+          <a:bodyPr wrap="none" rtlCol="0">
+            <a:spAutoFit/>
+          </a:bodyPr>
+          <a:lstStyle/>
+          <a:p>
+            <a:pPr marL="0" marR="0" lvl="0" indent="0" algn="l" defTabSz="914400" rtl="0" eaLnBrk="1" fontAlgn="auto" latinLnBrk="0" hangingPunct="1">
+              <a:lnSpc>
+                <a:spcPct val="100000"/>
+              </a:lnSpc>
+              <a:spcBef>
+                <a:spcPts val="0"/>
+              </a:spcBef>
+              <a:spcAft>
+                <a:spcPts val="0"/>
+              </a:spcAft>
+              <a:buClrTx/>
+              <a:buSzTx/>
+              <a:buFontTx/>
+              <a:buNone/>
+              <a:tabLst/>
+              <a:defRPr/>
+            </a:pPr>
+            <a:r>
+              <a:rPr kumimoji="0" lang="en-US" sz="1800" b="1" i="0" u="none" strike="noStrike" kern="1200" cap="none" spc="0" normalizeH="0" baseline="0" noProof="0" dirty="0">
+                <a:ln>
+                  <a:noFill/>
+                </a:ln>
+                <a:solidFill>
+                  <a:srgbClr val="F79646">
+                    <a:lumMod val="75000"/>
+                  </a:srgbClr>
+                </a:solidFill>
+                <a:effectLst/>
+                <a:uLnTx/>
+                <a:uFillTx/>
+                <a:latin typeface="Calibri"/>
+                <a:ea typeface="+mn-ea"/>
+                <a:cs typeface="+mn-cs"/>
+              </a:rPr>
+              <a:t>2</a:t>
+            </a:r>
+          </a:p>
+        </p:txBody>
+      </p:sp>
+      <p:sp>
+        <p:nvSpPr>
+          <p:cNvPr id="36" name="TextBox 35"/>
+          <p:cNvSpPr txBox="1"/>
+          <p:nvPr/>
+        </p:nvSpPr>
+        <p:spPr>
+          <a:xfrm>
+            <a:off x="2329371" y="6280388"/>
+            <a:ext cx="301686" cy="369332"/>
+          </a:xfrm>
+          <a:prstGeom prst="rect">
+            <a:avLst/>
+          </a:prstGeom>
+          <a:noFill/>
+        </p:spPr>
+        <p:txBody>
+          <a:bodyPr wrap="none" rtlCol="0">
+            <a:spAutoFit/>
+          </a:bodyPr>
+          <a:lstStyle/>
+          <a:p>
+            <a:pPr marL="0" marR="0" lvl="0" indent="0" algn="l" defTabSz="914400" rtl="0" eaLnBrk="1" fontAlgn="auto" latinLnBrk="0" hangingPunct="1">
+              <a:lnSpc>
+                <a:spcPct val="100000"/>
+              </a:lnSpc>
+              <a:spcBef>
+                <a:spcPts val="0"/>
+              </a:spcBef>
+              <a:spcAft>
+                <a:spcPts val="0"/>
+              </a:spcAft>
+              <a:buClrTx/>
+              <a:buSzTx/>
+              <a:buFontTx/>
+              <a:buNone/>
+              <a:tabLst/>
+              <a:defRPr/>
+            </a:pPr>
+            <a:r>
+              <a:rPr kumimoji="0" lang="en-US" sz="1800" b="1" i="0" u="none" strike="noStrike" kern="1200" cap="none" spc="0" normalizeH="0" baseline="0" noProof="0" dirty="0">
+                <a:ln>
+                  <a:noFill/>
+                </a:ln>
+                <a:solidFill>
+                  <a:srgbClr val="F79646">
+                    <a:lumMod val="75000"/>
+                  </a:srgbClr>
+                </a:solidFill>
+                <a:effectLst/>
+                <a:uLnTx/>
+                <a:uFillTx/>
+                <a:latin typeface="Calibri"/>
+                <a:ea typeface="+mn-ea"/>
+                <a:cs typeface="+mn-cs"/>
+              </a:rPr>
+              <a:t>2</a:t>
+            </a:r>
+          </a:p>
+        </p:txBody>
+      </p:sp>
+      <p:grpSp>
+        <p:nvGrpSpPr>
+          <p:cNvPr id="5" name="Group 4"/>
+          <p:cNvGrpSpPr/>
+          <p:nvPr/>
+        </p:nvGrpSpPr>
+        <p:grpSpPr>
+          <a:xfrm>
+            <a:off x="4876800" y="4899884"/>
+            <a:ext cx="2057400" cy="2453416"/>
+            <a:chOff x="4876800" y="4899884"/>
+            <a:chExt cx="2057400" cy="2453416"/>
+          </a:xfrm>
+        </p:grpSpPr>
+        <p:cxnSp>
+          <p:nvCxnSpPr>
+            <p:cNvPr id="9" name="Straight Arrow Connector 8"/>
+            <p:cNvCxnSpPr/>
+            <p:nvPr/>
+          </p:nvCxnSpPr>
+          <p:spPr>
+            <a:xfrm flipV="1">
+              <a:off x="5638800" y="5067300"/>
+              <a:ext cx="1143000" cy="914400"/>
+            </a:xfrm>
+            <a:prstGeom prst="straightConnector1">
+              <a:avLst/>
+            </a:prstGeom>
+            <a:ln w="12700">
+              <a:solidFill>
+                <a:schemeClr val="tx1">
+                  <a:lumMod val="50000"/>
+                  <a:lumOff val="50000"/>
+                </a:schemeClr>
+              </a:solidFill>
+              <a:tailEnd type="arrow"/>
+            </a:ln>
+          </p:spPr>
+          <p:style>
+            <a:lnRef idx="1">
+              <a:schemeClr val="accent1"/>
+            </a:lnRef>
+            <a:fillRef idx="0">
+              <a:schemeClr val="accent1"/>
+            </a:fillRef>
+            <a:effectRef idx="0">
+              <a:schemeClr val="accent1"/>
+            </a:effectRef>
+            <a:fontRef idx="minor">
+              <a:schemeClr val="tx1"/>
+            </a:fontRef>
+          </p:style>
+        </p:cxnSp>
+        <p:sp>
+          <p:nvSpPr>
+            <p:cNvPr id="10" name="Oval 9"/>
+            <p:cNvSpPr/>
+            <p:nvPr/>
+          </p:nvSpPr>
+          <p:spPr>
+            <a:xfrm>
+              <a:off x="6781800" y="4914900"/>
+              <a:ext cx="152400" cy="152400"/>
+            </a:xfrm>
+            <a:prstGeom prst="ellipse">
+              <a:avLst/>
+            </a:prstGeom>
+            <a:solidFill>
+              <a:schemeClr val="tx1">
+                <a:lumMod val="50000"/>
+                <a:lumOff val="50000"/>
+              </a:schemeClr>
+            </a:solidFill>
+            <a:ln>
+              <a:solidFill>
+                <a:schemeClr val="accent6">
+                  <a:lumMod val="75000"/>
+                </a:schemeClr>
+              </a:solidFill>
+            </a:ln>
+          </p:spPr>
+          <p:style>
+            <a:lnRef idx="2">
+              <a:schemeClr val="accent1">
+                <a:shade val="50000"/>
+              </a:schemeClr>
+            </a:lnRef>
+            <a:fillRef idx="1">
+              <a:schemeClr val="accent1"/>
+            </a:fillRef>
+            <a:effectRef idx="0">
+              <a:schemeClr val="accent1"/>
+            </a:effectRef>
+            <a:fontRef idx="minor">
+              <a:schemeClr val="lt1"/>
+            </a:fontRef>
+          </p:style>
+          <p:txBody>
+            <a:bodyPr rtlCol="0" anchor="ctr"/>
+            <a:lstStyle/>
+            <a:p>
+              <a:pPr marL="0" marR="0" lvl="0" indent="0" algn="ctr" defTabSz="914400" rtl="0" eaLnBrk="1" fontAlgn="auto" latinLnBrk="0" hangingPunct="1">
+                <a:lnSpc>
+                  <a:spcPct val="100000"/>
+                </a:lnSpc>
+                <a:spcBef>
+                  <a:spcPts val="0"/>
+                </a:spcBef>
+                <a:spcAft>
+                  <a:spcPts val="0"/>
+                </a:spcAft>
+                <a:buClrTx/>
+                <a:buSzTx/>
+                <a:buFontTx/>
+                <a:buNone/>
+                <a:tabLst/>
+                <a:defRPr/>
+              </a:pPr>
+              <a:endParaRPr kumimoji="0" lang="en-US" sz="1800" b="0" i="0" u="none" strike="noStrike" kern="1200" cap="none" spc="0" normalizeH="0" baseline="0" noProof="0">
+                <a:ln>
+                  <a:noFill/>
+                </a:ln>
+                <a:solidFill>
+                  <a:prstClr val="white"/>
+                </a:solidFill>
+                <a:effectLst/>
+                <a:uLnTx/>
+                <a:uFillTx/>
+                <a:latin typeface="Calibri"/>
+                <a:ea typeface="+mn-ea"/>
+                <a:cs typeface="+mn-cs"/>
+              </a:endParaRPr>
+            </a:p>
+          </p:txBody>
+        </p:sp>
+        <p:cxnSp>
+          <p:nvCxnSpPr>
+            <p:cNvPr id="11" name="Straight Arrow Connector 10"/>
+            <p:cNvCxnSpPr/>
+            <p:nvPr/>
+          </p:nvCxnSpPr>
+          <p:spPr>
+            <a:xfrm rot="16200000" flipH="1">
+              <a:off x="5524500" y="6096000"/>
+              <a:ext cx="685800" cy="457200"/>
+            </a:xfrm>
+            <a:prstGeom prst="straightConnector1">
+              <a:avLst/>
+            </a:prstGeom>
+            <a:ln w="12700">
+              <a:solidFill>
+                <a:schemeClr val="tx1">
+                  <a:lumMod val="50000"/>
+                  <a:lumOff val="50000"/>
+                </a:schemeClr>
+              </a:solidFill>
+              <a:tailEnd type="arrow"/>
+            </a:ln>
+          </p:spPr>
+          <p:style>
+            <a:lnRef idx="1">
+              <a:schemeClr val="accent1"/>
+            </a:lnRef>
+            <a:fillRef idx="0">
+              <a:schemeClr val="accent1"/>
+            </a:fillRef>
+            <a:effectRef idx="0">
+              <a:schemeClr val="accent1"/>
+            </a:effectRef>
+            <a:fontRef idx="minor">
+              <a:schemeClr val="tx1"/>
+            </a:fontRef>
+          </p:style>
+        </p:cxnSp>
+        <p:sp>
+          <p:nvSpPr>
+            <p:cNvPr id="12" name="Oval 11"/>
+            <p:cNvSpPr/>
+            <p:nvPr/>
+          </p:nvSpPr>
+          <p:spPr>
+            <a:xfrm>
+              <a:off x="6096000" y="6743700"/>
+              <a:ext cx="152400" cy="152400"/>
+            </a:xfrm>
+            <a:prstGeom prst="ellipse">
+              <a:avLst/>
+            </a:prstGeom>
+            <a:solidFill>
+              <a:schemeClr val="tx1">
+                <a:lumMod val="50000"/>
+                <a:lumOff val="50000"/>
+              </a:schemeClr>
+            </a:solidFill>
+            <a:ln>
+              <a:solidFill>
+                <a:schemeClr val="accent6">
+                  <a:lumMod val="75000"/>
+                </a:schemeClr>
+              </a:solidFill>
+            </a:ln>
+          </p:spPr>
+          <p:style>
+            <a:lnRef idx="2">
+              <a:schemeClr val="accent1">
+                <a:shade val="50000"/>
+              </a:schemeClr>
+            </a:lnRef>
+            <a:fillRef idx="1">
+              <a:schemeClr val="accent1"/>
+            </a:fillRef>
+            <a:effectRef idx="0">
+              <a:schemeClr val="accent1"/>
+            </a:effectRef>
+            <a:fontRef idx="minor">
+              <a:schemeClr val="lt1"/>
+            </a:fontRef>
+          </p:style>
+          <p:txBody>
+            <a:bodyPr rtlCol="0" anchor="ctr"/>
+            <a:lstStyle/>
+            <a:p>
+              <a:pPr marL="0" marR="0" lvl="0" indent="0" algn="ctr" defTabSz="914400" rtl="0" eaLnBrk="1" fontAlgn="auto" latinLnBrk="0" hangingPunct="1">
+                <a:lnSpc>
+                  <a:spcPct val="100000"/>
+                </a:lnSpc>
+                <a:spcBef>
+                  <a:spcPts val="0"/>
+                </a:spcBef>
+                <a:spcAft>
+                  <a:spcPts val="0"/>
+                </a:spcAft>
+                <a:buClrTx/>
+                <a:buSzTx/>
+                <a:buFontTx/>
+                <a:buNone/>
+                <a:tabLst/>
+                <a:defRPr/>
+              </a:pPr>
+              <a:endParaRPr kumimoji="0" lang="en-US" sz="1800" b="0" i="0" u="none" strike="noStrike" kern="1200" cap="none" spc="0" normalizeH="0" baseline="0" noProof="0">
+                <a:ln>
+                  <a:noFill/>
+                </a:ln>
+                <a:solidFill>
+                  <a:prstClr val="white"/>
+                </a:solidFill>
+                <a:effectLst/>
+                <a:uLnTx/>
+                <a:uFillTx/>
+                <a:latin typeface="Calibri"/>
+                <a:ea typeface="+mn-ea"/>
+                <a:cs typeface="+mn-cs"/>
+              </a:endParaRPr>
+            </a:p>
+          </p:txBody>
+        </p:sp>
+        <p:cxnSp>
+          <p:nvCxnSpPr>
+            <p:cNvPr id="13" name="Straight Arrow Connector 12"/>
+            <p:cNvCxnSpPr/>
+            <p:nvPr/>
+          </p:nvCxnSpPr>
+          <p:spPr>
+            <a:xfrm rot="10800000">
+              <a:off x="5105400" y="5676900"/>
+              <a:ext cx="533400" cy="304800"/>
+            </a:xfrm>
+            <a:prstGeom prst="straightConnector1">
+              <a:avLst/>
+            </a:prstGeom>
+            <a:ln w="12700">
+              <a:solidFill>
+                <a:schemeClr val="tx1">
+                  <a:lumMod val="50000"/>
+                  <a:lumOff val="50000"/>
+                </a:schemeClr>
+              </a:solidFill>
+              <a:tailEnd type="arrow"/>
+            </a:ln>
+          </p:spPr>
+          <p:style>
+            <a:lnRef idx="1">
+              <a:schemeClr val="accent1"/>
+            </a:lnRef>
+            <a:fillRef idx="0">
+              <a:schemeClr val="accent1"/>
+            </a:fillRef>
+            <a:effectRef idx="0">
+              <a:schemeClr val="accent1"/>
+            </a:effectRef>
+            <a:fontRef idx="minor">
+              <a:schemeClr val="tx1"/>
+            </a:fontRef>
+          </p:style>
+        </p:cxnSp>
+        <p:sp>
+          <p:nvSpPr>
+            <p:cNvPr id="14" name="Oval 13"/>
+            <p:cNvSpPr/>
+            <p:nvPr/>
+          </p:nvSpPr>
+          <p:spPr>
+            <a:xfrm>
+              <a:off x="4876800" y="5524500"/>
+              <a:ext cx="152400" cy="152400"/>
+            </a:xfrm>
+            <a:prstGeom prst="ellipse">
+              <a:avLst/>
+            </a:prstGeom>
+            <a:solidFill>
+              <a:schemeClr val="tx1">
+                <a:lumMod val="50000"/>
+                <a:lumOff val="50000"/>
+              </a:schemeClr>
+            </a:solidFill>
+            <a:ln>
+              <a:solidFill>
+                <a:schemeClr val="accent6">
+                  <a:lumMod val="75000"/>
+                </a:schemeClr>
+              </a:solidFill>
+            </a:ln>
+          </p:spPr>
+          <p:style>
+            <a:lnRef idx="2">
+              <a:schemeClr val="accent1">
+                <a:shade val="50000"/>
+              </a:schemeClr>
+            </a:lnRef>
+            <a:fillRef idx="1">
+              <a:schemeClr val="accent1"/>
+            </a:fillRef>
+            <a:effectRef idx="0">
+              <a:schemeClr val="accent1"/>
+            </a:effectRef>
+            <a:fontRef idx="minor">
+              <a:schemeClr val="lt1"/>
+            </a:fontRef>
+          </p:style>
+          <p:txBody>
+            <a:bodyPr rtlCol="0" anchor="ctr"/>
+            <a:lstStyle/>
+            <a:p>
+              <a:pPr marL="0" marR="0" lvl="0" indent="0" algn="ctr" defTabSz="914400" rtl="0" eaLnBrk="1" fontAlgn="auto" latinLnBrk="0" hangingPunct="1">
+                <a:lnSpc>
+                  <a:spcPct val="100000"/>
+                </a:lnSpc>
+                <a:spcBef>
+                  <a:spcPts val="0"/>
+                </a:spcBef>
+                <a:spcAft>
+                  <a:spcPts val="0"/>
+                </a:spcAft>
+                <a:buClrTx/>
+                <a:buSzTx/>
+                <a:buFontTx/>
+                <a:buNone/>
+                <a:tabLst/>
+                <a:defRPr/>
+              </a:pPr>
+              <a:endParaRPr kumimoji="0" lang="en-US" sz="1800" b="0" i="0" u="none" strike="noStrike" kern="1200" cap="none" spc="0" normalizeH="0" baseline="0" noProof="0">
+                <a:ln>
+                  <a:noFill/>
+                </a:ln>
+                <a:solidFill>
+                  <a:prstClr val="white"/>
+                </a:solidFill>
+                <a:effectLst/>
+                <a:uLnTx/>
+                <a:uFillTx/>
+                <a:latin typeface="Calibri"/>
+                <a:ea typeface="+mn-ea"/>
+                <a:cs typeface="+mn-cs"/>
+              </a:endParaRPr>
+            </a:p>
+          </p:txBody>
+        </p:sp>
+        <p:cxnSp>
+          <p:nvCxnSpPr>
+            <p:cNvPr id="15" name="Straight Arrow Connector 14"/>
+            <p:cNvCxnSpPr/>
+            <p:nvPr/>
+          </p:nvCxnSpPr>
+          <p:spPr>
+            <a:xfrm rot="5400000">
+              <a:off x="4800600" y="6286500"/>
+              <a:ext cx="1143000" cy="533400"/>
+            </a:xfrm>
+            <a:prstGeom prst="straightConnector1">
+              <a:avLst/>
+            </a:prstGeom>
+            <a:ln w="12700">
+              <a:solidFill>
+                <a:schemeClr val="tx1">
+                  <a:lumMod val="50000"/>
+                  <a:lumOff val="50000"/>
+                </a:schemeClr>
+              </a:solidFill>
+              <a:tailEnd type="arrow"/>
+            </a:ln>
+          </p:spPr>
+          <p:style>
+            <a:lnRef idx="1">
+              <a:schemeClr val="accent1"/>
+            </a:lnRef>
+            <a:fillRef idx="0">
+              <a:schemeClr val="accent1"/>
+            </a:fillRef>
+            <a:effectRef idx="0">
+              <a:schemeClr val="accent1"/>
+            </a:effectRef>
+            <a:fontRef idx="minor">
+              <a:schemeClr val="tx1"/>
+            </a:fontRef>
+          </p:style>
+        </p:cxnSp>
+        <p:sp>
+          <p:nvSpPr>
+            <p:cNvPr id="16" name="Oval 15"/>
+            <p:cNvSpPr/>
+            <p:nvPr/>
+          </p:nvSpPr>
+          <p:spPr>
+            <a:xfrm>
+              <a:off x="4953000" y="7200900"/>
+              <a:ext cx="152400" cy="152400"/>
+            </a:xfrm>
+            <a:prstGeom prst="ellipse">
+              <a:avLst/>
+            </a:prstGeom>
+            <a:solidFill>
+              <a:schemeClr val="tx1">
+                <a:lumMod val="50000"/>
+                <a:lumOff val="50000"/>
+              </a:schemeClr>
+            </a:solidFill>
+            <a:ln>
+              <a:solidFill>
+                <a:schemeClr val="accent6">
+                  <a:lumMod val="75000"/>
+                </a:schemeClr>
+              </a:solidFill>
+            </a:ln>
+          </p:spPr>
+          <p:style>
+            <a:lnRef idx="2">
+              <a:schemeClr val="accent1">
+                <a:shade val="50000"/>
+              </a:schemeClr>
+            </a:lnRef>
+            <a:fillRef idx="1">
+              <a:schemeClr val="accent1"/>
+            </a:fillRef>
+            <a:effectRef idx="0">
+              <a:schemeClr val="accent1"/>
+            </a:effectRef>
+            <a:fontRef idx="minor">
+              <a:schemeClr val="lt1"/>
+            </a:fontRef>
+          </p:style>
+          <p:txBody>
+            <a:bodyPr rtlCol="0" anchor="ctr"/>
+            <a:lstStyle/>
+            <a:p>
+              <a:pPr marL="0" marR="0" lvl="0" indent="0" algn="ctr" defTabSz="914400" rtl="0" eaLnBrk="1" fontAlgn="auto" latinLnBrk="0" hangingPunct="1">
+                <a:lnSpc>
+                  <a:spcPct val="100000"/>
+                </a:lnSpc>
+                <a:spcBef>
+                  <a:spcPts val="0"/>
+                </a:spcBef>
+                <a:spcAft>
+                  <a:spcPts val="0"/>
+                </a:spcAft>
+                <a:buClrTx/>
+                <a:buSzTx/>
+                <a:buFontTx/>
+                <a:buNone/>
+                <a:tabLst/>
+                <a:defRPr/>
+              </a:pPr>
+              <a:endParaRPr kumimoji="0" lang="en-US" sz="1800" b="0" i="0" u="none" strike="noStrike" kern="1200" cap="none" spc="0" normalizeH="0" baseline="0" noProof="0">
+                <a:ln>
+                  <a:noFill/>
+                </a:ln>
+                <a:solidFill>
+                  <a:prstClr val="white"/>
+                </a:solidFill>
+                <a:effectLst/>
+                <a:uLnTx/>
+                <a:uFillTx/>
+                <a:latin typeface="Calibri"/>
+                <a:ea typeface="+mn-ea"/>
+                <a:cs typeface="+mn-cs"/>
+              </a:endParaRPr>
+            </a:p>
+          </p:txBody>
+        </p:sp>
+        <p:pic>
+          <p:nvPicPr>
+            <p:cNvPr id="25" name="Picture 4" descr="http://www.jadeesports.com.au/UserFiles/1998-Files/Image/Bike-rider.jpg"/>
+            <p:cNvPicPr>
+              <a:picLocks noChangeAspect="1" noChangeArrowheads="1"/>
+            </p:cNvPicPr>
+            <p:nvPr/>
+          </p:nvPicPr>
+          <p:blipFill>
+            <a:blip r:embed="rId3" cstate="print"/>
+            <a:srcRect/>
+            <a:stretch>
+              <a:fillRect/>
+            </a:stretch>
+          </p:blipFill>
+          <p:spPr bwMode="auto">
+            <a:xfrm rot="19206133">
+              <a:off x="5724411" y="5056117"/>
+              <a:ext cx="609600" cy="490119"/>
+            </a:xfrm>
+            <a:prstGeom prst="rect">
+              <a:avLst/>
+            </a:prstGeom>
+            <a:noFill/>
+          </p:spPr>
+        </p:pic>
+        <p:sp>
+          <p:nvSpPr>
+            <p:cNvPr id="26" name="TextBox 25"/>
+            <p:cNvSpPr txBox="1"/>
+            <p:nvPr/>
+          </p:nvSpPr>
+          <p:spPr>
+            <a:xfrm>
+              <a:off x="5184136" y="4899884"/>
+              <a:ext cx="709938" cy="369332"/>
+            </a:xfrm>
+            <a:prstGeom prst="rect">
+              <a:avLst/>
+            </a:prstGeom>
+            <a:noFill/>
+          </p:spPr>
+          <p:txBody>
+            <a:bodyPr wrap="none" rtlCol="0">
+              <a:spAutoFit/>
+            </a:bodyPr>
+            <a:lstStyle/>
+            <a:p>
+              <a:pPr marL="0" marR="0" lvl="0" indent="0" algn="l" defTabSz="914400" rtl="0" eaLnBrk="1" fontAlgn="auto" latinLnBrk="0" hangingPunct="1">
+                <a:lnSpc>
+                  <a:spcPct val="100000"/>
+                </a:lnSpc>
+                <a:spcBef>
+                  <a:spcPts val="0"/>
+                </a:spcBef>
+                <a:spcAft>
+                  <a:spcPts val="0"/>
+                </a:spcAft>
+                <a:buClrTx/>
+                <a:buSzTx/>
+                <a:buFontTx/>
+                <a:buNone/>
+                <a:tabLst/>
+                <a:defRPr/>
+              </a:pPr>
+              <a:r>
+                <a:rPr kumimoji="0" lang="en-US" sz="1800" b="1" i="0" u="none" strike="noStrike" kern="1200" cap="none" spc="0" normalizeH="0" baseline="0" noProof="0" dirty="0">
+                  <a:ln>
+                    <a:noFill/>
+                  </a:ln>
+                  <a:solidFill>
+                    <a:srgbClr val="F79646">
+                      <a:lumMod val="75000"/>
+                    </a:srgbClr>
+                  </a:solidFill>
+                  <a:effectLst/>
+                  <a:uLnTx/>
+                  <a:uFillTx/>
+                  <a:latin typeface="Calibri"/>
+                  <a:ea typeface="+mn-ea"/>
+                  <a:cs typeface="+mn-cs"/>
+                </a:rPr>
+                <a:t>Kevin</a:t>
+              </a:r>
+            </a:p>
+          </p:txBody>
+        </p:sp>
+        <p:pic>
+          <p:nvPicPr>
+            <p:cNvPr id="28" name="Picture 5" descr="http://www.sbsworldwide.com/_images/services/courier_services2.jpg"/>
+            <p:cNvPicPr>
+              <a:picLocks noChangeAspect="1" noChangeArrowheads="1"/>
+            </p:cNvPicPr>
+            <p:nvPr/>
+          </p:nvPicPr>
+          <p:blipFill>
+            <a:blip r:embed="rId2" cstate="print"/>
+            <a:srcRect/>
+            <a:stretch>
+              <a:fillRect/>
+            </a:stretch>
+          </p:blipFill>
+          <p:spPr bwMode="auto">
+            <a:xfrm>
+              <a:off x="5410200" y="5753100"/>
+              <a:ext cx="521238" cy="533400"/>
+            </a:xfrm>
+            <a:prstGeom prst="rect">
+              <a:avLst/>
+            </a:prstGeom>
+            <a:noFill/>
+          </p:spPr>
+        </p:pic>
+        <p:sp>
+          <p:nvSpPr>
+            <p:cNvPr id="37" name="TextBox 36"/>
+            <p:cNvSpPr txBox="1"/>
+            <p:nvPr/>
+          </p:nvSpPr>
+          <p:spPr>
+            <a:xfrm>
+              <a:off x="6248400" y="5459967"/>
+              <a:ext cx="301686" cy="369332"/>
+            </a:xfrm>
+            <a:prstGeom prst="rect">
+              <a:avLst/>
+            </a:prstGeom>
+            <a:noFill/>
+          </p:spPr>
+          <p:txBody>
+            <a:bodyPr wrap="none" rtlCol="0">
+              <a:spAutoFit/>
+            </a:bodyPr>
+            <a:lstStyle/>
+            <a:p>
+              <a:pPr marL="0" marR="0" lvl="0" indent="0" algn="l" defTabSz="914400" rtl="0" eaLnBrk="1" fontAlgn="auto" latinLnBrk="0" hangingPunct="1">
+                <a:lnSpc>
+                  <a:spcPct val="100000"/>
+                </a:lnSpc>
+                <a:spcBef>
+                  <a:spcPts val="0"/>
+                </a:spcBef>
+                <a:spcAft>
+                  <a:spcPts val="0"/>
+                </a:spcAft>
+                <a:buClrTx/>
+                <a:buSzTx/>
+                <a:buFontTx/>
+                <a:buNone/>
+                <a:tabLst/>
+                <a:defRPr/>
+              </a:pPr>
+              <a:r>
+                <a:rPr kumimoji="0" lang="en-US" sz="1800" b="1" i="0" u="none" strike="noStrike" kern="1200" cap="none" spc="0" normalizeH="0" baseline="0" noProof="0" dirty="0">
+                  <a:ln>
+                    <a:noFill/>
+                  </a:ln>
+                  <a:solidFill>
+                    <a:srgbClr val="F79646">
+                      <a:lumMod val="75000"/>
+                    </a:srgbClr>
+                  </a:solidFill>
+                  <a:effectLst/>
+                  <a:uLnTx/>
+                  <a:uFillTx/>
+                  <a:latin typeface="Calibri"/>
+                  <a:ea typeface="+mn-ea"/>
+                  <a:cs typeface="+mn-cs"/>
+                </a:rPr>
+                <a:t>4</a:t>
+              </a:r>
+            </a:p>
+          </p:txBody>
+        </p:sp>
+        <p:sp>
+          <p:nvSpPr>
+            <p:cNvPr id="38" name="TextBox 37"/>
+            <p:cNvSpPr txBox="1"/>
+            <p:nvPr/>
+          </p:nvSpPr>
+          <p:spPr>
+            <a:xfrm>
+              <a:off x="5041284" y="6374368"/>
+              <a:ext cx="301686" cy="369332"/>
+            </a:xfrm>
+            <a:prstGeom prst="rect">
+              <a:avLst/>
+            </a:prstGeom>
+            <a:noFill/>
+          </p:spPr>
+          <p:txBody>
+            <a:bodyPr wrap="none" rtlCol="0">
+              <a:spAutoFit/>
+            </a:bodyPr>
+            <a:lstStyle/>
+            <a:p>
+              <a:pPr marL="0" marR="0" lvl="0" indent="0" algn="l" defTabSz="914400" rtl="0" eaLnBrk="1" fontAlgn="auto" latinLnBrk="0" hangingPunct="1">
+                <a:lnSpc>
+                  <a:spcPct val="100000"/>
+                </a:lnSpc>
+                <a:spcBef>
+                  <a:spcPts val="0"/>
+                </a:spcBef>
+                <a:spcAft>
+                  <a:spcPts val="0"/>
+                </a:spcAft>
+                <a:buClrTx/>
+                <a:buSzTx/>
+                <a:buFontTx/>
+                <a:buNone/>
+                <a:tabLst/>
+                <a:defRPr/>
+              </a:pPr>
+              <a:r>
+                <a:rPr kumimoji="0" lang="en-US" sz="1800" b="1" i="0" u="none" strike="noStrike" kern="1200" cap="none" spc="0" normalizeH="0" baseline="0" noProof="0" dirty="0">
+                  <a:ln>
+                    <a:noFill/>
+                  </a:ln>
+                  <a:solidFill>
+                    <a:srgbClr val="F79646">
+                      <a:lumMod val="75000"/>
+                    </a:srgbClr>
+                  </a:solidFill>
+                  <a:effectLst/>
+                  <a:uLnTx/>
+                  <a:uFillTx/>
+                  <a:latin typeface="Calibri"/>
+                  <a:ea typeface="+mn-ea"/>
+                  <a:cs typeface="+mn-cs"/>
+                </a:rPr>
+                <a:t>3</a:t>
+              </a:r>
+            </a:p>
+          </p:txBody>
+        </p:sp>
+        <p:sp>
+          <p:nvSpPr>
+            <p:cNvPr id="39" name="TextBox 38"/>
+            <p:cNvSpPr txBox="1"/>
+            <p:nvPr/>
+          </p:nvSpPr>
+          <p:spPr>
+            <a:xfrm>
+              <a:off x="5979118" y="6199898"/>
+              <a:ext cx="301686" cy="369332"/>
+            </a:xfrm>
+            <a:prstGeom prst="rect">
+              <a:avLst/>
+            </a:prstGeom>
+            <a:noFill/>
+          </p:spPr>
+          <p:txBody>
+            <a:bodyPr wrap="none" rtlCol="0">
+              <a:spAutoFit/>
+            </a:bodyPr>
+            <a:lstStyle/>
+            <a:p>
+              <a:pPr marL="0" marR="0" lvl="0" indent="0" algn="l" defTabSz="914400" rtl="0" eaLnBrk="1" fontAlgn="auto" latinLnBrk="0" hangingPunct="1">
+                <a:lnSpc>
+                  <a:spcPct val="100000"/>
+                </a:lnSpc>
+                <a:spcBef>
+                  <a:spcPts val="0"/>
+                </a:spcBef>
+                <a:spcAft>
+                  <a:spcPts val="0"/>
+                </a:spcAft>
+                <a:buClrTx/>
+                <a:buSzTx/>
+                <a:buFontTx/>
+                <a:buNone/>
+                <a:tabLst/>
+                <a:defRPr/>
+              </a:pPr>
+              <a:r>
+                <a:rPr kumimoji="0" lang="en-US" sz="1800" b="1" i="0" u="none" strike="noStrike" kern="1200" cap="none" spc="0" normalizeH="0" baseline="0" noProof="0" dirty="0">
+                  <a:ln>
+                    <a:noFill/>
+                  </a:ln>
+                  <a:solidFill>
+                    <a:srgbClr val="F79646">
+                      <a:lumMod val="75000"/>
+                    </a:srgbClr>
+                  </a:solidFill>
+                  <a:effectLst/>
+                  <a:uLnTx/>
+                  <a:uFillTx/>
+                  <a:latin typeface="Calibri"/>
+                  <a:ea typeface="+mn-ea"/>
+                  <a:cs typeface="+mn-cs"/>
+                </a:rPr>
+                <a:t>2</a:t>
+              </a:r>
+            </a:p>
+          </p:txBody>
+        </p:sp>
+        <p:sp>
+          <p:nvSpPr>
+            <p:cNvPr id="40" name="TextBox 39"/>
+            <p:cNvSpPr txBox="1"/>
+            <p:nvPr/>
+          </p:nvSpPr>
+          <p:spPr>
+            <a:xfrm>
+              <a:off x="5108514" y="5769130"/>
+              <a:ext cx="301686" cy="369332"/>
+            </a:xfrm>
+            <a:prstGeom prst="rect">
+              <a:avLst/>
+            </a:prstGeom>
+            <a:noFill/>
+          </p:spPr>
+          <p:txBody>
+            <a:bodyPr wrap="none" rtlCol="0">
+              <a:spAutoFit/>
+            </a:bodyPr>
+            <a:lstStyle/>
+            <a:p>
+              <a:pPr marL="0" marR="0" lvl="0" indent="0" algn="l" defTabSz="914400" rtl="0" eaLnBrk="1" fontAlgn="auto" latinLnBrk="0" hangingPunct="1">
+                <a:lnSpc>
+                  <a:spcPct val="100000"/>
+                </a:lnSpc>
+                <a:spcBef>
+                  <a:spcPts val="0"/>
+                </a:spcBef>
+                <a:spcAft>
+                  <a:spcPts val="0"/>
+                </a:spcAft>
+                <a:buClrTx/>
+                <a:buSzTx/>
+                <a:buFontTx/>
+                <a:buNone/>
+                <a:tabLst/>
+                <a:defRPr/>
+              </a:pPr>
+              <a:r>
+                <a:rPr kumimoji="0" lang="en-US" sz="1800" b="1" i="0" u="none" strike="noStrike" kern="1200" cap="none" spc="0" normalizeH="0" baseline="0" noProof="0" dirty="0">
+                  <a:ln>
+                    <a:noFill/>
+                  </a:ln>
+                  <a:solidFill>
+                    <a:srgbClr val="F79646">
+                      <a:lumMod val="75000"/>
+                    </a:srgbClr>
+                  </a:solidFill>
+                  <a:effectLst/>
+                  <a:uLnTx/>
+                  <a:uFillTx/>
+                  <a:latin typeface="Calibri"/>
+                  <a:ea typeface="+mn-ea"/>
+                  <a:cs typeface="+mn-cs"/>
+                </a:rPr>
+                <a:t>1</a:t>
+              </a:r>
+            </a:p>
+          </p:txBody>
+        </p:sp>
+      </p:grpSp>
+      <p:sp>
+        <p:nvSpPr>
+          <p:cNvPr id="41" name="Rectangle 40"/>
+          <p:cNvSpPr/>
+          <p:nvPr/>
+        </p:nvSpPr>
+        <p:spPr>
+          <a:xfrm>
+            <a:off x="2289301" y="3962400"/>
+            <a:ext cx="3467616" cy="369332"/>
+          </a:xfrm>
+          <a:prstGeom prst="rect">
+            <a:avLst/>
+          </a:prstGeom>
+        </p:spPr>
+        <p:txBody>
+          <a:bodyPr wrap="none">
+            <a:spAutoFit/>
+          </a:bodyPr>
+          <a:lstStyle/>
+          <a:p>
+            <a:pPr marL="0" marR="0" lvl="0" indent="0" algn="l" defTabSz="914400" rtl="0" eaLnBrk="1" fontAlgn="auto" latinLnBrk="0" hangingPunct="1">
+              <a:lnSpc>
+                <a:spcPct val="100000"/>
+              </a:lnSpc>
+              <a:spcBef>
+                <a:spcPts val="0"/>
+              </a:spcBef>
+              <a:spcAft>
+                <a:spcPts val="0"/>
+              </a:spcAft>
+              <a:buClrTx/>
+              <a:buSzTx/>
+              <a:buFontTx/>
+              <a:buNone/>
+              <a:tabLst/>
+              <a:defRPr/>
+            </a:pPr>
+            <a:r>
+              <a:rPr kumimoji="0" lang="en-US" sz="1800" b="0" i="0" u="none" strike="noStrike" kern="1200" cap="none" spc="0" normalizeH="0" baseline="0" noProof="0" dirty="0">
+                <a:ln>
+                  <a:noFill/>
+                </a:ln>
+                <a:solidFill>
+                  <a:prstClr val="black">
+                    <a:lumMod val="50000"/>
+                    <a:lumOff val="50000"/>
+                  </a:prstClr>
+                </a:solidFill>
+                <a:effectLst/>
+                <a:uLnTx/>
+                <a:uFillTx/>
+                <a:latin typeface="Arial" panose="020B0604020202020204" pitchFamily="34" charset="0"/>
+                <a:ea typeface="+mn-ea"/>
+                <a:cs typeface="Arial" panose="020B0604020202020204" pitchFamily="34" charset="0"/>
+              </a:rPr>
+              <a:t>Which cyclist rode the furthest?</a:t>
+            </a:r>
+          </a:p>
+        </p:txBody>
+      </p:sp>
+      <p:sp>
+        <p:nvSpPr>
+          <p:cNvPr id="43" name="Rectangle 42">
+            <a:extLst>
+              <a:ext uri="{FF2B5EF4-FFF2-40B4-BE49-F238E27FC236}">
+                <a16:creationId xmlns:a16="http://schemas.microsoft.com/office/drawing/2014/main" id="{276B5F92-05AC-4183-9790-25F23809F6CD}"/>
+              </a:ext>
+            </a:extLst>
+          </p:cNvPr>
+          <p:cNvSpPr/>
+          <p:nvPr/>
+        </p:nvSpPr>
+        <p:spPr>
+          <a:xfrm>
+            <a:off x="2120831" y="9001165"/>
+            <a:ext cx="4110934" cy="369332"/>
+          </a:xfrm>
+          <a:prstGeom prst="rect">
+            <a:avLst/>
+          </a:prstGeom>
+        </p:spPr>
+        <p:txBody>
+          <a:bodyPr wrap="none">
+            <a:spAutoFit/>
+          </a:bodyPr>
+          <a:lstStyle/>
+          <a:p>
+            <a:pPr marL="0" marR="0" lvl="0" indent="0" algn="l" defTabSz="914400" rtl="0" eaLnBrk="1" fontAlgn="auto" latinLnBrk="0" hangingPunct="1">
+              <a:lnSpc>
+                <a:spcPct val="100000"/>
+              </a:lnSpc>
+              <a:spcBef>
+                <a:spcPts val="0"/>
+              </a:spcBef>
+              <a:spcAft>
+                <a:spcPts val="0"/>
+              </a:spcAft>
+              <a:buClrTx/>
+              <a:buSzTx/>
+              <a:buFontTx/>
+              <a:buNone/>
+              <a:tabLst/>
+              <a:defRPr/>
+            </a:pPr>
+            <a:r>
+              <a:rPr kumimoji="0" lang="en-US" sz="1800" b="0" i="0" u="none" strike="noStrike" kern="1200" cap="none" spc="0" normalizeH="0" baseline="0" noProof="0" dirty="0">
+                <a:ln>
+                  <a:noFill/>
+                </a:ln>
+                <a:solidFill>
+                  <a:prstClr val="black">
+                    <a:lumMod val="50000"/>
+                    <a:lumOff val="50000"/>
+                  </a:prstClr>
+                </a:solidFill>
+                <a:effectLst/>
+                <a:uLnTx/>
+                <a:uFillTx/>
+                <a:latin typeface="Arial" panose="020B0604020202020204" pitchFamily="34" charset="0"/>
+                <a:ea typeface="+mn-ea"/>
+                <a:cs typeface="Arial" panose="020B0604020202020204" pitchFamily="34" charset="0"/>
+              </a:rPr>
+              <a:t>Variance = total dispersion of the data </a:t>
+            </a:r>
+          </a:p>
+        </p:txBody>
+      </p:sp>
+    </p:spTree>
+    <p:extLst>
+      <p:ext uri="{BB962C8B-B14F-4D97-AF65-F5344CB8AC3E}">
+        <p14:creationId xmlns:p14="http://schemas.microsoft.com/office/powerpoint/2010/main" val="18094921"/>
+      </p:ext>
+    </p:extLst>
+  </p:cSld>
+  <p:clrMapOvr>
+    <a:masterClrMapping/>
+  </p:clrMapOvr>
+</p:sld>
+</file>
+
+<file path=ppt/slides/slide5.xml><?xml version="1.0" encoding="utf-8"?>
+<p:sld xmlns:a="http://schemas.openxmlformats.org/drawingml/2006/main" xmlns:r="http://schemas.openxmlformats.org/officeDocument/2006/relationships" xmlns:p="http://schemas.openxmlformats.org/presentationml/2006/main">
+  <p:cSld>
+    <p:spTree>
+      <p:nvGrpSpPr>
+        <p:cNvPr id="1" name=""/>
+        <p:cNvGrpSpPr/>
+        <p:nvPr/>
+      </p:nvGrpSpPr>
+      <p:grpSpPr>
+        <a:xfrm>
+          <a:off x="0" y="0"/>
+          <a:ext cx="0" cy="0"/>
+          <a:chOff x="0" y="0"/>
+          <a:chExt cx="0" cy="0"/>
+        </a:xfrm>
+      </p:grpSpPr>
+      <p:sp>
+        <p:nvSpPr>
+          <p:cNvPr id="2" name="Slide Number Placeholder 1"/>
+          <p:cNvSpPr>
+            <a:spLocks noGrp="1"/>
+          </p:cNvSpPr>
+          <p:nvPr>
+            <p:ph type="sldNum" sz="quarter" idx="12"/>
+          </p:nvPr>
+        </p:nvSpPr>
+        <p:spPr/>
+        <p:txBody>
+          <a:bodyPr/>
+          <a:lstStyle/>
+          <a:p>
             <a:fld id="{8A2A4A19-B384-42F8-8C0D-94C30AAB39F2}" type="slidenum">
               <a:rPr lang="en-US" smtClean="0"/>
               <a:pPr/>
-              <a:t>4</a:t>
+              <a:t>5</a:t>
             </a:fld>
             <a:endParaRPr lang="en-US"/>
           </a:p>
@@ -28828,7 +31987,7 @@
                 <a:latin typeface="Stencil" panose="040409050D0802020404" pitchFamily="82" charset="0"/>
                 <a:cs typeface="Arial" panose="020B0604020202020204" pitchFamily="34" charset="0"/>
               </a:rPr>
-              <a:t>Variance</a:t>
+              <a:t>Standard deviation</a:t>
             </a:r>
             <a:br>
               <a:rPr lang="en-US" dirty="0">
@@ -29310,20 +32469,20 @@
           <p:nvPr>
             <p:extLst>
               <p:ext uri="{D42A27DB-BD31-4B8C-83A1-F6EECF244321}">
-                <p14:modId xmlns:p14="http://schemas.microsoft.com/office/powerpoint/2010/main" val="3344431947"/>
+                <p14:modId xmlns:p14="http://schemas.microsoft.com/office/powerpoint/2010/main" val="2159235046"/>
               </p:ext>
             </p:extLst>
           </p:nvPr>
         </p:nvGraphicFramePr>
         <p:xfrm>
-          <a:off x="5184136" y="7954963"/>
-          <a:ext cx="1186912" cy="427037"/>
+          <a:off x="5041284" y="7954963"/>
+          <a:ext cx="1329764" cy="478433"/>
         </p:xfrm>
         <a:graphic>
           <a:graphicData uri="http://schemas.openxmlformats.org/presentationml/2006/ole">
             <mc:AlternateContent xmlns:mc="http://schemas.openxmlformats.org/markup-compatibility/2006">
               <mc:Choice xmlns:v="urn:schemas-microsoft-com:vml" Requires="v">
-                <p:oleObj spid="_x0000_s9266" name="Equation" r:id="rId5" imgW="1091726" imgH="393529" progId="Equation.3">
+                <p:oleObj spid="_x0000_s9268" name="Equation" r:id="rId5" imgW="1091726" imgH="393529" progId="Equation.3">
                   <p:embed/>
                 </p:oleObj>
               </mc:Choice>
@@ -29353,14 +32512,13 @@
                     </p:blipFill>
                     <p:spPr bwMode="auto">
                       <a:xfrm>
-                        <a:off x="5184136" y="7954963"/>
-                        <a:ext cx="1186912" cy="427037"/>
+                        <a:off x="5041284" y="7954963"/>
+                        <a:ext cx="1329764" cy="478433"/>
                       </a:xfrm>
                       <a:prstGeom prst="rect">
                         <a:avLst/>
                       </a:prstGeom>
                       <a:noFill/>
-                      <a:extLst/>
                     </p:spPr>
                   </p:pic>
                 </p:oleObj>
@@ -29378,20 +32536,20 @@
           <p:nvPr>
             <p:extLst>
               <p:ext uri="{D42A27DB-BD31-4B8C-83A1-F6EECF244321}">
-                <p14:modId xmlns:p14="http://schemas.microsoft.com/office/powerpoint/2010/main" val="300986449"/>
+                <p14:modId xmlns:p14="http://schemas.microsoft.com/office/powerpoint/2010/main" val="836863106"/>
               </p:ext>
             </p:extLst>
           </p:nvPr>
         </p:nvGraphicFramePr>
         <p:xfrm>
-          <a:off x="1692401" y="7954962"/>
-          <a:ext cx="1077913" cy="427038"/>
+          <a:off x="1540001" y="7954962"/>
+          <a:ext cx="1230313" cy="487414"/>
         </p:xfrm>
         <a:graphic>
           <a:graphicData uri="http://schemas.openxmlformats.org/presentationml/2006/ole">
             <mc:AlternateContent xmlns:mc="http://schemas.openxmlformats.org/markup-compatibility/2006">
               <mc:Choice xmlns:v="urn:schemas-microsoft-com:vml" Requires="v">
-                <p:oleObj spid="_x0000_s9267" name="Equation" r:id="rId7" imgW="990360" imgH="393480" progId="Equation.3">
+                <p:oleObj spid="_x0000_s9269" name="Equation" r:id="rId7" imgW="990360" imgH="393480" progId="Equation.3">
                   <p:embed/>
                 </p:oleObj>
               </mc:Choice>
@@ -29415,22 +32573,13 @@
                     </p:blipFill>
                     <p:spPr bwMode="auto">
                       <a:xfrm>
-                        <a:off x="1692401" y="7954962"/>
-                        <a:ext cx="1077913" cy="427038"/>
+                        <a:off x="1540001" y="7954962"/>
+                        <a:ext cx="1230313" cy="487414"/>
                       </a:xfrm>
                       <a:prstGeom prst="rect">
                         <a:avLst/>
                       </a:prstGeom>
                       <a:noFill/>
-                      <a:extLst>
-                        <a:ext uri="{909E8E84-426E-40DD-AFC4-6F175D3DCCD1}">
-                          <a14:hiddenFill xmlns:a14="http://schemas.microsoft.com/office/drawing/2010/main">
-                            <a:solidFill>
-                              <a:srgbClr val="FFFFFF"/>
-                            </a:solidFill>
-                          </a14:hiddenFill>
-                        </a:ext>
-                      </a:extLst>
                     </p:spPr>
                   </p:pic>
                 </p:oleObj>
@@ -30197,8 +33346,8 @@
         </p:nvSpPr>
         <p:spPr>
           <a:xfrm>
-            <a:off x="2289301" y="3962400"/>
-            <a:ext cx="3467616" cy="369332"/>
+            <a:off x="1921001" y="3601666"/>
+            <a:ext cx="4095993" cy="369332"/>
           </a:xfrm>
           <a:prstGeom prst="rect">
             <a:avLst/>
@@ -30221,7 +33370,77 @@
                 <a:latin typeface="Arial" panose="020B0604020202020204" pitchFamily="34" charset="0"/>
                 <a:cs typeface="Arial" panose="020B0604020202020204" pitchFamily="34" charset="0"/>
               </a:rPr>
-              <a:t>Which cyclist rode the furthest?</a:t>
+              <a:t>What is the </a:t>
+            </a:r>
+            <a:r>
+              <a:rPr lang="en-US" b="1" dirty="0">
+                <a:solidFill>
+                  <a:schemeClr val="tx1">
+                    <a:lumMod val="50000"/>
+                    <a:lumOff val="50000"/>
+                  </a:schemeClr>
+                </a:solidFill>
+                <a:latin typeface="Arial" panose="020B0604020202020204" pitchFamily="34" charset="0"/>
+                <a:cs typeface="Arial" panose="020B0604020202020204" pitchFamily="34" charset="0"/>
+              </a:rPr>
+              <a:t>typical distance </a:t>
+            </a:r>
+            <a:r>
+              <a:rPr lang="en-US" dirty="0">
+                <a:solidFill>
+                  <a:schemeClr val="tx1">
+                    <a:lumMod val="50000"/>
+                    <a:lumOff val="50000"/>
+                  </a:schemeClr>
+                </a:solidFill>
+                <a:latin typeface="Arial" panose="020B0604020202020204" pitchFamily="34" charset="0"/>
+                <a:cs typeface="Arial" panose="020B0604020202020204" pitchFamily="34" charset="0"/>
+              </a:rPr>
+              <a:t>of a trip?</a:t>
+            </a:r>
+          </a:p>
+        </p:txBody>
+      </p:sp>
+      <p:sp>
+        <p:nvSpPr>
+          <p:cNvPr id="42" name="Rectangle 41">
+            <a:extLst>
+              <a:ext uri="{FF2B5EF4-FFF2-40B4-BE49-F238E27FC236}">
+                <a16:creationId xmlns:a16="http://schemas.microsoft.com/office/drawing/2014/main" id="{530F3070-9421-4FB1-B5E1-3F04FD42E408}"/>
+              </a:ext>
+            </a:extLst>
+          </p:cNvPr>
+          <p:cNvSpPr/>
+          <p:nvPr/>
+        </p:nvSpPr>
+        <p:spPr>
+          <a:xfrm>
+            <a:off x="2101626" y="9070870"/>
+            <a:ext cx="3951196" cy="584775"/>
+          </a:xfrm>
+          <a:prstGeom prst="rect">
+            <a:avLst/>
+          </a:prstGeom>
+        </p:spPr>
+        <p:txBody>
+          <a:bodyPr wrap="square">
+            <a:spAutoFit/>
+          </a:bodyPr>
+          <a:lstStyle/>
+          <a:p>
+            <a:pPr algn="ctr"/>
+            <a:r>
+              <a:rPr lang="en-US" sz="1600" dirty="0">
+                <a:solidFill>
+                  <a:schemeClr val="tx1">
+                    <a:lumMod val="50000"/>
+                    <a:lumOff val="50000"/>
+                  </a:schemeClr>
+                </a:solidFill>
+                <a:latin typeface="Arial" panose="020B0604020202020204" pitchFamily="34" charset="0"/>
+                <a:cs typeface="Arial" panose="020B0604020202020204" pitchFamily="34" charset="0"/>
+              </a:rPr>
+              <a:t>Standard deviation is the average distance of each data point to the mean.</a:t>
             </a:r>
           </a:p>
         </p:txBody>
@@ -30239,7 +33458,7 @@
 </p:sld>
 </file>
 
-<file path=ppt/slides/slide5.xml><?xml version="1.0" encoding="utf-8"?>
+<file path=ppt/slides/slide6.xml><?xml version="1.0" encoding="utf-8"?>
 <p:sld xmlns:a="http://schemas.openxmlformats.org/drawingml/2006/main" xmlns:r="http://schemas.openxmlformats.org/officeDocument/2006/relationships" xmlns:p="http://schemas.openxmlformats.org/presentationml/2006/main">
   <p:cSld>
     <p:spTree>
@@ -30666,7 +33885,7 @@
             <a:fld id="{8A2A4A19-B384-42F8-8C0D-94C30AAB39F2}" type="slidenum">
               <a:rPr lang="en-US" smtClean="0"/>
               <a:pPr/>
-              <a:t>5</a:t>
+              <a:t>6</a:t>
             </a:fld>
             <a:endParaRPr lang="en-US"/>
           </a:p>
@@ -31105,7 +34324,7 @@
           <a:graphicData uri="http://schemas.openxmlformats.org/presentationml/2006/ole">
             <mc:AlternateContent xmlns:mc="http://schemas.openxmlformats.org/markup-compatibility/2006">
               <mc:Choice xmlns:v="urn:schemas-microsoft-com:vml" Requires="v">
-                <p:oleObj spid="_x0000_s11312" name="Equation" r:id="rId5" imgW="1218960" imgH="393480" progId="Equation.3">
+                <p:oleObj spid="_x0000_s11314" name="Equation" r:id="rId5" imgW="1218960" imgH="393480" progId="Equation.3">
                   <p:embed/>
                 </p:oleObj>
               </mc:Choice>
@@ -31188,7 +34407,7 @@
           <a:graphicData uri="http://schemas.openxmlformats.org/presentationml/2006/ole">
             <mc:AlternateContent xmlns:mc="http://schemas.openxmlformats.org/markup-compatibility/2006">
               <mc:Choice xmlns:v="urn:schemas-microsoft-com:vml" Requires="v">
-                <p:oleObj spid="_x0000_s11313" name="Equation" r:id="rId7" imgW="1269720" imgH="444240" progId="Equation.3">
+                <p:oleObj spid="_x0000_s11315" name="Equation" r:id="rId7" imgW="1269720" imgH="444240" progId="Equation.3">
                   <p:embed/>
                 </p:oleObj>
               </mc:Choice>
@@ -31344,7 +34563,7 @@
 </p:sld>
 </file>
 
-<file path=ppt/slides/slide6.xml><?xml version="1.0" encoding="utf-8"?>
+<file path=ppt/slides/slide7.xml><?xml version="1.0" encoding="utf-8"?>
 <p:sld xmlns:a="http://schemas.openxmlformats.org/drawingml/2006/main" xmlns:r="http://schemas.openxmlformats.org/officeDocument/2006/relationships" xmlns:p="http://schemas.openxmlformats.org/presentationml/2006/main">
   <p:cSld>
     <p:spTree>
@@ -31379,7 +34598,7 @@
             <a:fld id="{8A2A4A19-B384-42F8-8C0D-94C30AAB39F2}" type="slidenum">
               <a:rPr lang="en-US" smtClean="0"/>
               <a:pPr/>
-              <a:t>6</a:t>
+              <a:t>7</a:t>
             </a:fld>
             <a:endParaRPr lang="en-US"/>
           </a:p>
@@ -32728,7 +35947,7 @@
 </p:sld>
 </file>
 
-<file path=ppt/slides/slide7.xml><?xml version="1.0" encoding="utf-8"?>
+<file path=ppt/slides/slide8.xml><?xml version="1.0" encoding="utf-8"?>
 <p:sld xmlns:a="http://schemas.openxmlformats.org/drawingml/2006/main" xmlns:r="http://schemas.openxmlformats.org/officeDocument/2006/relationships" xmlns:p="http://schemas.openxmlformats.org/presentationml/2006/main">
   <p:cSld>
     <p:spTree>
@@ -32809,7 +36028,7 @@
                 <a:tabLst/>
                 <a:defRPr/>
               </a:pPr>
-              <a:t>7</a:t>
+              <a:t>8</a:t>
             </a:fld>
             <a:endParaRPr kumimoji="0" lang="en-US" sz="1400" b="1" i="0" u="none" strike="noStrike" kern="1200" cap="none" spc="0" normalizeH="0" baseline="0" noProof="0">
               <a:ln>
@@ -33455,7 +36674,7 @@
 </p:sld>
 </file>
 
-<file path=ppt/slides/slide8.xml><?xml version="1.0" encoding="utf-8"?>
+<file path=ppt/slides/slide9.xml><?xml version="1.0" encoding="utf-8"?>
 <p:sld xmlns:a="http://schemas.openxmlformats.org/drawingml/2006/main" xmlns:r="http://schemas.openxmlformats.org/officeDocument/2006/relationships" xmlns:p="http://schemas.openxmlformats.org/presentationml/2006/main">
   <p:cSld>
     <p:spTree>
@@ -33490,7 +36709,7 @@
             <a:fld id="{8A2A4A19-B384-42F8-8C0D-94C30AAB39F2}" type="slidenum">
               <a:rPr lang="en-US" smtClean="0"/>
               <a:pPr/>
-              <a:t>8</a:t>
+              <a:t>9</a:t>
             </a:fld>
             <a:endParaRPr lang="en-US" dirty="0"/>
           </a:p>
@@ -33786,7 +37005,7 @@
           <a:graphicData uri="http://schemas.openxmlformats.org/presentationml/2006/ole">
             <mc:AlternateContent xmlns:mc="http://schemas.openxmlformats.org/markup-compatibility/2006">
               <mc:Choice xmlns:v="urn:schemas-microsoft-com:vml" Requires="v">
-                <p:oleObj spid="_x0000_s33809" name="Equation" r:id="rId3" imgW="368140" imgH="215806" progId="Equation.3">
+                <p:oleObj spid="_x0000_s33810" name="Equation" r:id="rId3" imgW="368140" imgH="215806" progId="Equation.3">
                   <p:embed/>
                 </p:oleObj>
               </mc:Choice>
@@ -34622,837 +37841,6 @@
     <p:extLst>
       <p:ext uri="{BB962C8B-B14F-4D97-AF65-F5344CB8AC3E}">
         <p14:creationId xmlns:p14="http://schemas.microsoft.com/office/powerpoint/2010/main" val="3323918079"/>
-      </p:ext>
-    </p:extLst>
-  </p:cSld>
-  <p:clrMapOvr>
-    <a:masterClrMapping/>
-  </p:clrMapOvr>
-</p:sld>
-</file>
-
-<file path=ppt/slides/slide9.xml><?xml version="1.0" encoding="utf-8"?>
-<p:sld xmlns:a="http://schemas.openxmlformats.org/drawingml/2006/main" xmlns:r="http://schemas.openxmlformats.org/officeDocument/2006/relationships" xmlns:p="http://schemas.openxmlformats.org/presentationml/2006/main">
-  <p:cSld>
-    <p:spTree>
-      <p:nvGrpSpPr>
-        <p:cNvPr id="1" name=""/>
-        <p:cNvGrpSpPr/>
-        <p:nvPr/>
-      </p:nvGrpSpPr>
-      <p:grpSpPr>
-        <a:xfrm>
-          <a:off x="0" y="0"/>
-          <a:ext cx="0" cy="0"/>
-          <a:chOff x="0" y="0"/>
-          <a:chExt cx="0" cy="0"/>
-        </a:xfrm>
-      </p:grpSpPr>
-      <p:sp>
-        <p:nvSpPr>
-          <p:cNvPr id="2" name="Title 1"/>
-          <p:cNvSpPr>
-            <a:spLocks noGrp="1"/>
-          </p:cNvSpPr>
-          <p:nvPr>
-            <p:ph type="title"/>
-          </p:nvPr>
-        </p:nvSpPr>
-        <p:spPr/>
-        <p:txBody>
-          <a:bodyPr/>
-          <a:lstStyle/>
-          <a:p>
-            <a:r>
-              <a:rPr lang="en-US" dirty="0">
-                <a:solidFill>
-                  <a:schemeClr val="tx1">
-                    <a:lumMod val="50000"/>
-                    <a:lumOff val="50000"/>
-                  </a:schemeClr>
-                </a:solidFill>
-                <a:latin typeface="Stencil" panose="040409050D0802020404" pitchFamily="82" charset="0"/>
-              </a:rPr>
-              <a:t>What is </a:t>
-            </a:r>
-            <a:r>
-              <a:rPr lang="en-US" dirty="0">
-                <a:solidFill>
-                  <a:schemeClr val="accent6">
-                    <a:lumMod val="75000"/>
-                  </a:schemeClr>
-                </a:solidFill>
-                <a:latin typeface="Stencil" panose="040409050D0802020404" pitchFamily="82" charset="0"/>
-              </a:rPr>
-              <a:t>Covariance</a:t>
-            </a:r>
-            <a:r>
-              <a:rPr lang="en-US" dirty="0">
-                <a:solidFill>
-                  <a:schemeClr val="tx1">
-                    <a:lumMod val="50000"/>
-                    <a:lumOff val="50000"/>
-                  </a:schemeClr>
-                </a:solidFill>
-                <a:latin typeface="Stencil" panose="040409050D0802020404" pitchFamily="82" charset="0"/>
-              </a:rPr>
-              <a:t>?</a:t>
-            </a:r>
-          </a:p>
-        </p:txBody>
-      </p:sp>
-      <p:graphicFrame>
-        <p:nvGraphicFramePr>
-          <p:cNvPr id="20" name="Object 3"/>
-          <p:cNvGraphicFramePr>
-            <a:graphicFrameLocks noChangeAspect="1"/>
-          </p:cNvGraphicFramePr>
-          <p:nvPr>
-            <p:extLst>
-              <p:ext uri="{D42A27DB-BD31-4B8C-83A1-F6EECF244321}">
-                <p14:modId xmlns:p14="http://schemas.microsoft.com/office/powerpoint/2010/main" val="2241809812"/>
-              </p:ext>
-            </p:extLst>
-          </p:nvPr>
-        </p:nvGraphicFramePr>
-        <p:xfrm>
-          <a:off x="2009339" y="2782973"/>
-          <a:ext cx="3527423" cy="835491"/>
-        </p:xfrm>
-        <a:graphic>
-          <a:graphicData uri="http://schemas.openxmlformats.org/presentationml/2006/ole">
-            <mc:AlternateContent xmlns:mc="http://schemas.openxmlformats.org/markup-compatibility/2006">
-              <mc:Choice xmlns:v="urn:schemas-microsoft-com:vml" Requires="v">
-                <p:oleObj spid="_x0000_s23582" name="Equation" r:id="rId3" imgW="1816100" imgH="431800" progId="Equation.3">
-                  <p:embed/>
-                </p:oleObj>
-              </mc:Choice>
-              <mc:Fallback>
-                <p:oleObj name="Equation" r:id="rId3" imgW="1816100" imgH="431800" progId="Equation.3">
-                  <p:embed/>
-                  <p:pic>
-                    <p:nvPicPr>
-                      <p:cNvPr id="20" name="Object 3"/>
-                      <p:cNvPicPr>
-                        <a:picLocks noChangeAspect="1" noChangeArrowheads="1"/>
-                      </p:cNvPicPr>
-                      <p:nvPr/>
-                    </p:nvPicPr>
-                    <p:blipFill>
-                      <a:blip r:embed="rId4">
-                        <a:extLst>
-                          <a:ext uri="{28A0092B-C50C-407E-A947-70E740481C1C}">
-                            <a14:useLocalDpi xmlns:a14="http://schemas.microsoft.com/office/drawing/2010/main" val="0"/>
-                          </a:ext>
-                        </a:extLst>
-                      </a:blip>
-                      <a:srcRect/>
-                      <a:stretch>
-                        <a:fillRect/>
-                      </a:stretch>
-                    </p:blipFill>
-                    <p:spPr bwMode="auto">
-                      <a:xfrm>
-                        <a:off x="2009339" y="2782973"/>
-                        <a:ext cx="3527423" cy="835491"/>
-                      </a:xfrm>
-                      <a:prstGeom prst="rect">
-                        <a:avLst/>
-                      </a:prstGeom>
-                      <a:noFill/>
-                      <a:extLst/>
-                    </p:spPr>
-                  </p:pic>
-                </p:oleObj>
-              </mc:Fallback>
-            </mc:AlternateContent>
-          </a:graphicData>
-        </a:graphic>
-      </p:graphicFrame>
-      <p:sp>
-        <p:nvSpPr>
-          <p:cNvPr id="19" name="Slide Number Placeholder 1"/>
-          <p:cNvSpPr>
-            <a:spLocks noGrp="1"/>
-          </p:cNvSpPr>
-          <p:nvPr>
-            <p:ph type="sldNum" sz="quarter" idx="12"/>
-          </p:nvPr>
-        </p:nvSpPr>
-        <p:spPr>
-          <a:xfrm>
-            <a:off x="6641123" y="76200"/>
-            <a:ext cx="685800" cy="535517"/>
-          </a:xfrm>
-        </p:spPr>
-        <p:txBody>
-          <a:bodyPr/>
-          <a:lstStyle/>
-          <a:p>
-            <a:fld id="{8A2A4A19-B384-42F8-8C0D-94C30AAB39F2}" type="slidenum">
-              <a:rPr lang="en-US" smtClean="0"/>
-              <a:pPr/>
-              <a:t>9</a:t>
-            </a:fld>
-            <a:endParaRPr lang="en-US" dirty="0"/>
-          </a:p>
-        </p:txBody>
-      </p:sp>
-      <p:sp>
-        <p:nvSpPr>
-          <p:cNvPr id="22" name="TextBox 21"/>
-          <p:cNvSpPr txBox="1"/>
-          <p:nvPr/>
-        </p:nvSpPr>
-        <p:spPr>
-          <a:xfrm>
-            <a:off x="3585721" y="152400"/>
-            <a:ext cx="2967479" cy="461665"/>
-          </a:xfrm>
-          <a:prstGeom prst="rect">
-            <a:avLst/>
-          </a:prstGeom>
-          <a:noFill/>
-        </p:spPr>
-        <p:txBody>
-          <a:bodyPr wrap="none" rtlCol="0">
-            <a:spAutoFit/>
-          </a:bodyPr>
-          <a:lstStyle/>
-          <a:p>
-            <a:r>
-              <a:rPr lang="en-US" sz="2400" cap="small" dirty="0">
-                <a:solidFill>
-                  <a:schemeClr val="bg1">
-                    <a:lumMod val="65000"/>
-                  </a:schemeClr>
-                </a:solidFill>
-                <a:latin typeface="Arial" panose="020B0604020202020204" pitchFamily="34" charset="0"/>
-                <a:cs typeface="Arial" panose="020B0604020202020204" pitchFamily="34" charset="0"/>
-              </a:rPr>
-              <a:t>Regression Review</a:t>
-            </a:r>
-          </a:p>
-        </p:txBody>
-      </p:sp>
-      <p:sp>
-        <p:nvSpPr>
-          <p:cNvPr id="23" name="Rectangle 22"/>
-          <p:cNvSpPr/>
-          <p:nvPr/>
-        </p:nvSpPr>
-        <p:spPr>
-          <a:xfrm>
-            <a:off x="1409700" y="6828472"/>
-            <a:ext cx="4953000" cy="1323439"/>
-          </a:xfrm>
-          <a:prstGeom prst="rect">
-            <a:avLst/>
-          </a:prstGeom>
-        </p:spPr>
-        <p:txBody>
-          <a:bodyPr wrap="square">
-            <a:spAutoFit/>
-          </a:bodyPr>
-          <a:lstStyle/>
-          <a:p>
-            <a:pPr algn="just"/>
-            <a:r>
-              <a:rPr lang="en-US" sz="1600" dirty="0">
-                <a:solidFill>
-                  <a:schemeClr val="tx1">
-                    <a:lumMod val="50000"/>
-                    <a:lumOff val="50000"/>
-                  </a:schemeClr>
-                </a:solidFill>
-                <a:latin typeface="Arial" panose="020B0604020202020204" pitchFamily="34" charset="0"/>
-                <a:cs typeface="Arial" panose="020B0604020202020204" pitchFamily="34" charset="0"/>
-              </a:rPr>
-              <a:t>First we convert all of our measures into distances from the mean. This allows us to determine whether an individual case is above-average (positive number) or below-average (negative number) on a measure.</a:t>
-            </a:r>
-          </a:p>
-        </p:txBody>
-      </p:sp>
-      <p:sp>
-        <p:nvSpPr>
-          <p:cNvPr id="24" name="TextBox 23"/>
-          <p:cNvSpPr txBox="1"/>
-          <p:nvPr/>
-        </p:nvSpPr>
-        <p:spPr>
-          <a:xfrm>
-            <a:off x="2410444" y="4341080"/>
-            <a:ext cx="2590774" cy="327782"/>
-          </a:xfrm>
-          <a:prstGeom prst="rect">
-            <a:avLst/>
-          </a:prstGeom>
-          <a:noFill/>
-        </p:spPr>
-        <p:txBody>
-          <a:bodyPr wrap="none" rtlCol="0">
-            <a:spAutoFit/>
-          </a:bodyPr>
-          <a:lstStyle/>
-          <a:p>
-            <a:r>
-              <a:rPr lang="en-US" sz="1530" dirty="0">
-                <a:solidFill>
-                  <a:schemeClr val="tx1">
-                    <a:lumMod val="50000"/>
-                    <a:lumOff val="50000"/>
-                  </a:schemeClr>
-                </a:solidFill>
-              </a:rPr>
-              <a:t>Classroom size and test scores</a:t>
-            </a:r>
-          </a:p>
-        </p:txBody>
-      </p:sp>
-      <p:graphicFrame>
-        <p:nvGraphicFramePr>
-          <p:cNvPr id="25" name="Table 24"/>
-          <p:cNvGraphicFramePr>
-            <a:graphicFrameLocks noGrp="1"/>
-          </p:cNvGraphicFramePr>
-          <p:nvPr>
-            <p:extLst>
-              <p:ext uri="{D42A27DB-BD31-4B8C-83A1-F6EECF244321}">
-                <p14:modId xmlns:p14="http://schemas.microsoft.com/office/powerpoint/2010/main" val="4158459709"/>
-              </p:ext>
-            </p:extLst>
-          </p:nvPr>
-        </p:nvGraphicFramePr>
-        <p:xfrm>
-          <a:off x="1732795" y="4782378"/>
-          <a:ext cx="4080512" cy="1279906"/>
-        </p:xfrm>
-        <a:graphic>
-          <a:graphicData uri="http://schemas.openxmlformats.org/drawingml/2006/table">
-            <a:tbl>
-              <a:tblPr firstRow="1" bandRow="1">
-                <a:tableStyleId>{93296810-A885-4BE3-A3E7-6D5BEEA58F35}</a:tableStyleId>
-              </a:tblPr>
-              <a:tblGrid>
-                <a:gridCol w="445147">
-                  <a:extLst>
-                    <a:ext uri="{9D8B030D-6E8A-4147-A177-3AD203B41FA5}">
-                      <a16:colId xmlns:a16="http://schemas.microsoft.com/office/drawing/2014/main" val="20000"/>
-                    </a:ext>
-                  </a:extLst>
-                </a:gridCol>
-                <a:gridCol w="445147">
-                  <a:extLst>
-                    <a:ext uri="{9D8B030D-6E8A-4147-A177-3AD203B41FA5}">
-                      <a16:colId xmlns:a16="http://schemas.microsoft.com/office/drawing/2014/main" val="20001"/>
-                    </a:ext>
-                  </a:extLst>
-                </a:gridCol>
-                <a:gridCol w="858496">
-                  <a:extLst>
-                    <a:ext uri="{9D8B030D-6E8A-4147-A177-3AD203B41FA5}">
-                      <a16:colId xmlns:a16="http://schemas.microsoft.com/office/drawing/2014/main" val="20002"/>
-                    </a:ext>
-                  </a:extLst>
-                </a:gridCol>
-                <a:gridCol w="842010">
-                  <a:extLst>
-                    <a:ext uri="{9D8B030D-6E8A-4147-A177-3AD203B41FA5}">
-                      <a16:colId xmlns:a16="http://schemas.microsoft.com/office/drawing/2014/main" val="20003"/>
-                    </a:ext>
-                  </a:extLst>
-                </a:gridCol>
-                <a:gridCol w="1489712">
-                  <a:extLst>
-                    <a:ext uri="{9D8B030D-6E8A-4147-A177-3AD203B41FA5}">
-                      <a16:colId xmlns:a16="http://schemas.microsoft.com/office/drawing/2014/main" val="20004"/>
-                    </a:ext>
-                  </a:extLst>
-                </a:gridCol>
-              </a:tblGrid>
-              <a:tr h="315214">
-                <a:tc>
-                  <a:txBody>
-                    <a:bodyPr/>
-                    <a:lstStyle/>
-                    <a:p>
-                      <a:pPr algn="ctr"/>
-                      <a:r>
-                        <a:rPr lang="en-US" sz="1500" dirty="0"/>
-                        <a:t>X</a:t>
-                      </a:r>
-                    </a:p>
-                  </a:txBody>
-                  <a:tcPr marL="77724" marR="77724" marT="38862" marB="38862"/>
-                </a:tc>
-                <a:tc>
-                  <a:txBody>
-                    <a:bodyPr/>
-                    <a:lstStyle/>
-                    <a:p>
-                      <a:pPr algn="ctr"/>
-                      <a:r>
-                        <a:rPr lang="en-US" sz="1500" dirty="0"/>
-                        <a:t>Y</a:t>
-                      </a:r>
-                    </a:p>
-                  </a:txBody>
-                  <a:tcPr marL="77724" marR="77724" marT="38862" marB="38862"/>
-                </a:tc>
-                <a:tc>
-                  <a:txBody>
-                    <a:bodyPr/>
-                    <a:lstStyle/>
-                    <a:p>
-                      <a:pPr algn="ctr"/>
-                      <a:r>
-                        <a:rPr lang="en-US" sz="1500" dirty="0"/>
-                        <a:t>X-</a:t>
-                      </a:r>
-                      <a:r>
-                        <a:rPr lang="en-US" sz="1500" dirty="0" err="1"/>
-                        <a:t>Xbar</a:t>
-                      </a:r>
-                      <a:endParaRPr lang="en-US" sz="1500" dirty="0"/>
-                    </a:p>
-                  </a:txBody>
-                  <a:tcPr marL="77724" marR="77724" marT="38862" marB="38862"/>
-                </a:tc>
-                <a:tc>
-                  <a:txBody>
-                    <a:bodyPr/>
-                    <a:lstStyle/>
-                    <a:p>
-                      <a:pPr algn="ctr"/>
-                      <a:r>
-                        <a:rPr lang="en-US" sz="1500" dirty="0"/>
-                        <a:t>Y-</a:t>
-                      </a:r>
-                      <a:r>
-                        <a:rPr lang="en-US" sz="1500" dirty="0" err="1"/>
-                        <a:t>Ybar</a:t>
-                      </a:r>
-                      <a:endParaRPr lang="en-US" sz="1500" dirty="0"/>
-                    </a:p>
-                  </a:txBody>
-                  <a:tcPr marL="77724" marR="77724" marT="38862" marB="38862"/>
-                </a:tc>
-                <a:tc>
-                  <a:txBody>
-                    <a:bodyPr/>
-                    <a:lstStyle/>
-                    <a:p>
-                      <a:pPr algn="ctr"/>
-                      <a:r>
-                        <a:rPr lang="en-US" sz="1500" dirty="0"/>
-                        <a:t>(X-</a:t>
-                      </a:r>
-                      <a:r>
-                        <a:rPr lang="en-US" sz="1500" dirty="0" err="1"/>
-                        <a:t>Xbar</a:t>
-                      </a:r>
-                      <a:r>
-                        <a:rPr lang="en-US" sz="1500" dirty="0"/>
-                        <a:t>)(Y-</a:t>
-                      </a:r>
-                      <a:r>
-                        <a:rPr lang="en-US" sz="1500" dirty="0" err="1"/>
-                        <a:t>Ybar</a:t>
-                      </a:r>
-                      <a:r>
-                        <a:rPr lang="en-US" sz="1500" dirty="0"/>
-                        <a:t>)</a:t>
-                      </a:r>
-                    </a:p>
-                  </a:txBody>
-                  <a:tcPr marL="77724" marR="77724" marT="38862" marB="38862"/>
-                </a:tc>
-                <a:extLst>
-                  <a:ext uri="{0D108BD9-81ED-4DB2-BD59-A6C34878D82A}">
-                    <a16:rowId xmlns:a16="http://schemas.microsoft.com/office/drawing/2014/main" val="10000"/>
-                  </a:ext>
-                </a:extLst>
-              </a:tr>
-              <a:tr h="315214">
-                <a:tc>
-                  <a:txBody>
-                    <a:bodyPr/>
-                    <a:lstStyle/>
-                    <a:p>
-                      <a:pPr algn="ctr"/>
-                      <a:r>
-                        <a:rPr lang="en-US" sz="1500" dirty="0">
-                          <a:solidFill>
-                            <a:schemeClr val="tx1">
-                              <a:lumMod val="50000"/>
-                              <a:lumOff val="50000"/>
-                            </a:schemeClr>
-                          </a:solidFill>
-                        </a:rPr>
-                        <a:t>3</a:t>
-                      </a:r>
-                    </a:p>
-                  </a:txBody>
-                  <a:tcPr marL="77724" marR="77724" marT="38862" marB="38862"/>
-                </a:tc>
-                <a:tc>
-                  <a:txBody>
-                    <a:bodyPr/>
-                    <a:lstStyle/>
-                    <a:p>
-                      <a:pPr algn="ctr"/>
-                      <a:r>
-                        <a:rPr lang="en-US" sz="1500" dirty="0">
-                          <a:solidFill>
-                            <a:schemeClr val="tx1">
-                              <a:lumMod val="50000"/>
-                              <a:lumOff val="50000"/>
-                            </a:schemeClr>
-                          </a:solidFill>
-                        </a:rPr>
-                        <a:t>5</a:t>
-                      </a:r>
-                    </a:p>
-                  </a:txBody>
-                  <a:tcPr marL="77724" marR="77724" marT="38862" marB="38862"/>
-                </a:tc>
-                <a:tc>
-                  <a:txBody>
-                    <a:bodyPr/>
-                    <a:lstStyle/>
-                    <a:p>
-                      <a:pPr algn="ctr"/>
-                      <a:r>
-                        <a:rPr lang="en-US" sz="1500" dirty="0">
-                          <a:solidFill>
-                            <a:schemeClr val="tx1">
-                              <a:lumMod val="50000"/>
-                              <a:lumOff val="50000"/>
-                            </a:schemeClr>
-                          </a:solidFill>
-                        </a:rPr>
-                        <a:t>3 - 6  (-)</a:t>
-                      </a:r>
-                    </a:p>
-                  </a:txBody>
-                  <a:tcPr marL="77724" marR="77724" marT="38862" marB="38862"/>
-                </a:tc>
-                <a:tc>
-                  <a:txBody>
-                    <a:bodyPr/>
-                    <a:lstStyle/>
-                    <a:p>
-                      <a:pPr algn="ctr"/>
-                      <a:r>
-                        <a:rPr lang="en-US" sz="1500" dirty="0">
-                          <a:solidFill>
-                            <a:schemeClr val="tx1">
-                              <a:lumMod val="50000"/>
-                              <a:lumOff val="50000"/>
-                            </a:schemeClr>
-                          </a:solidFill>
-                        </a:rPr>
-                        <a:t>5 - 3  (+)</a:t>
-                      </a:r>
-                    </a:p>
-                  </a:txBody>
-                  <a:tcPr marL="77724" marR="77724" marT="38862" marB="38862"/>
-                </a:tc>
-                <a:tc>
-                  <a:txBody>
-                    <a:bodyPr/>
-                    <a:lstStyle/>
-                    <a:p>
-                      <a:pPr algn="ctr"/>
-                      <a:r>
-                        <a:rPr lang="en-US" sz="1600" dirty="0"/>
-                        <a:t>(-)(+)  =  (-)</a:t>
-                      </a:r>
-                    </a:p>
-                  </a:txBody>
-                  <a:tcPr marL="77724" marR="77724" marT="38862" marB="38862"/>
-                </a:tc>
-                <a:extLst>
-                  <a:ext uri="{0D108BD9-81ED-4DB2-BD59-A6C34878D82A}">
-                    <a16:rowId xmlns:a16="http://schemas.microsoft.com/office/drawing/2014/main" val="10001"/>
-                  </a:ext>
-                </a:extLst>
-              </a:tr>
-              <a:tr h="315214">
-                <a:tc>
-                  <a:txBody>
-                    <a:bodyPr/>
-                    <a:lstStyle/>
-                    <a:p>
-                      <a:pPr algn="ctr"/>
-                      <a:r>
-                        <a:rPr lang="en-US" sz="1500" dirty="0">
-                          <a:solidFill>
-                            <a:schemeClr val="tx1">
-                              <a:lumMod val="50000"/>
-                              <a:lumOff val="50000"/>
-                            </a:schemeClr>
-                          </a:solidFill>
-                        </a:rPr>
-                        <a:t>5</a:t>
-                      </a:r>
-                    </a:p>
-                  </a:txBody>
-                  <a:tcPr marL="77724" marR="77724" marT="38862" marB="38862"/>
-                </a:tc>
-                <a:tc>
-                  <a:txBody>
-                    <a:bodyPr/>
-                    <a:lstStyle/>
-                    <a:p>
-                      <a:pPr algn="ctr"/>
-                      <a:r>
-                        <a:rPr lang="en-US" sz="1500" dirty="0">
-                          <a:solidFill>
-                            <a:schemeClr val="tx1">
-                              <a:lumMod val="50000"/>
-                              <a:lumOff val="50000"/>
-                            </a:schemeClr>
-                          </a:solidFill>
-                        </a:rPr>
-                        <a:t>2</a:t>
-                      </a:r>
-                    </a:p>
-                  </a:txBody>
-                  <a:tcPr marL="77724" marR="77724" marT="38862" marB="38862"/>
-                </a:tc>
-                <a:tc>
-                  <a:txBody>
-                    <a:bodyPr/>
-                    <a:lstStyle/>
-                    <a:p>
-                      <a:pPr algn="ctr"/>
-                      <a:r>
-                        <a:rPr lang="en-US" sz="1500" dirty="0">
-                          <a:solidFill>
-                            <a:schemeClr val="tx1">
-                              <a:lumMod val="50000"/>
-                              <a:lumOff val="50000"/>
-                            </a:schemeClr>
-                          </a:solidFill>
-                        </a:rPr>
-                        <a:t>5 - 6  (-)</a:t>
-                      </a:r>
-                    </a:p>
-                  </a:txBody>
-                  <a:tcPr marL="77724" marR="77724" marT="38862" marB="38862"/>
-                </a:tc>
-                <a:tc>
-                  <a:txBody>
-                    <a:bodyPr/>
-                    <a:lstStyle/>
-                    <a:p>
-                      <a:pPr algn="ctr"/>
-                      <a:r>
-                        <a:rPr lang="en-US" sz="1500" dirty="0">
-                          <a:solidFill>
-                            <a:schemeClr val="tx1">
-                              <a:lumMod val="50000"/>
-                              <a:lumOff val="50000"/>
-                            </a:schemeClr>
-                          </a:solidFill>
-                        </a:rPr>
-                        <a:t>2 </a:t>
-                      </a:r>
-                      <a:r>
-                        <a:rPr lang="en-US" sz="1500" baseline="0" dirty="0">
-                          <a:solidFill>
-                            <a:schemeClr val="tx1">
-                              <a:lumMod val="50000"/>
-                              <a:lumOff val="50000"/>
-                            </a:schemeClr>
-                          </a:solidFill>
-                        </a:rPr>
-                        <a:t>- 3  (-)</a:t>
-                      </a:r>
-                      <a:endParaRPr lang="en-US" sz="1500" dirty="0">
-                        <a:solidFill>
-                          <a:schemeClr val="tx1">
-                            <a:lumMod val="50000"/>
-                            <a:lumOff val="50000"/>
-                          </a:schemeClr>
-                        </a:solidFill>
-                      </a:endParaRPr>
-                    </a:p>
-                  </a:txBody>
-                  <a:tcPr marL="77724" marR="77724" marT="38862" marB="38862"/>
-                </a:tc>
-                <a:tc>
-                  <a:txBody>
-                    <a:bodyPr/>
-                    <a:lstStyle/>
-                    <a:p>
-                      <a:pPr algn="ctr"/>
-                      <a:r>
-                        <a:rPr lang="en-US" sz="1600" dirty="0"/>
-                        <a:t>(-)(-)  =  (+)</a:t>
-                      </a:r>
-                    </a:p>
-                  </a:txBody>
-                  <a:tcPr marL="77724" marR="77724" marT="38862" marB="38862"/>
-                </a:tc>
-                <a:extLst>
-                  <a:ext uri="{0D108BD9-81ED-4DB2-BD59-A6C34878D82A}">
-                    <a16:rowId xmlns:a16="http://schemas.microsoft.com/office/drawing/2014/main" val="10002"/>
-                  </a:ext>
-                </a:extLst>
-              </a:tr>
-              <a:tr h="315214">
-                <a:tc>
-                  <a:txBody>
-                    <a:bodyPr/>
-                    <a:lstStyle/>
-                    <a:p>
-                      <a:pPr algn="ctr"/>
-                      <a:r>
-                        <a:rPr lang="en-US" sz="1500" dirty="0">
-                          <a:solidFill>
-                            <a:schemeClr val="tx1">
-                              <a:lumMod val="50000"/>
-                              <a:lumOff val="50000"/>
-                            </a:schemeClr>
-                          </a:solidFill>
-                        </a:rPr>
-                        <a:t>10</a:t>
-                      </a:r>
-                    </a:p>
-                  </a:txBody>
-                  <a:tcPr marL="77724" marR="77724" marT="38862" marB="38862"/>
-                </a:tc>
-                <a:tc>
-                  <a:txBody>
-                    <a:bodyPr/>
-                    <a:lstStyle/>
-                    <a:p>
-                      <a:pPr algn="ctr"/>
-                      <a:r>
-                        <a:rPr lang="en-US" sz="1500" dirty="0">
-                          <a:solidFill>
-                            <a:schemeClr val="tx1">
-                              <a:lumMod val="50000"/>
-                              <a:lumOff val="50000"/>
-                            </a:schemeClr>
-                          </a:solidFill>
-                        </a:rPr>
-                        <a:t>2</a:t>
-                      </a:r>
-                    </a:p>
-                  </a:txBody>
-                  <a:tcPr marL="77724" marR="77724" marT="38862" marB="38862"/>
-                </a:tc>
-                <a:tc>
-                  <a:txBody>
-                    <a:bodyPr/>
-                    <a:lstStyle/>
-                    <a:p>
-                      <a:pPr algn="ctr"/>
-                      <a:r>
-                        <a:rPr lang="en-US" sz="1500" dirty="0">
-                          <a:solidFill>
-                            <a:schemeClr val="tx1">
-                              <a:lumMod val="50000"/>
-                              <a:lumOff val="50000"/>
-                            </a:schemeClr>
-                          </a:solidFill>
-                        </a:rPr>
-                        <a:t>10 - 6</a:t>
-                      </a:r>
-                      <a:r>
-                        <a:rPr lang="en-US" sz="1500" baseline="0" dirty="0">
-                          <a:solidFill>
-                            <a:schemeClr val="tx1">
-                              <a:lumMod val="50000"/>
-                              <a:lumOff val="50000"/>
-                            </a:schemeClr>
-                          </a:solidFill>
-                        </a:rPr>
-                        <a:t> (+)</a:t>
-                      </a:r>
-                      <a:endParaRPr lang="en-US" sz="1500" dirty="0">
-                        <a:solidFill>
-                          <a:schemeClr val="tx1">
-                            <a:lumMod val="50000"/>
-                            <a:lumOff val="50000"/>
-                          </a:schemeClr>
-                        </a:solidFill>
-                      </a:endParaRPr>
-                    </a:p>
-                  </a:txBody>
-                  <a:tcPr marL="77724" marR="77724" marT="38862" marB="38862"/>
-                </a:tc>
-                <a:tc>
-                  <a:txBody>
-                    <a:bodyPr/>
-                    <a:lstStyle/>
-                    <a:p>
-                      <a:pPr algn="ctr"/>
-                      <a:r>
-                        <a:rPr lang="en-US" sz="1500" dirty="0">
-                          <a:solidFill>
-                            <a:schemeClr val="tx1">
-                              <a:lumMod val="50000"/>
-                              <a:lumOff val="50000"/>
-                            </a:schemeClr>
-                          </a:solidFill>
-                        </a:rPr>
-                        <a:t>2 - 3</a:t>
-                      </a:r>
-                      <a:r>
-                        <a:rPr lang="en-US" sz="1500" baseline="0" dirty="0">
-                          <a:solidFill>
-                            <a:schemeClr val="tx1">
-                              <a:lumMod val="50000"/>
-                              <a:lumOff val="50000"/>
-                            </a:schemeClr>
-                          </a:solidFill>
-                        </a:rPr>
-                        <a:t>  (-)</a:t>
-                      </a:r>
-                      <a:endParaRPr lang="en-US" sz="1500" dirty="0">
-                        <a:solidFill>
-                          <a:schemeClr val="tx1">
-                            <a:lumMod val="50000"/>
-                            <a:lumOff val="50000"/>
-                          </a:schemeClr>
-                        </a:solidFill>
-                      </a:endParaRPr>
-                    </a:p>
-                  </a:txBody>
-                  <a:tcPr marL="77724" marR="77724" marT="38862" marB="38862"/>
-                </a:tc>
-                <a:tc>
-                  <a:txBody>
-                    <a:bodyPr/>
-                    <a:lstStyle/>
-                    <a:p>
-                      <a:pPr algn="ctr"/>
-                      <a:r>
-                        <a:rPr lang="en-US" sz="1600" dirty="0"/>
-                        <a:t>(+)(-)  =  (-)</a:t>
-                      </a:r>
-                    </a:p>
-                  </a:txBody>
-                  <a:tcPr marL="77724" marR="77724" marT="38862" marB="38862"/>
-                </a:tc>
-                <a:extLst>
-                  <a:ext uri="{0D108BD9-81ED-4DB2-BD59-A6C34878D82A}">
-                    <a16:rowId xmlns:a16="http://schemas.microsoft.com/office/drawing/2014/main" val="10003"/>
-                  </a:ext>
-                </a:extLst>
-              </a:tr>
-            </a:tbl>
-          </a:graphicData>
-        </a:graphic>
-      </p:graphicFrame>
-    </p:spTree>
-    <p:extLst>
-      <p:ext uri="{BB962C8B-B14F-4D97-AF65-F5344CB8AC3E}">
-        <p14:creationId xmlns:p14="http://schemas.microsoft.com/office/powerpoint/2010/main" val="688836871"/>
       </p:ext>
     </p:extLst>
   </p:cSld>
